--- a/Week 2/Use Case.pptx
+++ b/Week 2/Use Case.pptx
@@ -6,6 +6,10 @@
   </p:sldMasterIdLst>
   <p:sldIdLst>
     <p:sldId id="256" r:id="rId2"/>
+    <p:sldId id="257" r:id="rId3"/>
+    <p:sldId id="258" r:id="rId4"/>
+    <p:sldId id="259" r:id="rId5"/>
+    <p:sldId id="260" r:id="rId6"/>
   </p:sldIdLst>
   <p:sldSz cx="12192000" cy="9018588"/>
   <p:notesSz cx="6858000" cy="9144000"/>
@@ -104,6 +108,11 @@
       </a:defRPr>
     </a:lvl9pPr>
   </p:defaultTextStyle>
+  <p:extLst>
+    <p:ext uri="{EFAFB233-063F-42B5-8137-9DF3F51BA10A}">
+      <p15:sldGuideLst xmlns:p15="http://schemas.microsoft.com/office/powerpoint/2012/main"/>
+    </p:ext>
+  </p:extLst>
 </p:presentation>
 </file>
 
@@ -238,7 +247,7 @@
           <a:p>
             <a:fld id="{2B67E3C9-07A2-4588-973A-FCDD4FB55356}" type="datetimeFigureOut">
               <a:rPr lang="en-MY" smtClean="0"/>
-              <a:t>15/1/2019</a:t>
+              <a:t>16/1/2019</a:t>
             </a:fld>
             <a:endParaRPr lang="en-MY"/>
           </a:p>
@@ -408,7 +417,7 @@
           <a:p>
             <a:fld id="{2B67E3C9-07A2-4588-973A-FCDD4FB55356}" type="datetimeFigureOut">
               <a:rPr lang="en-MY" smtClean="0"/>
-              <a:t>15/1/2019</a:t>
+              <a:t>16/1/2019</a:t>
             </a:fld>
             <a:endParaRPr lang="en-MY"/>
           </a:p>
@@ -588,7 +597,7 @@
           <a:p>
             <a:fld id="{2B67E3C9-07A2-4588-973A-FCDD4FB55356}" type="datetimeFigureOut">
               <a:rPr lang="en-MY" smtClean="0"/>
-              <a:t>15/1/2019</a:t>
+              <a:t>16/1/2019</a:t>
             </a:fld>
             <a:endParaRPr lang="en-MY"/>
           </a:p>
@@ -758,7 +767,7 @@
           <a:p>
             <a:fld id="{2B67E3C9-07A2-4588-973A-FCDD4FB55356}" type="datetimeFigureOut">
               <a:rPr lang="en-MY" smtClean="0"/>
-              <a:t>15/1/2019</a:t>
+              <a:t>16/1/2019</a:t>
             </a:fld>
             <a:endParaRPr lang="en-MY"/>
           </a:p>
@@ -1002,7 +1011,7 @@
           <a:p>
             <a:fld id="{2B67E3C9-07A2-4588-973A-FCDD4FB55356}" type="datetimeFigureOut">
               <a:rPr lang="en-MY" smtClean="0"/>
-              <a:t>15/1/2019</a:t>
+              <a:t>16/1/2019</a:t>
             </a:fld>
             <a:endParaRPr lang="en-MY"/>
           </a:p>
@@ -1234,7 +1243,7 @@
           <a:p>
             <a:fld id="{2B67E3C9-07A2-4588-973A-FCDD4FB55356}" type="datetimeFigureOut">
               <a:rPr lang="en-MY" smtClean="0"/>
-              <a:t>15/1/2019</a:t>
+              <a:t>16/1/2019</a:t>
             </a:fld>
             <a:endParaRPr lang="en-MY"/>
           </a:p>
@@ -1601,7 +1610,7 @@
           <a:p>
             <a:fld id="{2B67E3C9-07A2-4588-973A-FCDD4FB55356}" type="datetimeFigureOut">
               <a:rPr lang="en-MY" smtClean="0"/>
-              <a:t>15/1/2019</a:t>
+              <a:t>16/1/2019</a:t>
             </a:fld>
             <a:endParaRPr lang="en-MY"/>
           </a:p>
@@ -1719,7 +1728,7 @@
           <a:p>
             <a:fld id="{2B67E3C9-07A2-4588-973A-FCDD4FB55356}" type="datetimeFigureOut">
               <a:rPr lang="en-MY" smtClean="0"/>
-              <a:t>15/1/2019</a:t>
+              <a:t>16/1/2019</a:t>
             </a:fld>
             <a:endParaRPr lang="en-MY"/>
           </a:p>
@@ -1814,7 +1823,7 @@
           <a:p>
             <a:fld id="{2B67E3C9-07A2-4588-973A-FCDD4FB55356}" type="datetimeFigureOut">
               <a:rPr lang="en-MY" smtClean="0"/>
-              <a:t>15/1/2019</a:t>
+              <a:t>16/1/2019</a:t>
             </a:fld>
             <a:endParaRPr lang="en-MY"/>
           </a:p>
@@ -2091,7 +2100,7 @@
           <a:p>
             <a:fld id="{2B67E3C9-07A2-4588-973A-FCDD4FB55356}" type="datetimeFigureOut">
               <a:rPr lang="en-MY" smtClean="0"/>
-              <a:t>15/1/2019</a:t>
+              <a:t>16/1/2019</a:t>
             </a:fld>
             <a:endParaRPr lang="en-MY"/>
           </a:p>
@@ -2348,7 +2357,7 @@
           <a:p>
             <a:fld id="{2B67E3C9-07A2-4588-973A-FCDD4FB55356}" type="datetimeFigureOut">
               <a:rPr lang="en-MY" smtClean="0"/>
-              <a:t>15/1/2019</a:t>
+              <a:t>16/1/2019</a:t>
             </a:fld>
             <a:endParaRPr lang="en-MY"/>
           </a:p>
@@ -2561,7 +2570,7 @@
           <a:p>
             <a:fld id="{2B67E3C9-07A2-4588-973A-FCDD4FB55356}" type="datetimeFigureOut">
               <a:rPr lang="en-MY" smtClean="0"/>
-              <a:t>15/1/2019</a:t>
+              <a:t>16/1/2019</a:t>
             </a:fld>
             <a:endParaRPr lang="en-MY"/>
           </a:p>
@@ -2974,8 +2983,8 @@
         </p:nvSpPr>
         <p:spPr>
           <a:xfrm>
-            <a:off x="3823854" y="266933"/>
-            <a:ext cx="5419778" cy="8751655"/>
+            <a:off x="3490395" y="266933"/>
+            <a:ext cx="5419778" cy="8531078"/>
           </a:xfrm>
           <a:prstGeom prst="rect">
             <a:avLst/>
@@ -3722,14 +3731,14 @@
           <p:nvPr>
             <p:extLst>
               <p:ext uri="{D42A27DB-BD31-4B8C-83A1-F6EECF244321}">
-                <p14:modId xmlns:p14="http://schemas.microsoft.com/office/powerpoint/2010/main" val="2433461163"/>
+                <p14:modId xmlns:p14="http://schemas.microsoft.com/office/powerpoint/2010/main" val="4228527375"/>
               </p:ext>
             </p:extLst>
           </p:nvPr>
         </p:nvGraphicFramePr>
         <p:xfrm>
-          <a:off x="1230860" y="5054541"/>
-          <a:ext cx="1146810" cy="772033"/>
+          <a:off x="896941" y="5056405"/>
+          <a:ext cx="1978968" cy="386017"/>
         </p:xfrm>
         <a:graphic>
           <a:graphicData uri="http://schemas.openxmlformats.org/drawingml/2006/table">
@@ -3738,7 +3747,7 @@
                 <a:tableStyleId>{5C22544A-7EE6-4342-B048-85BDC9FD1C3A}</a:tableStyleId>
               </a:tblPr>
               <a:tblGrid>
-                <a:gridCol w="1146810">
+                <a:gridCol w="1978968">
                   <a:extLst>
                     <a:ext uri="{9D8B030D-6E8A-4147-A177-3AD203B41FA5}">
                       <a16:colId xmlns:a16="http://schemas.microsoft.com/office/drawing/2014/main" val="3283859600"/>
@@ -4000,7 +4009,7 @@
         </p:nvSpPr>
         <p:spPr>
           <a:xfrm>
-            <a:off x="5168650" y="5841534"/>
+            <a:off x="5166133" y="5310363"/>
             <a:ext cx="2730186" cy="737352"/>
           </a:xfrm>
           <a:prstGeom prst="ellipse">
@@ -4100,7 +4109,7 @@
           <p:nvPr>
             <p:extLst>
               <p:ext uri="{D42A27DB-BD31-4B8C-83A1-F6EECF244321}">
-                <p14:modId xmlns:p14="http://schemas.microsoft.com/office/powerpoint/2010/main" val="1630984958"/>
+                <p14:modId xmlns:p14="http://schemas.microsoft.com/office/powerpoint/2010/main" val="339153260"/>
               </p:ext>
             </p:extLst>
           </p:nvPr>
@@ -4143,7 +4152,7 @@
                           <a:solidFill>
                             <a:sysClr val="windowText" lastClr="000000"/>
                           </a:solidFill>
-                          <a:latin typeface="Myriad Pro" panose="020B0503030403020204" pitchFamily="34" charset="0"/>
+                          <a:latin typeface="Times New Roman" panose="02020603050405020304" pitchFamily="18" charset="0"/>
                           <a:cs typeface="Times New Roman" panose="02020603050405020304" pitchFamily="18" charset="0"/>
                         </a:rPr>
                         <a:t>&lt;&lt;extend&gt;&gt;</a:t>
@@ -4152,7 +4161,7 @@
                         <a:solidFill>
                           <a:sysClr val="windowText" lastClr="000000"/>
                         </a:solidFill>
-                        <a:latin typeface="Myriad Pro" panose="020B0503030403020204" pitchFamily="34" charset="0"/>
+                        <a:latin typeface="Times New Roman" panose="02020603050405020304" pitchFamily="18" charset="0"/>
                         <a:cs typeface="Times New Roman" panose="02020603050405020304" pitchFamily="18" charset="0"/>
                       </a:endParaRPr>
                     </a:p>
@@ -4202,8 +4211,8 @@
         </p:nvCxnSpPr>
         <p:spPr>
           <a:xfrm flipH="1" flipV="1">
-            <a:off x="7898836" y="6210210"/>
-            <a:ext cx="1617729" cy="449480"/>
+            <a:off x="7896319" y="5679039"/>
+            <a:ext cx="1620246" cy="980651"/>
           </a:xfrm>
           <a:prstGeom prst="line">
             <a:avLst/>
@@ -4237,7 +4246,7 @@
         </p:nvSpPr>
         <p:spPr>
           <a:xfrm>
-            <a:off x="5124206" y="6705652"/>
+            <a:off x="5095838" y="6220443"/>
             <a:ext cx="2730186" cy="737352"/>
           </a:xfrm>
           <a:prstGeom prst="ellipse">
@@ -4295,7 +4304,7 @@
         </p:nvSpPr>
         <p:spPr>
           <a:xfrm>
-            <a:off x="5147173" y="7569770"/>
+            <a:off x="5118090" y="7407398"/>
             <a:ext cx="2730186" cy="737352"/>
           </a:xfrm>
           <a:prstGeom prst="ellipse">
@@ -4355,9 +4364,9 @@
           <p:nvPr/>
         </p:nvCxnSpPr>
         <p:spPr>
-          <a:xfrm flipH="1">
-            <a:off x="7854392" y="6659690"/>
-            <a:ext cx="1662173" cy="414638"/>
+          <a:xfrm flipH="1" flipV="1">
+            <a:off x="7826024" y="6589119"/>
+            <a:ext cx="1690541" cy="70571"/>
           </a:xfrm>
           <a:prstGeom prst="line">
             <a:avLst/>
@@ -4394,8 +4403,8 @@
         </p:nvCxnSpPr>
         <p:spPr>
           <a:xfrm flipH="1">
-            <a:off x="7877359" y="6659690"/>
-            <a:ext cx="1639206" cy="1278756"/>
+            <a:off x="7848276" y="6659690"/>
+            <a:ext cx="1668289" cy="1116384"/>
           </a:xfrm>
           <a:prstGeom prst="line">
             <a:avLst/>
@@ -4585,7 +4594,7 @@
           <p:nvPr>
             <p:extLst>
               <p:ext uri="{D42A27DB-BD31-4B8C-83A1-F6EECF244321}">
-                <p14:modId xmlns:p14="http://schemas.microsoft.com/office/powerpoint/2010/main" val="2807948796"/>
+                <p14:modId xmlns:p14="http://schemas.microsoft.com/office/powerpoint/2010/main" val="3193584504"/>
               </p:ext>
             </p:extLst>
           </p:nvPr>
@@ -4631,7 +4640,27 @@
                           <a:latin typeface="Myriad Pro" panose="020B0503030403020204" pitchFamily="34" charset="0"/>
                           <a:cs typeface="Times New Roman" panose="02020603050405020304" pitchFamily="18" charset="0"/>
                         </a:rPr>
-                        <a:t>&lt;&lt;extend&gt;&gt;</a:t>
+                        <a:t>&lt;&lt;</a:t>
+                      </a:r>
+                      <a:r>
+                        <a:rPr lang="en-MY" sz="1400" u="none" dirty="0" smtClean="0">
+                          <a:solidFill>
+                            <a:sysClr val="windowText" lastClr="000000"/>
+                          </a:solidFill>
+                          <a:latin typeface="Times New Roman" panose="02020603050405020304" pitchFamily="18" charset="0"/>
+                          <a:cs typeface="Times New Roman" panose="02020603050405020304" pitchFamily="18" charset="0"/>
+                        </a:rPr>
+                        <a:t>extend</a:t>
+                      </a:r>
+                      <a:r>
+                        <a:rPr lang="en-MY" sz="1400" u="none" dirty="0" smtClean="0">
+                          <a:solidFill>
+                            <a:sysClr val="windowText" lastClr="000000"/>
+                          </a:solidFill>
+                          <a:latin typeface="Myriad Pro" panose="020B0503030403020204" pitchFamily="34" charset="0"/>
+                          <a:cs typeface="Times New Roman" panose="02020603050405020304" pitchFamily="18" charset="0"/>
+                        </a:rPr>
+                        <a:t>&gt;&gt;</a:t>
                       </a:r>
                       <a:endParaRPr lang="en-MY" sz="1400" u="none" dirty="0">
                         <a:solidFill>
@@ -4676,10 +4705,5452 @@
           </a:graphicData>
         </a:graphic>
       </p:graphicFrame>
+      <p:cxnSp>
+        <p:nvCxnSpPr>
+          <p:cNvPr id="38" name="Straight Arrow Connector 37"/>
+          <p:cNvCxnSpPr>
+            <a:stCxn id="100" idx="0"/>
+            <a:endCxn id="99" idx="4"/>
+          </p:cNvCxnSpPr>
+          <p:nvPr/>
+        </p:nvCxnSpPr>
+        <p:spPr>
+          <a:xfrm flipH="1" flipV="1">
+            <a:off x="6460931" y="6957795"/>
+            <a:ext cx="22252" cy="449603"/>
+          </a:xfrm>
+          <a:prstGeom prst="straightConnector1">
+            <a:avLst/>
+          </a:prstGeom>
+          <a:ln w="12700" cmpd="sng">
+            <a:solidFill>
+              <a:schemeClr val="tx1"/>
+            </a:solidFill>
+            <a:prstDash val="sysDash"/>
+            <a:headEnd type="arrow" w="lg" len="lg"/>
+            <a:tailEnd type="none"/>
+          </a:ln>
+        </p:spPr>
+        <p:style>
+          <a:lnRef idx="1">
+            <a:schemeClr val="accent1"/>
+          </a:lnRef>
+          <a:fillRef idx="0">
+            <a:schemeClr val="accent1"/>
+          </a:fillRef>
+          <a:effectRef idx="0">
+            <a:schemeClr val="accent1"/>
+          </a:effectRef>
+          <a:fontRef idx="minor">
+            <a:schemeClr val="tx1"/>
+          </a:fontRef>
+        </p:style>
+      </p:cxnSp>
+      <p:graphicFrame>
+        <p:nvGraphicFramePr>
+          <p:cNvPr id="39" name="Table 38"/>
+          <p:cNvGraphicFramePr>
+            <a:graphicFrameLocks noGrp="1"/>
+          </p:cNvGraphicFramePr>
+          <p:nvPr>
+            <p:extLst>
+              <p:ext uri="{D42A27DB-BD31-4B8C-83A1-F6EECF244321}">
+                <p14:modId xmlns:p14="http://schemas.microsoft.com/office/powerpoint/2010/main" val="1664317641"/>
+              </p:ext>
+            </p:extLst>
+          </p:nvPr>
+        </p:nvGraphicFramePr>
+        <p:xfrm>
+          <a:off x="6459218" y="7056142"/>
+          <a:ext cx="1184639" cy="228283"/>
+        </p:xfrm>
+        <a:graphic>
+          <a:graphicData uri="http://schemas.openxmlformats.org/drawingml/2006/table">
+            <a:tbl>
+              <a:tblPr firstRow="1" firstCol="1" bandRow="1">
+                <a:tableStyleId>{5C22544A-7EE6-4342-B048-85BDC9FD1C3A}</a:tableStyleId>
+              </a:tblPr>
+              <a:tblGrid>
+                <a:gridCol w="1184639">
+                  <a:extLst>
+                    <a:ext uri="{9D8B030D-6E8A-4147-A177-3AD203B41FA5}">
+                      <a16:colId xmlns:a16="http://schemas.microsoft.com/office/drawing/2014/main" val="3283859600"/>
+                    </a:ext>
+                  </a:extLst>
+                </a:gridCol>
+              </a:tblGrid>
+              <a:tr h="0">
+                <a:tc>
+                  <a:txBody>
+                    <a:bodyPr/>
+                    <a:lstStyle/>
+                    <a:p>
+                      <a:pPr algn="ctr">
+                        <a:lnSpc>
+                          <a:spcPct val="107000"/>
+                        </a:lnSpc>
+                        <a:spcAft>
+                          <a:spcPts val="0"/>
+                        </a:spcAft>
+                      </a:pPr>
+                      <a:r>
+                        <a:rPr lang="en-MY" sz="1400" u="none" dirty="0" smtClean="0">
+                          <a:solidFill>
+                            <a:sysClr val="windowText" lastClr="000000"/>
+                          </a:solidFill>
+                          <a:latin typeface="Times New Roman" panose="02020603050405020304" pitchFamily="18" charset="0"/>
+                          <a:cs typeface="Times New Roman" panose="02020603050405020304" pitchFamily="18" charset="0"/>
+                        </a:rPr>
+                        <a:t>&lt;&lt;extend&gt;&gt;</a:t>
+                      </a:r>
+                      <a:endParaRPr lang="en-MY" sz="1400" u="none" dirty="0">
+                        <a:solidFill>
+                          <a:sysClr val="windowText" lastClr="000000"/>
+                        </a:solidFill>
+                        <a:latin typeface="Times New Roman" panose="02020603050405020304" pitchFamily="18" charset="0"/>
+                        <a:cs typeface="Times New Roman" panose="02020603050405020304" pitchFamily="18" charset="0"/>
+                      </a:endParaRPr>
+                    </a:p>
+                  </a:txBody>
+                  <a:tcPr marL="68580" marR="68580" marT="0" marB="0">
+                    <a:lnL w="12700" cmpd="sng">
+                      <a:noFill/>
+                    </a:lnL>
+                    <a:lnR w="12700" cmpd="sng">
+                      <a:noFill/>
+                    </a:lnR>
+                    <a:lnT w="12700" cmpd="sng">
+                      <a:noFill/>
+                    </a:lnT>
+                    <a:lnB w="38100" cmpd="sng">
+                      <a:noFill/>
+                    </a:lnB>
+                    <a:lnTlToBr w="12700" cmpd="sng">
+                      <a:noFill/>
+                      <a:prstDash val="solid"/>
+                    </a:lnTlToBr>
+                    <a:lnBlToTr w="12700" cmpd="sng">
+                      <a:noFill/>
+                      <a:prstDash val="solid"/>
+                    </a:lnBlToTr>
+                    <a:noFill/>
+                  </a:tcPr>
+                </a:tc>
+                <a:extLst>
+                  <a:ext uri="{0D108BD9-81ED-4DB2-BD59-A6C34878D82A}">
+                    <a16:rowId xmlns:a16="http://schemas.microsoft.com/office/drawing/2014/main" val="1580972651"/>
+                  </a:ext>
+                </a:extLst>
+              </a:tr>
+            </a:tbl>
+          </a:graphicData>
+        </a:graphic>
+      </p:graphicFrame>
     </p:spTree>
     <p:extLst>
       <p:ext uri="{BB962C8B-B14F-4D97-AF65-F5344CB8AC3E}">
         <p14:creationId xmlns:p14="http://schemas.microsoft.com/office/powerpoint/2010/main" val="1879669443"/>
+      </p:ext>
+    </p:extLst>
+  </p:cSld>
+  <p:clrMapOvr>
+    <a:masterClrMapping/>
+  </p:clrMapOvr>
+</p:sld>
+</file>
+
+<file path=ppt/slides/slide2.xml><?xml version="1.0" encoding="utf-8"?>
+<p:sld xmlns:a="http://schemas.openxmlformats.org/drawingml/2006/main" xmlns:r="http://schemas.openxmlformats.org/officeDocument/2006/relationships" xmlns:p="http://schemas.openxmlformats.org/presentationml/2006/main">
+  <p:cSld>
+    <p:spTree>
+      <p:nvGrpSpPr>
+        <p:cNvPr id="1" name=""/>
+        <p:cNvGrpSpPr/>
+        <p:nvPr/>
+      </p:nvGrpSpPr>
+      <p:grpSpPr>
+        <a:xfrm>
+          <a:off x="0" y="0"/>
+          <a:ext cx="0" cy="0"/>
+          <a:chOff x="0" y="0"/>
+          <a:chExt cx="0" cy="0"/>
+        </a:xfrm>
+      </p:grpSpPr>
+      <p:graphicFrame>
+        <p:nvGraphicFramePr>
+          <p:cNvPr id="4" name="Table 3"/>
+          <p:cNvGraphicFramePr>
+            <a:graphicFrameLocks noGrp="1"/>
+          </p:cNvGraphicFramePr>
+          <p:nvPr>
+            <p:extLst>
+              <p:ext uri="{D42A27DB-BD31-4B8C-83A1-F6EECF244321}">
+                <p14:modId xmlns:p14="http://schemas.microsoft.com/office/powerpoint/2010/main" val="1418589113"/>
+              </p:ext>
+            </p:extLst>
+          </p:nvPr>
+        </p:nvGraphicFramePr>
+        <p:xfrm>
+          <a:off x="467893" y="268981"/>
+          <a:ext cx="2837065" cy="772033"/>
+        </p:xfrm>
+        <a:graphic>
+          <a:graphicData uri="http://schemas.openxmlformats.org/drawingml/2006/table">
+            <a:tbl>
+              <a:tblPr firstRow="1" firstCol="1" bandRow="1">
+                <a:tableStyleId>{5C22544A-7EE6-4342-B048-85BDC9FD1C3A}</a:tableStyleId>
+              </a:tblPr>
+              <a:tblGrid>
+                <a:gridCol w="2837065">
+                  <a:extLst>
+                    <a:ext uri="{9D8B030D-6E8A-4147-A177-3AD203B41FA5}">
+                      <a16:colId xmlns:a16="http://schemas.microsoft.com/office/drawing/2014/main" val="3283859600"/>
+                    </a:ext>
+                  </a:extLst>
+                </a:gridCol>
+              </a:tblGrid>
+              <a:tr h="0">
+                <a:tc>
+                  <a:txBody>
+                    <a:bodyPr/>
+                    <a:lstStyle/>
+                    <a:p>
+                      <a:pPr>
+                        <a:lnSpc>
+                          <a:spcPct val="107000"/>
+                        </a:lnSpc>
+                        <a:spcAft>
+                          <a:spcPts val="0"/>
+                        </a:spcAft>
+                      </a:pPr>
+                      <a:r>
+                        <a:rPr lang="en-MY" u="sng" dirty="0" smtClean="0">
+                          <a:solidFill>
+                            <a:sysClr val="windowText" lastClr="000000"/>
+                          </a:solidFill>
+                          <a:latin typeface="Times New Roman" panose="02020603050405020304" pitchFamily="18" charset="0"/>
+                          <a:cs typeface="Times New Roman" panose="02020603050405020304" pitchFamily="18" charset="0"/>
+                        </a:rPr>
+                        <a:t>2</a:t>
+                      </a:r>
+                      <a:r>
+                        <a:rPr lang="en-MY" u="sng" baseline="30000" dirty="0" smtClean="0">
+                          <a:solidFill>
+                            <a:sysClr val="windowText" lastClr="000000"/>
+                          </a:solidFill>
+                          <a:latin typeface="Times New Roman" panose="02020603050405020304" pitchFamily="18" charset="0"/>
+                          <a:cs typeface="Times New Roman" panose="02020603050405020304" pitchFamily="18" charset="0"/>
+                        </a:rPr>
+                        <a:t>nd</a:t>
+                      </a:r>
+                      <a:r>
+                        <a:rPr lang="en-MY" u="sng" dirty="0" smtClean="0">
+                          <a:solidFill>
+                            <a:sysClr val="windowText" lastClr="000000"/>
+                          </a:solidFill>
+                          <a:latin typeface="Times New Roman" panose="02020603050405020304" pitchFamily="18" charset="0"/>
+                          <a:cs typeface="Times New Roman" panose="02020603050405020304" pitchFamily="18" charset="0"/>
+                        </a:rPr>
+                        <a:t> Module</a:t>
+                      </a:r>
+                    </a:p>
+                    <a:p>
+                      <a:pPr>
+                        <a:lnSpc>
+                          <a:spcPct val="107000"/>
+                        </a:lnSpc>
+                        <a:spcAft>
+                          <a:spcPts val="0"/>
+                        </a:spcAft>
+                      </a:pPr>
+                      <a:r>
+                        <a:rPr lang="en-MY" dirty="0" smtClean="0">
+                          <a:solidFill>
+                            <a:sysClr val="windowText" lastClr="000000"/>
+                          </a:solidFill>
+                          <a:latin typeface="Times New Roman" panose="02020603050405020304" pitchFamily="18" charset="0"/>
+                          <a:cs typeface="Times New Roman" panose="02020603050405020304" pitchFamily="18" charset="0"/>
+                        </a:rPr>
+                        <a:t>Products (Cloths)</a:t>
+                      </a:r>
+                      <a:endParaRPr lang="en-MY" dirty="0">
+                        <a:solidFill>
+                          <a:sysClr val="windowText" lastClr="000000"/>
+                        </a:solidFill>
+                        <a:latin typeface="Times New Roman" panose="02020603050405020304" pitchFamily="18" charset="0"/>
+                        <a:cs typeface="Times New Roman" panose="02020603050405020304" pitchFamily="18" charset="0"/>
+                      </a:endParaRPr>
+                    </a:p>
+                  </a:txBody>
+                  <a:tcPr marL="68580" marR="68580" marT="0" marB="0">
+                    <a:noFill/>
+                  </a:tcPr>
+                </a:tc>
+                <a:extLst>
+                  <a:ext uri="{0D108BD9-81ED-4DB2-BD59-A6C34878D82A}">
+                    <a16:rowId xmlns:a16="http://schemas.microsoft.com/office/drawing/2014/main" val="1580972651"/>
+                  </a:ext>
+                </a:extLst>
+              </a:tr>
+            </a:tbl>
+          </a:graphicData>
+        </a:graphic>
+      </p:graphicFrame>
+      <p:sp>
+        <p:nvSpPr>
+          <p:cNvPr id="5" name="Rectangle 4"/>
+          <p:cNvSpPr/>
+          <p:nvPr/>
+        </p:nvSpPr>
+        <p:spPr>
+          <a:xfrm>
+            <a:off x="3566721" y="268981"/>
+            <a:ext cx="5419778" cy="8333370"/>
+          </a:xfrm>
+          <a:prstGeom prst="rect">
+            <a:avLst/>
+          </a:prstGeom>
+          <a:noFill/>
+          <a:ln w="19050">
+            <a:solidFill>
+              <a:schemeClr val="tx1"/>
+            </a:solidFill>
+          </a:ln>
+        </p:spPr>
+        <p:style>
+          <a:lnRef idx="2">
+            <a:schemeClr val="accent1">
+              <a:shade val="50000"/>
+            </a:schemeClr>
+          </a:lnRef>
+          <a:fillRef idx="1">
+            <a:schemeClr val="accent1"/>
+          </a:fillRef>
+          <a:effectRef idx="0">
+            <a:schemeClr val="accent1"/>
+          </a:effectRef>
+          <a:fontRef idx="minor">
+            <a:schemeClr val="lt1"/>
+          </a:fontRef>
+        </p:style>
+        <p:txBody>
+          <a:bodyPr rot="0" spcFirstLastPara="0" vertOverflow="overflow" horzOverflow="overflow" vert="horz" wrap="square" lIns="91440" tIns="45720" rIns="91440" bIns="45720" numCol="1" spcCol="0" rtlCol="0" fromWordArt="0" anchor="ctr" anchorCtr="0" forceAA="0" compatLnSpc="1">
+            <a:prstTxWarp prst="textNoShape">
+              <a:avLst/>
+            </a:prstTxWarp>
+            <a:noAutofit/>
+          </a:bodyPr>
+          <a:lstStyle/>
+          <a:p>
+            <a:pPr algn="ctr"/>
+            <a:endParaRPr lang="en-MY"/>
+          </a:p>
+        </p:txBody>
+      </p:sp>
+      <p:pic>
+        <p:nvPicPr>
+          <p:cNvPr id="6" name="Picture 2" descr="Image result for stickman use case"/>
+          <p:cNvPicPr>
+            <a:picLocks noChangeAspect="1" noChangeArrowheads="1"/>
+          </p:cNvPicPr>
+          <p:nvPr/>
+        </p:nvPicPr>
+        <p:blipFill rotWithShape="1">
+          <a:blip r:embed="rId2" cstate="print">
+            <a:extLst>
+              <a:ext uri="{28A0092B-C50C-407E-A947-70E740481C1C}">
+                <a14:useLocalDpi xmlns:a14="http://schemas.microsoft.com/office/drawing/2010/main" val="0"/>
+              </a:ext>
+            </a:extLst>
+          </a:blip>
+          <a:srcRect l="32979" r="32592"/>
+          <a:stretch/>
+        </p:blipFill>
+        <p:spPr bwMode="auto">
+          <a:xfrm>
+            <a:off x="985520" y="1889952"/>
+            <a:ext cx="1656081" cy="3362325"/>
+          </a:xfrm>
+          <a:prstGeom prst="rect">
+            <a:avLst/>
+          </a:prstGeom>
+          <a:noFill/>
+          <a:extLst>
+            <a:ext uri="{909E8E84-426E-40DD-AFC4-6F175D3DCCD1}">
+              <a14:hiddenFill xmlns:a14="http://schemas.microsoft.com/office/drawing/2010/main">
+                <a:solidFill>
+                  <a:srgbClr val="FFFFFF"/>
+                </a:solidFill>
+              </a14:hiddenFill>
+            </a:ext>
+          </a:extLst>
+        </p:spPr>
+      </p:pic>
+      <p:graphicFrame>
+        <p:nvGraphicFramePr>
+          <p:cNvPr id="7" name="Table 6"/>
+          <p:cNvGraphicFramePr>
+            <a:graphicFrameLocks noGrp="1"/>
+          </p:cNvGraphicFramePr>
+          <p:nvPr>
+            <p:extLst>
+              <p:ext uri="{D42A27DB-BD31-4B8C-83A1-F6EECF244321}">
+                <p14:modId xmlns:p14="http://schemas.microsoft.com/office/powerpoint/2010/main" val="3031063098"/>
+              </p:ext>
+            </p:extLst>
+          </p:nvPr>
+        </p:nvGraphicFramePr>
+        <p:xfrm>
+          <a:off x="723757" y="5059268"/>
+          <a:ext cx="2179605" cy="386017"/>
+        </p:xfrm>
+        <a:graphic>
+          <a:graphicData uri="http://schemas.openxmlformats.org/drawingml/2006/table">
+            <a:tbl>
+              <a:tblPr firstRow="1" firstCol="1" bandRow="1">
+                <a:tableStyleId>{5C22544A-7EE6-4342-B048-85BDC9FD1C3A}</a:tableStyleId>
+              </a:tblPr>
+              <a:tblGrid>
+                <a:gridCol w="2179605">
+                  <a:extLst>
+                    <a:ext uri="{9D8B030D-6E8A-4147-A177-3AD203B41FA5}">
+                      <a16:colId xmlns:a16="http://schemas.microsoft.com/office/drawing/2014/main" val="3283859600"/>
+                    </a:ext>
+                  </a:extLst>
+                </a:gridCol>
+              </a:tblGrid>
+              <a:tr h="0">
+                <a:tc>
+                  <a:txBody>
+                    <a:bodyPr/>
+                    <a:lstStyle/>
+                    <a:p>
+                      <a:pPr algn="ctr">
+                        <a:lnSpc>
+                          <a:spcPct val="107000"/>
+                        </a:lnSpc>
+                        <a:spcAft>
+                          <a:spcPts val="0"/>
+                        </a:spcAft>
+                      </a:pPr>
+                      <a:r>
+                        <a:rPr lang="en-MY" u="none" dirty="0" smtClean="0">
+                          <a:solidFill>
+                            <a:sysClr val="windowText" lastClr="000000"/>
+                          </a:solidFill>
+                          <a:latin typeface="Times New Roman" panose="02020603050405020304" pitchFamily="18" charset="0"/>
+                          <a:cs typeface="Times New Roman" panose="02020603050405020304" pitchFamily="18" charset="0"/>
+                        </a:rPr>
+                        <a:t>End User</a:t>
+                      </a:r>
+                      <a:endParaRPr lang="en-MY" u="none" dirty="0">
+                        <a:solidFill>
+                          <a:sysClr val="windowText" lastClr="000000"/>
+                        </a:solidFill>
+                        <a:latin typeface="Times New Roman" panose="02020603050405020304" pitchFamily="18" charset="0"/>
+                        <a:cs typeface="Times New Roman" panose="02020603050405020304" pitchFamily="18" charset="0"/>
+                      </a:endParaRPr>
+                    </a:p>
+                  </a:txBody>
+                  <a:tcPr marL="68580" marR="68580" marT="0" marB="0">
+                    <a:noFill/>
+                  </a:tcPr>
+                </a:tc>
+                <a:extLst>
+                  <a:ext uri="{0D108BD9-81ED-4DB2-BD59-A6C34878D82A}">
+                    <a16:rowId xmlns:a16="http://schemas.microsoft.com/office/drawing/2014/main" val="1580972651"/>
+                  </a:ext>
+                </a:extLst>
+              </a:tr>
+            </a:tbl>
+          </a:graphicData>
+        </a:graphic>
+      </p:graphicFrame>
+      <p:sp>
+        <p:nvSpPr>
+          <p:cNvPr id="8" name="Oval 7"/>
+          <p:cNvSpPr/>
+          <p:nvPr/>
+        </p:nvSpPr>
+        <p:spPr>
+          <a:xfrm>
+            <a:off x="4893507" y="1338208"/>
+            <a:ext cx="2766205" cy="818092"/>
+          </a:xfrm>
+          <a:prstGeom prst="ellipse">
+            <a:avLst/>
+          </a:prstGeom>
+          <a:noFill/>
+          <a:ln w="19050">
+            <a:solidFill>
+              <a:schemeClr val="tx1"/>
+            </a:solidFill>
+          </a:ln>
+        </p:spPr>
+        <p:style>
+          <a:lnRef idx="2">
+            <a:schemeClr val="accent1">
+              <a:shade val="50000"/>
+            </a:schemeClr>
+          </a:lnRef>
+          <a:fillRef idx="1">
+            <a:schemeClr val="accent1"/>
+          </a:fillRef>
+          <a:effectRef idx="0">
+            <a:schemeClr val="accent1"/>
+          </a:effectRef>
+          <a:fontRef idx="minor">
+            <a:schemeClr val="lt1"/>
+          </a:fontRef>
+        </p:style>
+        <p:txBody>
+          <a:bodyPr rot="0" spcFirstLastPara="0" vertOverflow="overflow" horzOverflow="overflow" vert="horz" wrap="square" lIns="91440" tIns="45720" rIns="91440" bIns="45720" numCol="1" spcCol="0" rtlCol="0" fromWordArt="0" anchor="ctr" anchorCtr="0" forceAA="0" compatLnSpc="1">
+            <a:prstTxWarp prst="textNoShape">
+              <a:avLst/>
+            </a:prstTxWarp>
+            <a:noAutofit/>
+          </a:bodyPr>
+          <a:lstStyle/>
+          <a:p>
+            <a:pPr algn="ctr"/>
+            <a:r>
+              <a:rPr lang="en-MY" dirty="0" smtClean="0">
+                <a:solidFill>
+                  <a:schemeClr val="tx1"/>
+                </a:solidFill>
+              </a:rPr>
+              <a:t>View products with search filters</a:t>
+            </a:r>
+            <a:endParaRPr lang="en-MY" dirty="0">
+              <a:solidFill>
+                <a:schemeClr val="tx1"/>
+              </a:solidFill>
+            </a:endParaRPr>
+          </a:p>
+        </p:txBody>
+      </p:sp>
+      <p:cxnSp>
+        <p:nvCxnSpPr>
+          <p:cNvPr id="9" name="Straight Connector 8"/>
+          <p:cNvCxnSpPr>
+            <a:stCxn id="6" idx="3"/>
+            <a:endCxn id="8" idx="2"/>
+          </p:cNvCxnSpPr>
+          <p:nvPr/>
+        </p:nvCxnSpPr>
+        <p:spPr>
+          <a:xfrm flipV="1">
+            <a:off x="2641601" y="1747254"/>
+            <a:ext cx="2251906" cy="1823861"/>
+          </a:xfrm>
+          <a:prstGeom prst="line">
+            <a:avLst/>
+          </a:prstGeom>
+          <a:ln w="19050">
+            <a:solidFill>
+              <a:schemeClr val="tx1"/>
+            </a:solidFill>
+          </a:ln>
+        </p:spPr>
+        <p:style>
+          <a:lnRef idx="1">
+            <a:schemeClr val="accent1"/>
+          </a:lnRef>
+          <a:fillRef idx="0">
+            <a:schemeClr val="accent1"/>
+          </a:fillRef>
+          <a:effectRef idx="0">
+            <a:schemeClr val="accent1"/>
+          </a:effectRef>
+          <a:fontRef idx="minor">
+            <a:schemeClr val="tx1"/>
+          </a:fontRef>
+        </p:style>
+      </p:cxnSp>
+      <p:sp>
+        <p:nvSpPr>
+          <p:cNvPr id="12" name="Oval 11"/>
+          <p:cNvSpPr/>
+          <p:nvPr/>
+        </p:nvSpPr>
+        <p:spPr>
+          <a:xfrm>
+            <a:off x="5108209" y="2582827"/>
+            <a:ext cx="2336800" cy="661931"/>
+          </a:xfrm>
+          <a:prstGeom prst="ellipse">
+            <a:avLst/>
+          </a:prstGeom>
+          <a:noFill/>
+          <a:ln w="19050">
+            <a:solidFill>
+              <a:schemeClr val="tx1"/>
+            </a:solidFill>
+          </a:ln>
+        </p:spPr>
+        <p:style>
+          <a:lnRef idx="2">
+            <a:schemeClr val="accent1">
+              <a:shade val="50000"/>
+            </a:schemeClr>
+          </a:lnRef>
+          <a:fillRef idx="1">
+            <a:schemeClr val="accent1"/>
+          </a:fillRef>
+          <a:effectRef idx="0">
+            <a:schemeClr val="accent1"/>
+          </a:effectRef>
+          <a:fontRef idx="minor">
+            <a:schemeClr val="lt1"/>
+          </a:fontRef>
+        </p:style>
+        <p:txBody>
+          <a:bodyPr rot="0" spcFirstLastPara="0" vertOverflow="overflow" horzOverflow="overflow" vert="horz" wrap="square" lIns="91440" tIns="45720" rIns="91440" bIns="45720" numCol="1" spcCol="0" rtlCol="0" fromWordArt="0" anchor="ctr" anchorCtr="0" forceAA="0" compatLnSpc="1">
+            <a:prstTxWarp prst="textNoShape">
+              <a:avLst/>
+            </a:prstTxWarp>
+            <a:noAutofit/>
+          </a:bodyPr>
+          <a:lstStyle/>
+          <a:p>
+            <a:pPr algn="ctr"/>
+            <a:r>
+              <a:rPr lang="en-MY" dirty="0" smtClean="0">
+                <a:solidFill>
+                  <a:schemeClr val="tx1"/>
+                </a:solidFill>
+              </a:rPr>
+              <a:t>Add products</a:t>
+            </a:r>
+            <a:endParaRPr lang="en-MY" dirty="0">
+              <a:solidFill>
+                <a:schemeClr val="tx1"/>
+              </a:solidFill>
+            </a:endParaRPr>
+          </a:p>
+        </p:txBody>
+      </p:sp>
+      <p:sp>
+        <p:nvSpPr>
+          <p:cNvPr id="13" name="Oval 12"/>
+          <p:cNvSpPr/>
+          <p:nvPr/>
+        </p:nvSpPr>
+        <p:spPr>
+          <a:xfrm>
+            <a:off x="4948080" y="6266490"/>
+            <a:ext cx="2511112" cy="661931"/>
+          </a:xfrm>
+          <a:prstGeom prst="ellipse">
+            <a:avLst/>
+          </a:prstGeom>
+          <a:noFill/>
+          <a:ln w="19050">
+            <a:solidFill>
+              <a:schemeClr val="tx1"/>
+            </a:solidFill>
+          </a:ln>
+        </p:spPr>
+        <p:style>
+          <a:lnRef idx="2">
+            <a:schemeClr val="accent1">
+              <a:shade val="50000"/>
+            </a:schemeClr>
+          </a:lnRef>
+          <a:fillRef idx="1">
+            <a:schemeClr val="accent1"/>
+          </a:fillRef>
+          <a:effectRef idx="0">
+            <a:schemeClr val="accent1"/>
+          </a:effectRef>
+          <a:fontRef idx="minor">
+            <a:schemeClr val="lt1"/>
+          </a:fontRef>
+        </p:style>
+        <p:txBody>
+          <a:bodyPr rot="0" spcFirstLastPara="0" vertOverflow="overflow" horzOverflow="overflow" vert="horz" wrap="square" lIns="91440" tIns="45720" rIns="91440" bIns="45720" numCol="1" spcCol="0" rtlCol="0" fromWordArt="0" anchor="ctr" anchorCtr="0" forceAA="0" compatLnSpc="1">
+            <a:prstTxWarp prst="textNoShape">
+              <a:avLst/>
+            </a:prstTxWarp>
+            <a:noAutofit/>
+          </a:bodyPr>
+          <a:lstStyle/>
+          <a:p>
+            <a:pPr algn="ctr"/>
+            <a:r>
+              <a:rPr lang="en-MY" dirty="0" smtClean="0">
+                <a:solidFill>
+                  <a:schemeClr val="tx1"/>
+                </a:solidFill>
+              </a:rPr>
+              <a:t>Restock products</a:t>
+            </a:r>
+            <a:endParaRPr lang="en-MY" dirty="0">
+              <a:solidFill>
+                <a:schemeClr val="tx1"/>
+              </a:solidFill>
+            </a:endParaRPr>
+          </a:p>
+        </p:txBody>
+      </p:sp>
+      <p:sp>
+        <p:nvSpPr>
+          <p:cNvPr id="14" name="Oval 13"/>
+          <p:cNvSpPr/>
+          <p:nvPr/>
+        </p:nvSpPr>
+        <p:spPr>
+          <a:xfrm>
+            <a:off x="5006443" y="5456079"/>
+            <a:ext cx="2423956" cy="661931"/>
+          </a:xfrm>
+          <a:prstGeom prst="ellipse">
+            <a:avLst/>
+          </a:prstGeom>
+          <a:noFill/>
+          <a:ln w="19050">
+            <a:solidFill>
+              <a:schemeClr val="tx1"/>
+            </a:solidFill>
+          </a:ln>
+        </p:spPr>
+        <p:style>
+          <a:lnRef idx="2">
+            <a:schemeClr val="accent1">
+              <a:shade val="50000"/>
+            </a:schemeClr>
+          </a:lnRef>
+          <a:fillRef idx="1">
+            <a:schemeClr val="accent1"/>
+          </a:fillRef>
+          <a:effectRef idx="0">
+            <a:schemeClr val="accent1"/>
+          </a:effectRef>
+          <a:fontRef idx="minor">
+            <a:schemeClr val="lt1"/>
+          </a:fontRef>
+        </p:style>
+        <p:txBody>
+          <a:bodyPr rot="0" spcFirstLastPara="0" vertOverflow="overflow" horzOverflow="overflow" vert="horz" wrap="square" lIns="91440" tIns="45720" rIns="91440" bIns="45720" numCol="1" spcCol="0" rtlCol="0" fromWordArt="0" anchor="ctr" anchorCtr="0" forceAA="0" compatLnSpc="1">
+            <a:prstTxWarp prst="textNoShape">
+              <a:avLst/>
+            </a:prstTxWarp>
+            <a:noAutofit/>
+          </a:bodyPr>
+          <a:lstStyle/>
+          <a:p>
+            <a:pPr algn="ctr"/>
+            <a:r>
+              <a:rPr lang="en-MY" dirty="0" smtClean="0">
+                <a:solidFill>
+                  <a:schemeClr val="tx1"/>
+                </a:solidFill>
+              </a:rPr>
+              <a:t>Delete products</a:t>
+            </a:r>
+            <a:endParaRPr lang="en-MY" dirty="0">
+              <a:solidFill>
+                <a:schemeClr val="tx1"/>
+              </a:solidFill>
+            </a:endParaRPr>
+          </a:p>
+        </p:txBody>
+      </p:sp>
+      <p:sp>
+        <p:nvSpPr>
+          <p:cNvPr id="15" name="Oval 14"/>
+          <p:cNvSpPr/>
+          <p:nvPr/>
+        </p:nvSpPr>
+        <p:spPr>
+          <a:xfrm>
+            <a:off x="5048039" y="4467130"/>
+            <a:ext cx="2323997" cy="661931"/>
+          </a:xfrm>
+          <a:prstGeom prst="ellipse">
+            <a:avLst/>
+          </a:prstGeom>
+          <a:noFill/>
+          <a:ln w="19050">
+            <a:solidFill>
+              <a:schemeClr val="tx1"/>
+            </a:solidFill>
+          </a:ln>
+        </p:spPr>
+        <p:style>
+          <a:lnRef idx="2">
+            <a:schemeClr val="accent1">
+              <a:shade val="50000"/>
+            </a:schemeClr>
+          </a:lnRef>
+          <a:fillRef idx="1">
+            <a:schemeClr val="accent1"/>
+          </a:fillRef>
+          <a:effectRef idx="0">
+            <a:schemeClr val="accent1"/>
+          </a:effectRef>
+          <a:fontRef idx="minor">
+            <a:schemeClr val="lt1"/>
+          </a:fontRef>
+        </p:style>
+        <p:txBody>
+          <a:bodyPr rot="0" spcFirstLastPara="0" vertOverflow="overflow" horzOverflow="overflow" vert="horz" wrap="square" lIns="91440" tIns="45720" rIns="91440" bIns="45720" numCol="1" spcCol="0" rtlCol="0" fromWordArt="0" anchor="ctr" anchorCtr="0" forceAA="0" compatLnSpc="1">
+            <a:prstTxWarp prst="textNoShape">
+              <a:avLst/>
+            </a:prstTxWarp>
+            <a:noAutofit/>
+          </a:bodyPr>
+          <a:lstStyle/>
+          <a:p>
+            <a:pPr algn="ctr"/>
+            <a:r>
+              <a:rPr lang="en-MY" dirty="0" smtClean="0">
+                <a:solidFill>
+                  <a:schemeClr val="tx1"/>
+                </a:solidFill>
+              </a:rPr>
+              <a:t>View </a:t>
+            </a:r>
+            <a:r>
+              <a:rPr lang="en-MY" dirty="0">
+                <a:solidFill>
+                  <a:schemeClr val="tx1"/>
+                </a:solidFill>
+              </a:rPr>
+              <a:t>existing </a:t>
+            </a:r>
+            <a:r>
+              <a:rPr lang="en-MY" dirty="0" smtClean="0">
+                <a:solidFill>
+                  <a:schemeClr val="tx1"/>
+                </a:solidFill>
+              </a:rPr>
+              <a:t>products</a:t>
+            </a:r>
+            <a:endParaRPr lang="en-MY" dirty="0">
+              <a:solidFill>
+                <a:schemeClr val="tx1"/>
+              </a:solidFill>
+            </a:endParaRPr>
+          </a:p>
+        </p:txBody>
+      </p:sp>
+      <p:sp>
+        <p:nvSpPr>
+          <p:cNvPr id="17" name="Oval 16"/>
+          <p:cNvSpPr/>
+          <p:nvPr/>
+        </p:nvSpPr>
+        <p:spPr>
+          <a:xfrm>
+            <a:off x="4948080" y="7316719"/>
+            <a:ext cx="2541087" cy="661931"/>
+          </a:xfrm>
+          <a:prstGeom prst="ellipse">
+            <a:avLst/>
+          </a:prstGeom>
+          <a:noFill/>
+          <a:ln w="19050">
+            <a:solidFill>
+              <a:schemeClr val="tx1"/>
+            </a:solidFill>
+          </a:ln>
+        </p:spPr>
+        <p:style>
+          <a:lnRef idx="2">
+            <a:schemeClr val="accent1">
+              <a:shade val="50000"/>
+            </a:schemeClr>
+          </a:lnRef>
+          <a:fillRef idx="1">
+            <a:schemeClr val="accent1"/>
+          </a:fillRef>
+          <a:effectRef idx="0">
+            <a:schemeClr val="accent1"/>
+          </a:effectRef>
+          <a:fontRef idx="minor">
+            <a:schemeClr val="lt1"/>
+          </a:fontRef>
+        </p:style>
+        <p:txBody>
+          <a:bodyPr rot="0" spcFirstLastPara="0" vertOverflow="overflow" horzOverflow="overflow" vert="horz" wrap="square" lIns="91440" tIns="45720" rIns="91440" bIns="45720" numCol="1" spcCol="0" rtlCol="0" fromWordArt="0" anchor="ctr" anchorCtr="0" forceAA="0" compatLnSpc="1">
+            <a:prstTxWarp prst="textNoShape">
+              <a:avLst/>
+            </a:prstTxWarp>
+            <a:noAutofit/>
+          </a:bodyPr>
+          <a:lstStyle/>
+          <a:p>
+            <a:pPr algn="ctr"/>
+            <a:r>
+              <a:rPr lang="en-MY" dirty="0" smtClean="0">
+                <a:solidFill>
+                  <a:schemeClr val="tx1"/>
+                </a:solidFill>
+              </a:rPr>
+              <a:t>View available stocks</a:t>
+            </a:r>
+            <a:endParaRPr lang="en-MY" dirty="0">
+              <a:solidFill>
+                <a:schemeClr val="tx1"/>
+              </a:solidFill>
+            </a:endParaRPr>
+          </a:p>
+        </p:txBody>
+      </p:sp>
+      <p:pic>
+        <p:nvPicPr>
+          <p:cNvPr id="16" name="Picture 2" descr="Image result for stickman use case"/>
+          <p:cNvPicPr>
+            <a:picLocks noChangeAspect="1" noChangeArrowheads="1"/>
+          </p:cNvPicPr>
+          <p:nvPr/>
+        </p:nvPicPr>
+        <p:blipFill rotWithShape="1">
+          <a:blip r:embed="rId2" cstate="print">
+            <a:extLst>
+              <a:ext uri="{28A0092B-C50C-407E-A947-70E740481C1C}">
+                <a14:useLocalDpi xmlns:a14="http://schemas.microsoft.com/office/drawing/2010/main" val="0"/>
+              </a:ext>
+            </a:extLst>
+          </a:blip>
+          <a:srcRect l="32979" r="32592"/>
+          <a:stretch/>
+        </p:blipFill>
+        <p:spPr bwMode="auto">
+          <a:xfrm>
+            <a:off x="9906989" y="1859822"/>
+            <a:ext cx="1656081" cy="3362325"/>
+          </a:xfrm>
+          <a:prstGeom prst="rect">
+            <a:avLst/>
+          </a:prstGeom>
+          <a:noFill/>
+          <a:extLst>
+            <a:ext uri="{909E8E84-426E-40DD-AFC4-6F175D3DCCD1}">
+              <a14:hiddenFill xmlns:a14="http://schemas.microsoft.com/office/drawing/2010/main">
+                <a:solidFill>
+                  <a:srgbClr val="FFFFFF"/>
+                </a:solidFill>
+              </a14:hiddenFill>
+            </a:ext>
+          </a:extLst>
+        </p:spPr>
+      </p:pic>
+      <p:graphicFrame>
+        <p:nvGraphicFramePr>
+          <p:cNvPr id="18" name="Table 17"/>
+          <p:cNvGraphicFramePr>
+            <a:graphicFrameLocks noGrp="1"/>
+          </p:cNvGraphicFramePr>
+          <p:nvPr>
+            <p:extLst>
+              <p:ext uri="{D42A27DB-BD31-4B8C-83A1-F6EECF244321}">
+                <p14:modId xmlns:p14="http://schemas.microsoft.com/office/powerpoint/2010/main" val="1147233849"/>
+              </p:ext>
+            </p:extLst>
+          </p:nvPr>
+        </p:nvGraphicFramePr>
+        <p:xfrm>
+          <a:off x="9649858" y="5059268"/>
+          <a:ext cx="2179605" cy="386017"/>
+        </p:xfrm>
+        <a:graphic>
+          <a:graphicData uri="http://schemas.openxmlformats.org/drawingml/2006/table">
+            <a:tbl>
+              <a:tblPr firstRow="1" firstCol="1" bandRow="1">
+                <a:tableStyleId>{5C22544A-7EE6-4342-B048-85BDC9FD1C3A}</a:tableStyleId>
+              </a:tblPr>
+              <a:tblGrid>
+                <a:gridCol w="2179605">
+                  <a:extLst>
+                    <a:ext uri="{9D8B030D-6E8A-4147-A177-3AD203B41FA5}">
+                      <a16:colId xmlns:a16="http://schemas.microsoft.com/office/drawing/2014/main" val="3283859600"/>
+                    </a:ext>
+                  </a:extLst>
+                </a:gridCol>
+              </a:tblGrid>
+              <a:tr h="0">
+                <a:tc>
+                  <a:txBody>
+                    <a:bodyPr/>
+                    <a:lstStyle/>
+                    <a:p>
+                      <a:pPr algn="ctr">
+                        <a:lnSpc>
+                          <a:spcPct val="107000"/>
+                        </a:lnSpc>
+                        <a:spcAft>
+                          <a:spcPts val="0"/>
+                        </a:spcAft>
+                      </a:pPr>
+                      <a:r>
+                        <a:rPr lang="en-MY" u="none" dirty="0" smtClean="0">
+                          <a:solidFill>
+                            <a:sysClr val="windowText" lastClr="000000"/>
+                          </a:solidFill>
+                          <a:latin typeface="Times New Roman" panose="02020603050405020304" pitchFamily="18" charset="0"/>
+                          <a:cs typeface="Times New Roman" panose="02020603050405020304" pitchFamily="18" charset="0"/>
+                        </a:rPr>
+                        <a:t>Admin / Staff</a:t>
+                      </a:r>
+                      <a:endParaRPr lang="en-MY" u="none" dirty="0">
+                        <a:solidFill>
+                          <a:sysClr val="windowText" lastClr="000000"/>
+                        </a:solidFill>
+                        <a:latin typeface="Times New Roman" panose="02020603050405020304" pitchFamily="18" charset="0"/>
+                        <a:cs typeface="Times New Roman" panose="02020603050405020304" pitchFamily="18" charset="0"/>
+                      </a:endParaRPr>
+                    </a:p>
+                  </a:txBody>
+                  <a:tcPr marL="68580" marR="68580" marT="0" marB="0">
+                    <a:noFill/>
+                  </a:tcPr>
+                </a:tc>
+                <a:extLst>
+                  <a:ext uri="{0D108BD9-81ED-4DB2-BD59-A6C34878D82A}">
+                    <a16:rowId xmlns:a16="http://schemas.microsoft.com/office/drawing/2014/main" val="1580972651"/>
+                  </a:ext>
+                </a:extLst>
+              </a:tr>
+            </a:tbl>
+          </a:graphicData>
+        </a:graphic>
+      </p:graphicFrame>
+      <p:cxnSp>
+        <p:nvCxnSpPr>
+          <p:cNvPr id="19" name="Straight Connector 18"/>
+          <p:cNvCxnSpPr>
+            <a:stCxn id="16" idx="1"/>
+            <a:endCxn id="12" idx="6"/>
+          </p:cNvCxnSpPr>
+          <p:nvPr/>
+        </p:nvCxnSpPr>
+        <p:spPr>
+          <a:xfrm flipH="1" flipV="1">
+            <a:off x="7445009" y="2913793"/>
+            <a:ext cx="2461980" cy="627192"/>
+          </a:xfrm>
+          <a:prstGeom prst="line">
+            <a:avLst/>
+          </a:prstGeom>
+          <a:ln w="19050">
+            <a:solidFill>
+              <a:schemeClr val="tx1"/>
+            </a:solidFill>
+          </a:ln>
+        </p:spPr>
+        <p:style>
+          <a:lnRef idx="1">
+            <a:schemeClr val="accent1"/>
+          </a:lnRef>
+          <a:fillRef idx="0">
+            <a:schemeClr val="accent1"/>
+          </a:fillRef>
+          <a:effectRef idx="0">
+            <a:schemeClr val="accent1"/>
+          </a:effectRef>
+          <a:fontRef idx="minor">
+            <a:schemeClr val="tx1"/>
+          </a:fontRef>
+        </p:style>
+      </p:cxnSp>
+      <p:cxnSp>
+        <p:nvCxnSpPr>
+          <p:cNvPr id="20" name="Straight Connector 19"/>
+          <p:cNvCxnSpPr>
+            <a:stCxn id="16" idx="1"/>
+            <a:endCxn id="15" idx="6"/>
+          </p:cNvCxnSpPr>
+          <p:nvPr/>
+        </p:nvCxnSpPr>
+        <p:spPr>
+          <a:xfrm flipH="1">
+            <a:off x="7372036" y="3540985"/>
+            <a:ext cx="2534953" cy="1257111"/>
+          </a:xfrm>
+          <a:prstGeom prst="line">
+            <a:avLst/>
+          </a:prstGeom>
+          <a:ln w="19050">
+            <a:solidFill>
+              <a:schemeClr val="tx1"/>
+            </a:solidFill>
+          </a:ln>
+        </p:spPr>
+        <p:style>
+          <a:lnRef idx="1">
+            <a:schemeClr val="accent1"/>
+          </a:lnRef>
+          <a:fillRef idx="0">
+            <a:schemeClr val="accent1"/>
+          </a:fillRef>
+          <a:effectRef idx="0">
+            <a:schemeClr val="accent1"/>
+          </a:effectRef>
+          <a:fontRef idx="minor">
+            <a:schemeClr val="tx1"/>
+          </a:fontRef>
+        </p:style>
+      </p:cxnSp>
+      <p:cxnSp>
+        <p:nvCxnSpPr>
+          <p:cNvPr id="21" name="Straight Connector 20"/>
+          <p:cNvCxnSpPr>
+            <a:stCxn id="16" idx="1"/>
+            <a:endCxn id="14" idx="6"/>
+          </p:cNvCxnSpPr>
+          <p:nvPr/>
+        </p:nvCxnSpPr>
+        <p:spPr>
+          <a:xfrm flipH="1">
+            <a:off x="7430399" y="3540985"/>
+            <a:ext cx="2476590" cy="2246060"/>
+          </a:xfrm>
+          <a:prstGeom prst="line">
+            <a:avLst/>
+          </a:prstGeom>
+          <a:ln w="19050">
+            <a:solidFill>
+              <a:schemeClr val="tx1"/>
+            </a:solidFill>
+          </a:ln>
+        </p:spPr>
+        <p:style>
+          <a:lnRef idx="1">
+            <a:schemeClr val="accent1"/>
+          </a:lnRef>
+          <a:fillRef idx="0">
+            <a:schemeClr val="accent1"/>
+          </a:fillRef>
+          <a:effectRef idx="0">
+            <a:schemeClr val="accent1"/>
+          </a:effectRef>
+          <a:fontRef idx="minor">
+            <a:schemeClr val="tx1"/>
+          </a:fontRef>
+        </p:style>
+      </p:cxnSp>
+      <p:cxnSp>
+        <p:nvCxnSpPr>
+          <p:cNvPr id="24" name="Straight Connector 23"/>
+          <p:cNvCxnSpPr>
+            <a:stCxn id="16" idx="1"/>
+            <a:endCxn id="13" idx="6"/>
+          </p:cNvCxnSpPr>
+          <p:nvPr/>
+        </p:nvCxnSpPr>
+        <p:spPr>
+          <a:xfrm flipH="1">
+            <a:off x="7459192" y="3540985"/>
+            <a:ext cx="2447797" cy="3056471"/>
+          </a:xfrm>
+          <a:prstGeom prst="line">
+            <a:avLst/>
+          </a:prstGeom>
+          <a:ln w="19050">
+            <a:solidFill>
+              <a:schemeClr val="tx1"/>
+            </a:solidFill>
+          </a:ln>
+        </p:spPr>
+        <p:style>
+          <a:lnRef idx="1">
+            <a:schemeClr val="accent1"/>
+          </a:lnRef>
+          <a:fillRef idx="0">
+            <a:schemeClr val="accent1"/>
+          </a:fillRef>
+          <a:effectRef idx="0">
+            <a:schemeClr val="accent1"/>
+          </a:effectRef>
+          <a:fontRef idx="minor">
+            <a:schemeClr val="tx1"/>
+          </a:fontRef>
+        </p:style>
+      </p:cxnSp>
+      <p:cxnSp>
+        <p:nvCxnSpPr>
+          <p:cNvPr id="27" name="Straight Connector 26"/>
+          <p:cNvCxnSpPr>
+            <a:stCxn id="16" idx="1"/>
+            <a:endCxn id="17" idx="6"/>
+          </p:cNvCxnSpPr>
+          <p:nvPr/>
+        </p:nvCxnSpPr>
+        <p:spPr>
+          <a:xfrm flipH="1">
+            <a:off x="7489167" y="3540985"/>
+            <a:ext cx="2417822" cy="4106700"/>
+          </a:xfrm>
+          <a:prstGeom prst="line">
+            <a:avLst/>
+          </a:prstGeom>
+          <a:ln w="19050">
+            <a:solidFill>
+              <a:schemeClr val="tx1"/>
+            </a:solidFill>
+          </a:ln>
+        </p:spPr>
+        <p:style>
+          <a:lnRef idx="1">
+            <a:schemeClr val="accent1"/>
+          </a:lnRef>
+          <a:fillRef idx="0">
+            <a:schemeClr val="accent1"/>
+          </a:fillRef>
+          <a:effectRef idx="0">
+            <a:schemeClr val="accent1"/>
+          </a:effectRef>
+          <a:fontRef idx="minor">
+            <a:schemeClr val="tx1"/>
+          </a:fontRef>
+        </p:style>
+      </p:cxnSp>
+      <p:sp>
+        <p:nvSpPr>
+          <p:cNvPr id="36" name="Oval 35"/>
+          <p:cNvSpPr/>
+          <p:nvPr/>
+        </p:nvSpPr>
+        <p:spPr>
+          <a:xfrm>
+            <a:off x="5048038" y="3487965"/>
+            <a:ext cx="2323997" cy="661931"/>
+          </a:xfrm>
+          <a:prstGeom prst="ellipse">
+            <a:avLst/>
+          </a:prstGeom>
+          <a:noFill/>
+          <a:ln w="19050">
+            <a:solidFill>
+              <a:schemeClr val="tx1"/>
+            </a:solidFill>
+          </a:ln>
+        </p:spPr>
+        <p:style>
+          <a:lnRef idx="2">
+            <a:schemeClr val="accent1">
+              <a:shade val="50000"/>
+            </a:schemeClr>
+          </a:lnRef>
+          <a:fillRef idx="1">
+            <a:schemeClr val="accent1"/>
+          </a:fillRef>
+          <a:effectRef idx="0">
+            <a:schemeClr val="accent1"/>
+          </a:effectRef>
+          <a:fontRef idx="minor">
+            <a:schemeClr val="lt1"/>
+          </a:fontRef>
+        </p:style>
+        <p:txBody>
+          <a:bodyPr rot="0" spcFirstLastPara="0" vertOverflow="overflow" horzOverflow="overflow" vert="horz" wrap="square" lIns="91440" tIns="45720" rIns="91440" bIns="45720" numCol="1" spcCol="0" rtlCol="0" fromWordArt="0" anchor="ctr" anchorCtr="0" forceAA="0" compatLnSpc="1">
+            <a:prstTxWarp prst="textNoShape">
+              <a:avLst/>
+            </a:prstTxWarp>
+            <a:noAutofit/>
+          </a:bodyPr>
+          <a:lstStyle/>
+          <a:p>
+            <a:pPr algn="ctr"/>
+            <a:r>
+              <a:rPr lang="en-MY">
+                <a:solidFill>
+                  <a:schemeClr val="tx1"/>
+                </a:solidFill>
+              </a:rPr>
+              <a:t>Edit products information</a:t>
+            </a:r>
+            <a:endParaRPr lang="en-MY" dirty="0">
+              <a:solidFill>
+                <a:schemeClr val="tx1"/>
+              </a:solidFill>
+            </a:endParaRPr>
+          </a:p>
+        </p:txBody>
+      </p:sp>
+      <p:cxnSp>
+        <p:nvCxnSpPr>
+          <p:cNvPr id="37" name="Straight Connector 36"/>
+          <p:cNvCxnSpPr>
+            <a:stCxn id="16" idx="1"/>
+            <a:endCxn id="36" idx="6"/>
+          </p:cNvCxnSpPr>
+          <p:nvPr/>
+        </p:nvCxnSpPr>
+        <p:spPr>
+          <a:xfrm flipH="1">
+            <a:off x="7372035" y="3540985"/>
+            <a:ext cx="2534954" cy="277946"/>
+          </a:xfrm>
+          <a:prstGeom prst="line">
+            <a:avLst/>
+          </a:prstGeom>
+          <a:ln w="19050">
+            <a:solidFill>
+              <a:schemeClr val="tx1"/>
+            </a:solidFill>
+          </a:ln>
+        </p:spPr>
+        <p:style>
+          <a:lnRef idx="1">
+            <a:schemeClr val="accent1"/>
+          </a:lnRef>
+          <a:fillRef idx="0">
+            <a:schemeClr val="accent1"/>
+          </a:fillRef>
+          <a:effectRef idx="0">
+            <a:schemeClr val="accent1"/>
+          </a:effectRef>
+          <a:fontRef idx="minor">
+            <a:schemeClr val="tx1"/>
+          </a:fontRef>
+        </p:style>
+      </p:cxnSp>
+      <p:cxnSp>
+        <p:nvCxnSpPr>
+          <p:cNvPr id="44" name="Straight Arrow Connector 43"/>
+          <p:cNvCxnSpPr>
+            <a:stCxn id="15" idx="0"/>
+            <a:endCxn id="36" idx="4"/>
+          </p:cNvCxnSpPr>
+          <p:nvPr/>
+        </p:nvCxnSpPr>
+        <p:spPr>
+          <a:xfrm flipH="1" flipV="1">
+            <a:off x="6210037" y="4149896"/>
+            <a:ext cx="1" cy="317234"/>
+          </a:xfrm>
+          <a:prstGeom prst="straightConnector1">
+            <a:avLst/>
+          </a:prstGeom>
+          <a:ln w="12700" cmpd="sng">
+            <a:solidFill>
+              <a:schemeClr val="tx1"/>
+            </a:solidFill>
+            <a:prstDash val="sysDash"/>
+            <a:headEnd type="arrow" w="lg" len="lg"/>
+            <a:tailEnd type="none"/>
+          </a:ln>
+        </p:spPr>
+        <p:style>
+          <a:lnRef idx="1">
+            <a:schemeClr val="accent1"/>
+          </a:lnRef>
+          <a:fillRef idx="0">
+            <a:schemeClr val="accent1"/>
+          </a:fillRef>
+          <a:effectRef idx="0">
+            <a:schemeClr val="accent1"/>
+          </a:effectRef>
+          <a:fontRef idx="minor">
+            <a:schemeClr val="tx1"/>
+          </a:fontRef>
+        </p:style>
+      </p:cxnSp>
+      <p:graphicFrame>
+        <p:nvGraphicFramePr>
+          <p:cNvPr id="47" name="Table 46"/>
+          <p:cNvGraphicFramePr>
+            <a:graphicFrameLocks noGrp="1"/>
+          </p:cNvGraphicFramePr>
+          <p:nvPr>
+            <p:extLst>
+              <p:ext uri="{D42A27DB-BD31-4B8C-83A1-F6EECF244321}">
+                <p14:modId xmlns:p14="http://schemas.microsoft.com/office/powerpoint/2010/main" val="4077713435"/>
+              </p:ext>
+            </p:extLst>
+          </p:nvPr>
+        </p:nvGraphicFramePr>
+        <p:xfrm>
+          <a:off x="6180559" y="4178338"/>
+          <a:ext cx="1208243" cy="228283"/>
+        </p:xfrm>
+        <a:graphic>
+          <a:graphicData uri="http://schemas.openxmlformats.org/drawingml/2006/table">
+            <a:tbl>
+              <a:tblPr firstRow="1" firstCol="1" bandRow="1">
+                <a:tableStyleId>{5C22544A-7EE6-4342-B048-85BDC9FD1C3A}</a:tableStyleId>
+              </a:tblPr>
+              <a:tblGrid>
+                <a:gridCol w="1208243">
+                  <a:extLst>
+                    <a:ext uri="{9D8B030D-6E8A-4147-A177-3AD203B41FA5}">
+                      <a16:colId xmlns:a16="http://schemas.microsoft.com/office/drawing/2014/main" val="3283859600"/>
+                    </a:ext>
+                  </a:extLst>
+                </a:gridCol>
+              </a:tblGrid>
+              <a:tr h="226405">
+                <a:tc>
+                  <a:txBody>
+                    <a:bodyPr/>
+                    <a:lstStyle/>
+                    <a:p>
+                      <a:pPr algn="ctr">
+                        <a:lnSpc>
+                          <a:spcPct val="107000"/>
+                        </a:lnSpc>
+                        <a:spcAft>
+                          <a:spcPts val="0"/>
+                        </a:spcAft>
+                      </a:pPr>
+                      <a:r>
+                        <a:rPr lang="en-MY" sz="1400" u="none" dirty="0" smtClean="0">
+                          <a:solidFill>
+                            <a:sysClr val="windowText" lastClr="000000"/>
+                          </a:solidFill>
+                          <a:latin typeface="Times New Roman" panose="02020603050405020304" pitchFamily="18" charset="0"/>
+                          <a:cs typeface="Times New Roman" panose="02020603050405020304" pitchFamily="18" charset="0"/>
+                        </a:rPr>
+                        <a:t>&lt;&lt;extend&gt;&gt;</a:t>
+                      </a:r>
+                      <a:endParaRPr lang="en-MY" sz="1400" u="none" dirty="0">
+                        <a:solidFill>
+                          <a:sysClr val="windowText" lastClr="000000"/>
+                        </a:solidFill>
+                        <a:latin typeface="Times New Roman" panose="02020603050405020304" pitchFamily="18" charset="0"/>
+                        <a:cs typeface="Times New Roman" panose="02020603050405020304" pitchFamily="18" charset="0"/>
+                      </a:endParaRPr>
+                    </a:p>
+                  </a:txBody>
+                  <a:tcPr marL="68580" marR="68580" marT="0" marB="0">
+                    <a:lnL w="12700" cmpd="sng">
+                      <a:noFill/>
+                    </a:lnL>
+                    <a:lnR w="12700" cmpd="sng">
+                      <a:noFill/>
+                    </a:lnR>
+                    <a:lnT w="12700" cmpd="sng">
+                      <a:noFill/>
+                    </a:lnT>
+                    <a:lnB w="38100" cmpd="sng">
+                      <a:noFill/>
+                    </a:lnB>
+                    <a:lnTlToBr w="12700" cmpd="sng">
+                      <a:noFill/>
+                      <a:prstDash val="solid"/>
+                    </a:lnTlToBr>
+                    <a:lnBlToTr w="12700" cmpd="sng">
+                      <a:noFill/>
+                      <a:prstDash val="solid"/>
+                    </a:lnBlToTr>
+                    <a:noFill/>
+                  </a:tcPr>
+                </a:tc>
+                <a:extLst>
+                  <a:ext uri="{0D108BD9-81ED-4DB2-BD59-A6C34878D82A}">
+                    <a16:rowId xmlns:a16="http://schemas.microsoft.com/office/drawing/2014/main" val="1580972651"/>
+                  </a:ext>
+                </a:extLst>
+              </a:tr>
+            </a:tbl>
+          </a:graphicData>
+        </a:graphic>
+      </p:graphicFrame>
+      <p:cxnSp>
+        <p:nvCxnSpPr>
+          <p:cNvPr id="50" name="Straight Arrow Connector 49"/>
+          <p:cNvCxnSpPr>
+            <a:stCxn id="13" idx="4"/>
+            <a:endCxn id="17" idx="0"/>
+          </p:cNvCxnSpPr>
+          <p:nvPr/>
+        </p:nvCxnSpPr>
+        <p:spPr>
+          <a:xfrm>
+            <a:off x="6203636" y="6928421"/>
+            <a:ext cx="14988" cy="388298"/>
+          </a:xfrm>
+          <a:prstGeom prst="straightConnector1">
+            <a:avLst/>
+          </a:prstGeom>
+          <a:ln w="12700" cmpd="sng">
+            <a:solidFill>
+              <a:schemeClr val="tx1"/>
+            </a:solidFill>
+            <a:prstDash val="sysDash"/>
+            <a:headEnd type="arrow" w="lg" len="lg"/>
+            <a:tailEnd type="none"/>
+          </a:ln>
+        </p:spPr>
+        <p:style>
+          <a:lnRef idx="1">
+            <a:schemeClr val="accent1"/>
+          </a:lnRef>
+          <a:fillRef idx="0">
+            <a:schemeClr val="accent1"/>
+          </a:fillRef>
+          <a:effectRef idx="0">
+            <a:schemeClr val="accent1"/>
+          </a:effectRef>
+          <a:fontRef idx="minor">
+            <a:schemeClr val="tx1"/>
+          </a:fontRef>
+        </p:style>
+      </p:cxnSp>
+      <p:graphicFrame>
+        <p:nvGraphicFramePr>
+          <p:cNvPr id="53" name="Table 52"/>
+          <p:cNvGraphicFramePr>
+            <a:graphicFrameLocks noGrp="1"/>
+          </p:cNvGraphicFramePr>
+          <p:nvPr>
+            <p:extLst>
+              <p:ext uri="{D42A27DB-BD31-4B8C-83A1-F6EECF244321}">
+                <p14:modId xmlns:p14="http://schemas.microsoft.com/office/powerpoint/2010/main" val="615906950"/>
+              </p:ext>
+            </p:extLst>
+          </p:nvPr>
+        </p:nvGraphicFramePr>
+        <p:xfrm>
+          <a:off x="6143207" y="7069036"/>
+          <a:ext cx="1295400" cy="376595"/>
+        </p:xfrm>
+        <a:graphic>
+          <a:graphicData uri="http://schemas.openxmlformats.org/drawingml/2006/table">
+            <a:tbl>
+              <a:tblPr firstRow="1" firstCol="1" bandRow="1">
+                <a:tableStyleId>{5C22544A-7EE6-4342-B048-85BDC9FD1C3A}</a:tableStyleId>
+              </a:tblPr>
+              <a:tblGrid>
+                <a:gridCol w="1295400">
+                  <a:extLst>
+                    <a:ext uri="{9D8B030D-6E8A-4147-A177-3AD203B41FA5}">
+                      <a16:colId xmlns:a16="http://schemas.microsoft.com/office/drawing/2014/main" val="3283859600"/>
+                    </a:ext>
+                  </a:extLst>
+                </a:gridCol>
+              </a:tblGrid>
+              <a:tr h="376595">
+                <a:tc>
+                  <a:txBody>
+                    <a:bodyPr/>
+                    <a:lstStyle/>
+                    <a:p>
+                      <a:pPr algn="ctr">
+                        <a:lnSpc>
+                          <a:spcPct val="107000"/>
+                        </a:lnSpc>
+                        <a:spcAft>
+                          <a:spcPts val="0"/>
+                        </a:spcAft>
+                      </a:pPr>
+                      <a:r>
+                        <a:rPr lang="en-MY" sz="1400" u="none" dirty="0" smtClean="0">
+                          <a:solidFill>
+                            <a:sysClr val="windowText" lastClr="000000"/>
+                          </a:solidFill>
+                          <a:latin typeface="Times New Roman" panose="02020603050405020304" pitchFamily="18" charset="0"/>
+                          <a:cs typeface="Times New Roman" panose="02020603050405020304" pitchFamily="18" charset="0"/>
+                        </a:rPr>
+                        <a:t>&lt;&lt;extend&gt;&gt;</a:t>
+                      </a:r>
+                      <a:endParaRPr lang="en-MY" sz="1400" u="none" dirty="0">
+                        <a:solidFill>
+                          <a:sysClr val="windowText" lastClr="000000"/>
+                        </a:solidFill>
+                        <a:latin typeface="Times New Roman" panose="02020603050405020304" pitchFamily="18" charset="0"/>
+                        <a:cs typeface="Times New Roman" panose="02020603050405020304" pitchFamily="18" charset="0"/>
+                      </a:endParaRPr>
+                    </a:p>
+                  </a:txBody>
+                  <a:tcPr marL="68580" marR="68580" marT="0" marB="0">
+                    <a:lnL w="12700" cmpd="sng">
+                      <a:noFill/>
+                    </a:lnL>
+                    <a:lnR w="12700" cmpd="sng">
+                      <a:noFill/>
+                    </a:lnR>
+                    <a:lnT w="12700" cmpd="sng">
+                      <a:noFill/>
+                    </a:lnT>
+                    <a:lnB w="38100" cmpd="sng">
+                      <a:noFill/>
+                    </a:lnB>
+                    <a:lnTlToBr w="12700" cmpd="sng">
+                      <a:noFill/>
+                      <a:prstDash val="solid"/>
+                    </a:lnTlToBr>
+                    <a:lnBlToTr w="12700" cmpd="sng">
+                      <a:noFill/>
+                      <a:prstDash val="solid"/>
+                    </a:lnBlToTr>
+                    <a:noFill/>
+                  </a:tcPr>
+                </a:tc>
+                <a:extLst>
+                  <a:ext uri="{0D108BD9-81ED-4DB2-BD59-A6C34878D82A}">
+                    <a16:rowId xmlns:a16="http://schemas.microsoft.com/office/drawing/2014/main" val="1580972651"/>
+                  </a:ext>
+                </a:extLst>
+              </a:tr>
+            </a:tbl>
+          </a:graphicData>
+        </a:graphic>
+      </p:graphicFrame>
+      <p:cxnSp>
+        <p:nvCxnSpPr>
+          <p:cNvPr id="80" name="Straight Arrow Connector 79"/>
+          <p:cNvCxnSpPr>
+            <a:stCxn id="15" idx="4"/>
+            <a:endCxn id="14" idx="0"/>
+          </p:cNvCxnSpPr>
+          <p:nvPr/>
+        </p:nvCxnSpPr>
+        <p:spPr>
+          <a:xfrm>
+            <a:off x="6210038" y="5129061"/>
+            <a:ext cx="8383" cy="327018"/>
+          </a:xfrm>
+          <a:prstGeom prst="straightConnector1">
+            <a:avLst/>
+          </a:prstGeom>
+          <a:ln w="12700" cmpd="sng">
+            <a:solidFill>
+              <a:schemeClr val="tx1"/>
+            </a:solidFill>
+            <a:prstDash val="sysDash"/>
+            <a:headEnd type="arrow" w="lg" len="lg"/>
+            <a:tailEnd type="none"/>
+          </a:ln>
+        </p:spPr>
+        <p:style>
+          <a:lnRef idx="1">
+            <a:schemeClr val="accent1"/>
+          </a:lnRef>
+          <a:fillRef idx="0">
+            <a:schemeClr val="accent1"/>
+          </a:fillRef>
+          <a:effectRef idx="0">
+            <a:schemeClr val="accent1"/>
+          </a:effectRef>
+          <a:fontRef idx="minor">
+            <a:schemeClr val="tx1"/>
+          </a:fontRef>
+        </p:style>
+      </p:cxnSp>
+      <p:graphicFrame>
+        <p:nvGraphicFramePr>
+          <p:cNvPr id="83" name="Table 82"/>
+          <p:cNvGraphicFramePr>
+            <a:graphicFrameLocks noGrp="1"/>
+          </p:cNvGraphicFramePr>
+          <p:nvPr>
+            <p:extLst>
+              <p:ext uri="{D42A27DB-BD31-4B8C-83A1-F6EECF244321}">
+                <p14:modId xmlns:p14="http://schemas.microsoft.com/office/powerpoint/2010/main" val="4163366458"/>
+              </p:ext>
+            </p:extLst>
+          </p:nvPr>
+        </p:nvGraphicFramePr>
+        <p:xfrm>
+          <a:off x="6143207" y="5189570"/>
+          <a:ext cx="1208243" cy="228283"/>
+        </p:xfrm>
+        <a:graphic>
+          <a:graphicData uri="http://schemas.openxmlformats.org/drawingml/2006/table">
+            <a:tbl>
+              <a:tblPr firstRow="1" firstCol="1" bandRow="1">
+                <a:tableStyleId>{5C22544A-7EE6-4342-B048-85BDC9FD1C3A}</a:tableStyleId>
+              </a:tblPr>
+              <a:tblGrid>
+                <a:gridCol w="1208243">
+                  <a:extLst>
+                    <a:ext uri="{9D8B030D-6E8A-4147-A177-3AD203B41FA5}">
+                      <a16:colId xmlns:a16="http://schemas.microsoft.com/office/drawing/2014/main" val="3283859600"/>
+                    </a:ext>
+                  </a:extLst>
+                </a:gridCol>
+              </a:tblGrid>
+              <a:tr h="226405">
+                <a:tc>
+                  <a:txBody>
+                    <a:bodyPr/>
+                    <a:lstStyle/>
+                    <a:p>
+                      <a:pPr algn="ctr">
+                        <a:lnSpc>
+                          <a:spcPct val="107000"/>
+                        </a:lnSpc>
+                        <a:spcAft>
+                          <a:spcPts val="0"/>
+                        </a:spcAft>
+                      </a:pPr>
+                      <a:r>
+                        <a:rPr lang="en-MY" sz="1400" u="none" dirty="0" smtClean="0">
+                          <a:solidFill>
+                            <a:sysClr val="windowText" lastClr="000000"/>
+                          </a:solidFill>
+                          <a:latin typeface="Times New Roman" panose="02020603050405020304" pitchFamily="18" charset="0"/>
+                          <a:cs typeface="Times New Roman" panose="02020603050405020304" pitchFamily="18" charset="0"/>
+                        </a:rPr>
+                        <a:t>&lt;&lt;extend&gt;&gt;</a:t>
+                      </a:r>
+                      <a:endParaRPr lang="en-MY" sz="1400" u="none" dirty="0">
+                        <a:solidFill>
+                          <a:sysClr val="windowText" lastClr="000000"/>
+                        </a:solidFill>
+                        <a:latin typeface="Times New Roman" panose="02020603050405020304" pitchFamily="18" charset="0"/>
+                        <a:cs typeface="Times New Roman" panose="02020603050405020304" pitchFamily="18" charset="0"/>
+                      </a:endParaRPr>
+                    </a:p>
+                  </a:txBody>
+                  <a:tcPr marL="68580" marR="68580" marT="0" marB="0">
+                    <a:lnL w="12700" cmpd="sng">
+                      <a:noFill/>
+                    </a:lnL>
+                    <a:lnR w="12700" cmpd="sng">
+                      <a:noFill/>
+                    </a:lnR>
+                    <a:lnT w="12700" cmpd="sng">
+                      <a:noFill/>
+                    </a:lnT>
+                    <a:lnB w="38100" cmpd="sng">
+                      <a:noFill/>
+                    </a:lnB>
+                    <a:lnTlToBr w="12700" cmpd="sng">
+                      <a:noFill/>
+                      <a:prstDash val="solid"/>
+                    </a:lnTlToBr>
+                    <a:lnBlToTr w="12700" cmpd="sng">
+                      <a:noFill/>
+                      <a:prstDash val="solid"/>
+                    </a:lnBlToTr>
+                    <a:noFill/>
+                  </a:tcPr>
+                </a:tc>
+                <a:extLst>
+                  <a:ext uri="{0D108BD9-81ED-4DB2-BD59-A6C34878D82A}">
+                    <a16:rowId xmlns:a16="http://schemas.microsoft.com/office/drawing/2014/main" val="1580972651"/>
+                  </a:ext>
+                </a:extLst>
+              </a:tr>
+            </a:tbl>
+          </a:graphicData>
+        </a:graphic>
+      </p:graphicFrame>
+    </p:spTree>
+    <p:extLst>
+      <p:ext uri="{BB962C8B-B14F-4D97-AF65-F5344CB8AC3E}">
+        <p14:creationId xmlns:p14="http://schemas.microsoft.com/office/powerpoint/2010/main" val="3701840042"/>
+      </p:ext>
+    </p:extLst>
+  </p:cSld>
+  <p:clrMapOvr>
+    <a:masterClrMapping/>
+  </p:clrMapOvr>
+</p:sld>
+</file>
+
+<file path=ppt/slides/slide3.xml><?xml version="1.0" encoding="utf-8"?>
+<p:sld xmlns:a="http://schemas.openxmlformats.org/drawingml/2006/main" xmlns:r="http://schemas.openxmlformats.org/officeDocument/2006/relationships" xmlns:p="http://schemas.openxmlformats.org/presentationml/2006/main">
+  <p:cSld>
+    <p:spTree>
+      <p:nvGrpSpPr>
+        <p:cNvPr id="1" name=""/>
+        <p:cNvGrpSpPr/>
+        <p:nvPr/>
+      </p:nvGrpSpPr>
+      <p:grpSpPr>
+        <a:xfrm>
+          <a:off x="0" y="0"/>
+          <a:ext cx="0" cy="0"/>
+          <a:chOff x="0" y="0"/>
+          <a:chExt cx="0" cy="0"/>
+        </a:xfrm>
+      </p:grpSpPr>
+      <p:graphicFrame>
+        <p:nvGraphicFramePr>
+          <p:cNvPr id="4" name="Table 3"/>
+          <p:cNvGraphicFramePr>
+            <a:graphicFrameLocks noGrp="1"/>
+          </p:cNvGraphicFramePr>
+          <p:nvPr>
+            <p:extLst>
+              <p:ext uri="{D42A27DB-BD31-4B8C-83A1-F6EECF244321}">
+                <p14:modId xmlns:p14="http://schemas.microsoft.com/office/powerpoint/2010/main" val="2848922932"/>
+              </p:ext>
+            </p:extLst>
+          </p:nvPr>
+        </p:nvGraphicFramePr>
+        <p:xfrm>
+          <a:off x="467893" y="268981"/>
+          <a:ext cx="2837065" cy="772033"/>
+        </p:xfrm>
+        <a:graphic>
+          <a:graphicData uri="http://schemas.openxmlformats.org/drawingml/2006/table">
+            <a:tbl>
+              <a:tblPr firstRow="1" firstCol="1" bandRow="1">
+                <a:tableStyleId>{5C22544A-7EE6-4342-B048-85BDC9FD1C3A}</a:tableStyleId>
+              </a:tblPr>
+              <a:tblGrid>
+                <a:gridCol w="2837065">
+                  <a:extLst>
+                    <a:ext uri="{9D8B030D-6E8A-4147-A177-3AD203B41FA5}">
+                      <a16:colId xmlns:a16="http://schemas.microsoft.com/office/drawing/2014/main" val="3283859600"/>
+                    </a:ext>
+                  </a:extLst>
+                </a:gridCol>
+              </a:tblGrid>
+              <a:tr h="0">
+                <a:tc>
+                  <a:txBody>
+                    <a:bodyPr/>
+                    <a:lstStyle/>
+                    <a:p>
+                      <a:pPr>
+                        <a:lnSpc>
+                          <a:spcPct val="107000"/>
+                        </a:lnSpc>
+                        <a:spcAft>
+                          <a:spcPts val="0"/>
+                        </a:spcAft>
+                      </a:pPr>
+                      <a:r>
+                        <a:rPr lang="en-MY" u="sng" dirty="0" smtClean="0">
+                          <a:solidFill>
+                            <a:sysClr val="windowText" lastClr="000000"/>
+                          </a:solidFill>
+                          <a:latin typeface="Times New Roman" panose="02020603050405020304" pitchFamily="18" charset="0"/>
+                          <a:cs typeface="Times New Roman" panose="02020603050405020304" pitchFamily="18" charset="0"/>
+                        </a:rPr>
+                        <a:t>3</a:t>
+                      </a:r>
+                      <a:r>
+                        <a:rPr lang="en-MY" u="sng" baseline="30000" dirty="0" smtClean="0">
+                          <a:solidFill>
+                            <a:sysClr val="windowText" lastClr="000000"/>
+                          </a:solidFill>
+                          <a:latin typeface="Times New Roman" panose="02020603050405020304" pitchFamily="18" charset="0"/>
+                          <a:cs typeface="Times New Roman" panose="02020603050405020304" pitchFamily="18" charset="0"/>
+                        </a:rPr>
+                        <a:t>rd</a:t>
+                      </a:r>
+                      <a:r>
+                        <a:rPr lang="en-MY" u="sng" dirty="0" smtClean="0">
+                          <a:solidFill>
+                            <a:sysClr val="windowText" lastClr="000000"/>
+                          </a:solidFill>
+                          <a:latin typeface="Times New Roman" panose="02020603050405020304" pitchFamily="18" charset="0"/>
+                          <a:cs typeface="Times New Roman" panose="02020603050405020304" pitchFamily="18" charset="0"/>
+                        </a:rPr>
+                        <a:t> Module</a:t>
+                      </a:r>
+                      <a:endParaRPr lang="en-MY" u="sng" dirty="0" smtClean="0">
+                        <a:solidFill>
+                          <a:sysClr val="windowText" lastClr="000000"/>
+                        </a:solidFill>
+                        <a:latin typeface="Times New Roman" panose="02020603050405020304" pitchFamily="18" charset="0"/>
+                        <a:cs typeface="Times New Roman" panose="02020603050405020304" pitchFamily="18" charset="0"/>
+                      </a:endParaRPr>
+                    </a:p>
+                    <a:p>
+                      <a:pPr>
+                        <a:lnSpc>
+                          <a:spcPct val="107000"/>
+                        </a:lnSpc>
+                        <a:spcAft>
+                          <a:spcPts val="0"/>
+                        </a:spcAft>
+                      </a:pPr>
+                      <a:r>
+                        <a:rPr lang="en-MY" dirty="0" smtClean="0">
+                          <a:solidFill>
+                            <a:sysClr val="windowText" lastClr="000000"/>
+                          </a:solidFill>
+                          <a:latin typeface="Times New Roman" panose="02020603050405020304" pitchFamily="18" charset="0"/>
+                          <a:cs typeface="Times New Roman" panose="02020603050405020304" pitchFamily="18" charset="0"/>
+                        </a:rPr>
+                        <a:t>Purchase</a:t>
+                      </a:r>
+                      <a:endParaRPr lang="en-MY" dirty="0">
+                        <a:solidFill>
+                          <a:sysClr val="windowText" lastClr="000000"/>
+                        </a:solidFill>
+                        <a:latin typeface="Times New Roman" panose="02020603050405020304" pitchFamily="18" charset="0"/>
+                        <a:cs typeface="Times New Roman" panose="02020603050405020304" pitchFamily="18" charset="0"/>
+                      </a:endParaRPr>
+                    </a:p>
+                  </a:txBody>
+                  <a:tcPr marL="68580" marR="68580" marT="0" marB="0">
+                    <a:noFill/>
+                  </a:tcPr>
+                </a:tc>
+                <a:extLst>
+                  <a:ext uri="{0D108BD9-81ED-4DB2-BD59-A6C34878D82A}">
+                    <a16:rowId xmlns:a16="http://schemas.microsoft.com/office/drawing/2014/main" val="1580972651"/>
+                  </a:ext>
+                </a:extLst>
+              </a:tr>
+            </a:tbl>
+          </a:graphicData>
+        </a:graphic>
+      </p:graphicFrame>
+      <p:sp>
+        <p:nvSpPr>
+          <p:cNvPr id="5" name="Rectangle 4"/>
+          <p:cNvSpPr/>
+          <p:nvPr/>
+        </p:nvSpPr>
+        <p:spPr>
+          <a:xfrm>
+            <a:off x="3566721" y="268981"/>
+            <a:ext cx="5419778" cy="8333370"/>
+          </a:xfrm>
+          <a:prstGeom prst="rect">
+            <a:avLst/>
+          </a:prstGeom>
+          <a:noFill/>
+          <a:ln w="19050">
+            <a:solidFill>
+              <a:schemeClr val="tx1"/>
+            </a:solidFill>
+          </a:ln>
+        </p:spPr>
+        <p:style>
+          <a:lnRef idx="2">
+            <a:schemeClr val="accent1">
+              <a:shade val="50000"/>
+            </a:schemeClr>
+          </a:lnRef>
+          <a:fillRef idx="1">
+            <a:schemeClr val="accent1"/>
+          </a:fillRef>
+          <a:effectRef idx="0">
+            <a:schemeClr val="accent1"/>
+          </a:effectRef>
+          <a:fontRef idx="minor">
+            <a:schemeClr val="lt1"/>
+          </a:fontRef>
+        </p:style>
+        <p:txBody>
+          <a:bodyPr rot="0" spcFirstLastPara="0" vertOverflow="overflow" horzOverflow="overflow" vert="horz" wrap="square" lIns="91440" tIns="45720" rIns="91440" bIns="45720" numCol="1" spcCol="0" rtlCol="0" fromWordArt="0" anchor="ctr" anchorCtr="0" forceAA="0" compatLnSpc="1">
+            <a:prstTxWarp prst="textNoShape">
+              <a:avLst/>
+            </a:prstTxWarp>
+            <a:noAutofit/>
+          </a:bodyPr>
+          <a:lstStyle/>
+          <a:p>
+            <a:pPr algn="ctr"/>
+            <a:endParaRPr lang="en-MY"/>
+          </a:p>
+        </p:txBody>
+      </p:sp>
+      <p:pic>
+        <p:nvPicPr>
+          <p:cNvPr id="6" name="Picture 2" descr="Image result for stickman use case"/>
+          <p:cNvPicPr>
+            <a:picLocks noChangeAspect="1" noChangeArrowheads="1"/>
+          </p:cNvPicPr>
+          <p:nvPr/>
+        </p:nvPicPr>
+        <p:blipFill rotWithShape="1">
+          <a:blip r:embed="rId2" cstate="print">
+            <a:extLst>
+              <a:ext uri="{28A0092B-C50C-407E-A947-70E740481C1C}">
+                <a14:useLocalDpi xmlns:a14="http://schemas.microsoft.com/office/drawing/2010/main" val="0"/>
+              </a:ext>
+            </a:extLst>
+          </a:blip>
+          <a:srcRect l="32979" r="32592"/>
+          <a:stretch/>
+        </p:blipFill>
+        <p:spPr bwMode="auto">
+          <a:xfrm>
+            <a:off x="985520" y="1889952"/>
+            <a:ext cx="1656081" cy="3362325"/>
+          </a:xfrm>
+          <a:prstGeom prst="rect">
+            <a:avLst/>
+          </a:prstGeom>
+          <a:noFill/>
+          <a:extLst>
+            <a:ext uri="{909E8E84-426E-40DD-AFC4-6F175D3DCCD1}">
+              <a14:hiddenFill xmlns:a14="http://schemas.microsoft.com/office/drawing/2010/main">
+                <a:solidFill>
+                  <a:srgbClr val="FFFFFF"/>
+                </a:solidFill>
+              </a14:hiddenFill>
+            </a:ext>
+          </a:extLst>
+        </p:spPr>
+      </p:pic>
+      <p:graphicFrame>
+        <p:nvGraphicFramePr>
+          <p:cNvPr id="7" name="Table 6"/>
+          <p:cNvGraphicFramePr>
+            <a:graphicFrameLocks noGrp="1"/>
+          </p:cNvGraphicFramePr>
+          <p:nvPr>
+            <p:extLst>
+              <p:ext uri="{D42A27DB-BD31-4B8C-83A1-F6EECF244321}">
+                <p14:modId xmlns:p14="http://schemas.microsoft.com/office/powerpoint/2010/main" val="3031063098"/>
+              </p:ext>
+            </p:extLst>
+          </p:nvPr>
+        </p:nvGraphicFramePr>
+        <p:xfrm>
+          <a:off x="723757" y="5059268"/>
+          <a:ext cx="2179605" cy="386017"/>
+        </p:xfrm>
+        <a:graphic>
+          <a:graphicData uri="http://schemas.openxmlformats.org/drawingml/2006/table">
+            <a:tbl>
+              <a:tblPr firstRow="1" firstCol="1" bandRow="1">
+                <a:tableStyleId>{5C22544A-7EE6-4342-B048-85BDC9FD1C3A}</a:tableStyleId>
+              </a:tblPr>
+              <a:tblGrid>
+                <a:gridCol w="2179605">
+                  <a:extLst>
+                    <a:ext uri="{9D8B030D-6E8A-4147-A177-3AD203B41FA5}">
+                      <a16:colId xmlns:a16="http://schemas.microsoft.com/office/drawing/2014/main" val="3283859600"/>
+                    </a:ext>
+                  </a:extLst>
+                </a:gridCol>
+              </a:tblGrid>
+              <a:tr h="0">
+                <a:tc>
+                  <a:txBody>
+                    <a:bodyPr/>
+                    <a:lstStyle/>
+                    <a:p>
+                      <a:pPr algn="ctr">
+                        <a:lnSpc>
+                          <a:spcPct val="107000"/>
+                        </a:lnSpc>
+                        <a:spcAft>
+                          <a:spcPts val="0"/>
+                        </a:spcAft>
+                      </a:pPr>
+                      <a:r>
+                        <a:rPr lang="en-MY" u="none" dirty="0" smtClean="0">
+                          <a:solidFill>
+                            <a:sysClr val="windowText" lastClr="000000"/>
+                          </a:solidFill>
+                          <a:latin typeface="Times New Roman" panose="02020603050405020304" pitchFamily="18" charset="0"/>
+                          <a:cs typeface="Times New Roman" panose="02020603050405020304" pitchFamily="18" charset="0"/>
+                        </a:rPr>
+                        <a:t>End User</a:t>
+                      </a:r>
+                      <a:endParaRPr lang="en-MY" u="none" dirty="0">
+                        <a:solidFill>
+                          <a:sysClr val="windowText" lastClr="000000"/>
+                        </a:solidFill>
+                        <a:latin typeface="Times New Roman" panose="02020603050405020304" pitchFamily="18" charset="0"/>
+                        <a:cs typeface="Times New Roman" panose="02020603050405020304" pitchFamily="18" charset="0"/>
+                      </a:endParaRPr>
+                    </a:p>
+                  </a:txBody>
+                  <a:tcPr marL="68580" marR="68580" marT="0" marB="0">
+                    <a:noFill/>
+                  </a:tcPr>
+                </a:tc>
+                <a:extLst>
+                  <a:ext uri="{0D108BD9-81ED-4DB2-BD59-A6C34878D82A}">
+                    <a16:rowId xmlns:a16="http://schemas.microsoft.com/office/drawing/2014/main" val="1580972651"/>
+                  </a:ext>
+                </a:extLst>
+              </a:tr>
+            </a:tbl>
+          </a:graphicData>
+        </a:graphic>
+      </p:graphicFrame>
+      <p:sp>
+        <p:nvSpPr>
+          <p:cNvPr id="8" name="Oval 7"/>
+          <p:cNvSpPr/>
+          <p:nvPr/>
+        </p:nvSpPr>
+        <p:spPr>
+          <a:xfrm>
+            <a:off x="4992122" y="907305"/>
+            <a:ext cx="2540043" cy="624049"/>
+          </a:xfrm>
+          <a:prstGeom prst="ellipse">
+            <a:avLst/>
+          </a:prstGeom>
+          <a:noFill/>
+          <a:ln w="19050">
+            <a:solidFill>
+              <a:schemeClr val="tx1"/>
+            </a:solidFill>
+          </a:ln>
+        </p:spPr>
+        <p:style>
+          <a:lnRef idx="2">
+            <a:schemeClr val="accent1">
+              <a:shade val="50000"/>
+            </a:schemeClr>
+          </a:lnRef>
+          <a:fillRef idx="1">
+            <a:schemeClr val="accent1"/>
+          </a:fillRef>
+          <a:effectRef idx="0">
+            <a:schemeClr val="accent1"/>
+          </a:effectRef>
+          <a:fontRef idx="minor">
+            <a:schemeClr val="lt1"/>
+          </a:fontRef>
+        </p:style>
+        <p:txBody>
+          <a:bodyPr rot="0" spcFirstLastPara="0" vertOverflow="overflow" horzOverflow="overflow" vert="horz" wrap="square" lIns="91440" tIns="45720" rIns="91440" bIns="45720" numCol="1" spcCol="0" rtlCol="0" fromWordArt="0" anchor="ctr" anchorCtr="0" forceAA="0" compatLnSpc="1">
+            <a:prstTxWarp prst="textNoShape">
+              <a:avLst/>
+            </a:prstTxWarp>
+            <a:noAutofit/>
+          </a:bodyPr>
+          <a:lstStyle/>
+          <a:p>
+            <a:pPr algn="ctr"/>
+            <a:r>
+              <a:rPr lang="en-MY" dirty="0" smtClean="0">
+                <a:solidFill>
+                  <a:schemeClr val="tx1"/>
+                </a:solidFill>
+              </a:rPr>
+              <a:t>Add item to cart</a:t>
+            </a:r>
+            <a:endParaRPr lang="en-MY" dirty="0">
+              <a:solidFill>
+                <a:schemeClr val="tx1"/>
+              </a:solidFill>
+            </a:endParaRPr>
+          </a:p>
+        </p:txBody>
+      </p:sp>
+      <p:cxnSp>
+        <p:nvCxnSpPr>
+          <p:cNvPr id="9" name="Straight Connector 8"/>
+          <p:cNvCxnSpPr>
+            <a:stCxn id="6" idx="3"/>
+            <a:endCxn id="8" idx="2"/>
+          </p:cNvCxnSpPr>
+          <p:nvPr/>
+        </p:nvCxnSpPr>
+        <p:spPr>
+          <a:xfrm flipV="1">
+            <a:off x="2641601" y="1219330"/>
+            <a:ext cx="2350521" cy="2351785"/>
+          </a:xfrm>
+          <a:prstGeom prst="line">
+            <a:avLst/>
+          </a:prstGeom>
+          <a:ln w="19050">
+            <a:solidFill>
+              <a:schemeClr val="tx1"/>
+            </a:solidFill>
+          </a:ln>
+        </p:spPr>
+        <p:style>
+          <a:lnRef idx="1">
+            <a:schemeClr val="accent1"/>
+          </a:lnRef>
+          <a:fillRef idx="0">
+            <a:schemeClr val="accent1"/>
+          </a:fillRef>
+          <a:effectRef idx="0">
+            <a:schemeClr val="accent1"/>
+          </a:effectRef>
+          <a:fontRef idx="minor">
+            <a:schemeClr val="tx1"/>
+          </a:fontRef>
+        </p:style>
+      </p:cxnSp>
+      <p:sp>
+        <p:nvSpPr>
+          <p:cNvPr id="12" name="Oval 11"/>
+          <p:cNvSpPr/>
+          <p:nvPr/>
+        </p:nvSpPr>
+        <p:spPr>
+          <a:xfrm>
+            <a:off x="5122392" y="2741766"/>
+            <a:ext cx="2336800" cy="661931"/>
+          </a:xfrm>
+          <a:prstGeom prst="ellipse">
+            <a:avLst/>
+          </a:prstGeom>
+          <a:noFill/>
+          <a:ln w="19050">
+            <a:solidFill>
+              <a:schemeClr val="tx1"/>
+            </a:solidFill>
+          </a:ln>
+        </p:spPr>
+        <p:style>
+          <a:lnRef idx="2">
+            <a:schemeClr val="accent1">
+              <a:shade val="50000"/>
+            </a:schemeClr>
+          </a:lnRef>
+          <a:fillRef idx="1">
+            <a:schemeClr val="accent1"/>
+          </a:fillRef>
+          <a:effectRef idx="0">
+            <a:schemeClr val="accent1"/>
+          </a:effectRef>
+          <a:fontRef idx="minor">
+            <a:schemeClr val="lt1"/>
+          </a:fontRef>
+        </p:style>
+        <p:txBody>
+          <a:bodyPr rot="0" spcFirstLastPara="0" vertOverflow="overflow" horzOverflow="overflow" vert="horz" wrap="square" lIns="91440" tIns="45720" rIns="91440" bIns="45720" numCol="1" spcCol="0" rtlCol="0" fromWordArt="0" anchor="ctr" anchorCtr="0" forceAA="0" compatLnSpc="1">
+            <a:prstTxWarp prst="textNoShape">
+              <a:avLst/>
+            </a:prstTxWarp>
+            <a:noAutofit/>
+          </a:bodyPr>
+          <a:lstStyle/>
+          <a:p>
+            <a:pPr algn="ctr"/>
+            <a:r>
+              <a:rPr lang="en-MY" dirty="0" smtClean="0">
+                <a:solidFill>
+                  <a:schemeClr val="tx1"/>
+                </a:solidFill>
+              </a:rPr>
+              <a:t>View </a:t>
+            </a:r>
+            <a:r>
+              <a:rPr lang="en-MY" dirty="0">
+                <a:solidFill>
+                  <a:schemeClr val="tx1"/>
+                </a:solidFill>
+              </a:rPr>
+              <a:t>cart </a:t>
+            </a:r>
+            <a:r>
+              <a:rPr lang="en-MY" dirty="0" smtClean="0">
+                <a:solidFill>
+                  <a:schemeClr val="tx1"/>
+                </a:solidFill>
+              </a:rPr>
+              <a:t>items</a:t>
+            </a:r>
+            <a:endParaRPr lang="en-MY" dirty="0">
+              <a:solidFill>
+                <a:schemeClr val="tx1"/>
+              </a:solidFill>
+            </a:endParaRPr>
+          </a:p>
+        </p:txBody>
+      </p:sp>
+      <p:sp>
+        <p:nvSpPr>
+          <p:cNvPr id="13" name="Oval 12"/>
+          <p:cNvSpPr/>
+          <p:nvPr/>
+        </p:nvSpPr>
+        <p:spPr>
+          <a:xfrm>
+            <a:off x="5035236" y="6528538"/>
+            <a:ext cx="2511112" cy="661931"/>
+          </a:xfrm>
+          <a:prstGeom prst="ellipse">
+            <a:avLst/>
+          </a:prstGeom>
+          <a:noFill/>
+          <a:ln w="19050">
+            <a:solidFill>
+              <a:schemeClr val="tx1"/>
+            </a:solidFill>
+          </a:ln>
+        </p:spPr>
+        <p:style>
+          <a:lnRef idx="2">
+            <a:schemeClr val="accent1">
+              <a:shade val="50000"/>
+            </a:schemeClr>
+          </a:lnRef>
+          <a:fillRef idx="1">
+            <a:schemeClr val="accent1"/>
+          </a:fillRef>
+          <a:effectRef idx="0">
+            <a:schemeClr val="accent1"/>
+          </a:effectRef>
+          <a:fontRef idx="minor">
+            <a:schemeClr val="lt1"/>
+          </a:fontRef>
+        </p:style>
+        <p:txBody>
+          <a:bodyPr rot="0" spcFirstLastPara="0" vertOverflow="overflow" horzOverflow="overflow" vert="horz" wrap="square" lIns="91440" tIns="45720" rIns="91440" bIns="45720" numCol="1" spcCol="0" rtlCol="0" fromWordArt="0" anchor="ctr" anchorCtr="0" forceAA="0" compatLnSpc="1">
+            <a:prstTxWarp prst="textNoShape">
+              <a:avLst/>
+            </a:prstTxWarp>
+            <a:noAutofit/>
+          </a:bodyPr>
+          <a:lstStyle/>
+          <a:p>
+            <a:pPr algn="ctr"/>
+            <a:r>
+              <a:rPr lang="en-MY" dirty="0" smtClean="0">
+                <a:solidFill>
+                  <a:schemeClr val="tx1"/>
+                </a:solidFill>
+              </a:rPr>
+              <a:t>Manage orders from customers</a:t>
+            </a:r>
+            <a:endParaRPr lang="en-MY" dirty="0">
+              <a:solidFill>
+                <a:schemeClr val="tx1"/>
+              </a:solidFill>
+            </a:endParaRPr>
+          </a:p>
+        </p:txBody>
+      </p:sp>
+      <p:sp>
+        <p:nvSpPr>
+          <p:cNvPr id="14" name="Oval 13"/>
+          <p:cNvSpPr/>
+          <p:nvPr/>
+        </p:nvSpPr>
+        <p:spPr>
+          <a:xfrm>
+            <a:off x="5021053" y="5515482"/>
+            <a:ext cx="2423956" cy="661931"/>
+          </a:xfrm>
+          <a:prstGeom prst="ellipse">
+            <a:avLst/>
+          </a:prstGeom>
+          <a:noFill/>
+          <a:ln w="19050">
+            <a:solidFill>
+              <a:schemeClr val="tx1"/>
+            </a:solidFill>
+          </a:ln>
+        </p:spPr>
+        <p:style>
+          <a:lnRef idx="2">
+            <a:schemeClr val="accent1">
+              <a:shade val="50000"/>
+            </a:schemeClr>
+          </a:lnRef>
+          <a:fillRef idx="1">
+            <a:schemeClr val="accent1"/>
+          </a:fillRef>
+          <a:effectRef idx="0">
+            <a:schemeClr val="accent1"/>
+          </a:effectRef>
+          <a:fontRef idx="minor">
+            <a:schemeClr val="lt1"/>
+          </a:fontRef>
+        </p:style>
+        <p:txBody>
+          <a:bodyPr rot="0" spcFirstLastPara="0" vertOverflow="overflow" horzOverflow="overflow" vert="horz" wrap="square" lIns="91440" tIns="45720" rIns="91440" bIns="45720" numCol="1" spcCol="0" rtlCol="0" fromWordArt="0" anchor="ctr" anchorCtr="0" forceAA="0" compatLnSpc="1">
+            <a:prstTxWarp prst="textNoShape">
+              <a:avLst/>
+            </a:prstTxWarp>
+            <a:noAutofit/>
+          </a:bodyPr>
+          <a:lstStyle/>
+          <a:p>
+            <a:pPr algn="ctr"/>
+            <a:r>
+              <a:rPr lang="en-MY" dirty="0" smtClean="0">
+                <a:solidFill>
+                  <a:schemeClr val="tx1"/>
+                </a:solidFill>
+              </a:rPr>
+              <a:t>View purchase history</a:t>
+            </a:r>
+            <a:endParaRPr lang="en-MY" dirty="0">
+              <a:solidFill>
+                <a:schemeClr val="tx1"/>
+              </a:solidFill>
+            </a:endParaRPr>
+          </a:p>
+        </p:txBody>
+      </p:sp>
+      <p:sp>
+        <p:nvSpPr>
+          <p:cNvPr id="15" name="Oval 14"/>
+          <p:cNvSpPr/>
+          <p:nvPr/>
+        </p:nvSpPr>
+        <p:spPr>
+          <a:xfrm>
+            <a:off x="5093687" y="4665780"/>
+            <a:ext cx="2323997" cy="661931"/>
+          </a:xfrm>
+          <a:prstGeom prst="ellipse">
+            <a:avLst/>
+          </a:prstGeom>
+          <a:noFill/>
+          <a:ln w="19050">
+            <a:solidFill>
+              <a:schemeClr val="tx1"/>
+            </a:solidFill>
+          </a:ln>
+        </p:spPr>
+        <p:style>
+          <a:lnRef idx="2">
+            <a:schemeClr val="accent1">
+              <a:shade val="50000"/>
+            </a:schemeClr>
+          </a:lnRef>
+          <a:fillRef idx="1">
+            <a:schemeClr val="accent1"/>
+          </a:fillRef>
+          <a:effectRef idx="0">
+            <a:schemeClr val="accent1"/>
+          </a:effectRef>
+          <a:fontRef idx="minor">
+            <a:schemeClr val="lt1"/>
+          </a:fontRef>
+        </p:style>
+        <p:txBody>
+          <a:bodyPr rot="0" spcFirstLastPara="0" vertOverflow="overflow" horzOverflow="overflow" vert="horz" wrap="square" lIns="91440" tIns="45720" rIns="91440" bIns="45720" numCol="1" spcCol="0" rtlCol="0" fromWordArt="0" anchor="ctr" anchorCtr="0" forceAA="0" compatLnSpc="1">
+            <a:prstTxWarp prst="textNoShape">
+              <a:avLst/>
+            </a:prstTxWarp>
+            <a:noAutofit/>
+          </a:bodyPr>
+          <a:lstStyle/>
+          <a:p>
+            <a:pPr algn="ctr"/>
+            <a:r>
+              <a:rPr lang="en-MY" dirty="0" smtClean="0">
+                <a:solidFill>
+                  <a:schemeClr val="tx1"/>
+                </a:solidFill>
+              </a:rPr>
+              <a:t>Make payment</a:t>
+            </a:r>
+            <a:endParaRPr lang="en-MY" dirty="0">
+              <a:solidFill>
+                <a:schemeClr val="tx1"/>
+              </a:solidFill>
+            </a:endParaRPr>
+          </a:p>
+        </p:txBody>
+      </p:sp>
+      <p:pic>
+        <p:nvPicPr>
+          <p:cNvPr id="16" name="Picture 2" descr="Image result for stickman use case"/>
+          <p:cNvPicPr>
+            <a:picLocks noChangeAspect="1" noChangeArrowheads="1"/>
+          </p:cNvPicPr>
+          <p:nvPr/>
+        </p:nvPicPr>
+        <p:blipFill rotWithShape="1">
+          <a:blip r:embed="rId2" cstate="print">
+            <a:extLst>
+              <a:ext uri="{28A0092B-C50C-407E-A947-70E740481C1C}">
+                <a14:useLocalDpi xmlns:a14="http://schemas.microsoft.com/office/drawing/2010/main" val="0"/>
+              </a:ext>
+            </a:extLst>
+          </a:blip>
+          <a:srcRect l="32979" r="32592"/>
+          <a:stretch/>
+        </p:blipFill>
+        <p:spPr bwMode="auto">
+          <a:xfrm>
+            <a:off x="10214036" y="2300662"/>
+            <a:ext cx="1656081" cy="3362325"/>
+          </a:xfrm>
+          <a:prstGeom prst="rect">
+            <a:avLst/>
+          </a:prstGeom>
+          <a:noFill/>
+          <a:extLst>
+            <a:ext uri="{909E8E84-426E-40DD-AFC4-6F175D3DCCD1}">
+              <a14:hiddenFill xmlns:a14="http://schemas.microsoft.com/office/drawing/2010/main">
+                <a:solidFill>
+                  <a:srgbClr val="FFFFFF"/>
+                </a:solidFill>
+              </a14:hiddenFill>
+            </a:ext>
+          </a:extLst>
+        </p:spPr>
+      </p:pic>
+      <p:graphicFrame>
+        <p:nvGraphicFramePr>
+          <p:cNvPr id="18" name="Table 17"/>
+          <p:cNvGraphicFramePr>
+            <a:graphicFrameLocks noGrp="1"/>
+          </p:cNvGraphicFramePr>
+          <p:nvPr>
+            <p:extLst>
+              <p:ext uri="{D42A27DB-BD31-4B8C-83A1-F6EECF244321}">
+                <p14:modId xmlns:p14="http://schemas.microsoft.com/office/powerpoint/2010/main" val="2135900508"/>
+              </p:ext>
+            </p:extLst>
+          </p:nvPr>
+        </p:nvGraphicFramePr>
+        <p:xfrm>
+          <a:off x="9952274" y="5401212"/>
+          <a:ext cx="2179605" cy="386017"/>
+        </p:xfrm>
+        <a:graphic>
+          <a:graphicData uri="http://schemas.openxmlformats.org/drawingml/2006/table">
+            <a:tbl>
+              <a:tblPr firstRow="1" firstCol="1" bandRow="1">
+                <a:tableStyleId>{5C22544A-7EE6-4342-B048-85BDC9FD1C3A}</a:tableStyleId>
+              </a:tblPr>
+              <a:tblGrid>
+                <a:gridCol w="2179605">
+                  <a:extLst>
+                    <a:ext uri="{9D8B030D-6E8A-4147-A177-3AD203B41FA5}">
+                      <a16:colId xmlns:a16="http://schemas.microsoft.com/office/drawing/2014/main" val="3283859600"/>
+                    </a:ext>
+                  </a:extLst>
+                </a:gridCol>
+              </a:tblGrid>
+              <a:tr h="0">
+                <a:tc>
+                  <a:txBody>
+                    <a:bodyPr/>
+                    <a:lstStyle/>
+                    <a:p>
+                      <a:pPr algn="ctr">
+                        <a:lnSpc>
+                          <a:spcPct val="107000"/>
+                        </a:lnSpc>
+                        <a:spcAft>
+                          <a:spcPts val="0"/>
+                        </a:spcAft>
+                      </a:pPr>
+                      <a:r>
+                        <a:rPr lang="en-MY" u="none" dirty="0" smtClean="0">
+                          <a:solidFill>
+                            <a:sysClr val="windowText" lastClr="000000"/>
+                          </a:solidFill>
+                          <a:latin typeface="Times New Roman" panose="02020603050405020304" pitchFamily="18" charset="0"/>
+                          <a:cs typeface="Times New Roman" panose="02020603050405020304" pitchFamily="18" charset="0"/>
+                        </a:rPr>
+                        <a:t>Admin / Staff</a:t>
+                      </a:r>
+                      <a:endParaRPr lang="en-MY" u="none" dirty="0">
+                        <a:solidFill>
+                          <a:sysClr val="windowText" lastClr="000000"/>
+                        </a:solidFill>
+                        <a:latin typeface="Times New Roman" panose="02020603050405020304" pitchFamily="18" charset="0"/>
+                        <a:cs typeface="Times New Roman" panose="02020603050405020304" pitchFamily="18" charset="0"/>
+                      </a:endParaRPr>
+                    </a:p>
+                  </a:txBody>
+                  <a:tcPr marL="68580" marR="68580" marT="0" marB="0">
+                    <a:noFill/>
+                  </a:tcPr>
+                </a:tc>
+                <a:extLst>
+                  <a:ext uri="{0D108BD9-81ED-4DB2-BD59-A6C34878D82A}">
+                    <a16:rowId xmlns:a16="http://schemas.microsoft.com/office/drawing/2014/main" val="1580972651"/>
+                  </a:ext>
+                </a:extLst>
+              </a:tr>
+            </a:tbl>
+          </a:graphicData>
+        </a:graphic>
+      </p:graphicFrame>
+      <p:cxnSp>
+        <p:nvCxnSpPr>
+          <p:cNvPr id="24" name="Straight Connector 23"/>
+          <p:cNvCxnSpPr>
+            <a:stCxn id="16" idx="1"/>
+            <a:endCxn id="13" idx="6"/>
+          </p:cNvCxnSpPr>
+          <p:nvPr/>
+        </p:nvCxnSpPr>
+        <p:spPr>
+          <a:xfrm flipH="1">
+            <a:off x="7546348" y="3981825"/>
+            <a:ext cx="2667688" cy="2877679"/>
+          </a:xfrm>
+          <a:prstGeom prst="line">
+            <a:avLst/>
+          </a:prstGeom>
+          <a:ln w="19050">
+            <a:solidFill>
+              <a:schemeClr val="tx1"/>
+            </a:solidFill>
+          </a:ln>
+        </p:spPr>
+        <p:style>
+          <a:lnRef idx="1">
+            <a:schemeClr val="accent1"/>
+          </a:lnRef>
+          <a:fillRef idx="0">
+            <a:schemeClr val="accent1"/>
+          </a:fillRef>
+          <a:effectRef idx="0">
+            <a:schemeClr val="accent1"/>
+          </a:effectRef>
+          <a:fontRef idx="minor">
+            <a:schemeClr val="tx1"/>
+          </a:fontRef>
+        </p:style>
+      </p:cxnSp>
+      <p:cxnSp>
+        <p:nvCxnSpPr>
+          <p:cNvPr id="27" name="Straight Connector 26"/>
+          <p:cNvCxnSpPr>
+            <a:stCxn id="16" idx="1"/>
+            <a:endCxn id="25" idx="6"/>
+          </p:cNvCxnSpPr>
+          <p:nvPr/>
+        </p:nvCxnSpPr>
+        <p:spPr>
+          <a:xfrm flipH="1">
+            <a:off x="7546348" y="3981825"/>
+            <a:ext cx="2667688" cy="3839850"/>
+          </a:xfrm>
+          <a:prstGeom prst="line">
+            <a:avLst/>
+          </a:prstGeom>
+          <a:ln w="19050">
+            <a:solidFill>
+              <a:schemeClr val="tx1"/>
+            </a:solidFill>
+          </a:ln>
+        </p:spPr>
+        <p:style>
+          <a:lnRef idx="1">
+            <a:schemeClr val="accent1"/>
+          </a:lnRef>
+          <a:fillRef idx="0">
+            <a:schemeClr val="accent1"/>
+          </a:fillRef>
+          <a:effectRef idx="0">
+            <a:schemeClr val="accent1"/>
+          </a:effectRef>
+          <a:fontRef idx="minor">
+            <a:schemeClr val="tx1"/>
+          </a:fontRef>
+        </p:style>
+      </p:cxnSp>
+      <p:sp>
+        <p:nvSpPr>
+          <p:cNvPr id="36" name="Oval 35"/>
+          <p:cNvSpPr/>
+          <p:nvPr/>
+        </p:nvSpPr>
+        <p:spPr>
+          <a:xfrm>
+            <a:off x="5128794" y="3782786"/>
+            <a:ext cx="2323997" cy="661931"/>
+          </a:xfrm>
+          <a:prstGeom prst="ellipse">
+            <a:avLst/>
+          </a:prstGeom>
+          <a:noFill/>
+          <a:ln w="19050">
+            <a:solidFill>
+              <a:schemeClr val="tx1"/>
+            </a:solidFill>
+          </a:ln>
+        </p:spPr>
+        <p:style>
+          <a:lnRef idx="2">
+            <a:schemeClr val="accent1">
+              <a:shade val="50000"/>
+            </a:schemeClr>
+          </a:lnRef>
+          <a:fillRef idx="1">
+            <a:schemeClr val="accent1"/>
+          </a:fillRef>
+          <a:effectRef idx="0">
+            <a:schemeClr val="accent1"/>
+          </a:effectRef>
+          <a:fontRef idx="minor">
+            <a:schemeClr val="lt1"/>
+          </a:fontRef>
+        </p:style>
+        <p:txBody>
+          <a:bodyPr rot="0" spcFirstLastPara="0" vertOverflow="overflow" horzOverflow="overflow" vert="horz" wrap="square" lIns="91440" tIns="45720" rIns="91440" bIns="45720" numCol="1" spcCol="0" rtlCol="0" fromWordArt="0" anchor="ctr" anchorCtr="0" forceAA="0" compatLnSpc="1">
+            <a:prstTxWarp prst="textNoShape">
+              <a:avLst/>
+            </a:prstTxWarp>
+            <a:noAutofit/>
+          </a:bodyPr>
+          <a:lstStyle/>
+          <a:p>
+            <a:pPr algn="ctr"/>
+            <a:r>
+              <a:rPr lang="en-MY" dirty="0" smtClean="0">
+                <a:solidFill>
+                  <a:schemeClr val="tx1"/>
+                </a:solidFill>
+              </a:rPr>
+              <a:t>Remove </a:t>
+            </a:r>
+            <a:r>
+              <a:rPr lang="en-MY" dirty="0">
+                <a:solidFill>
+                  <a:schemeClr val="tx1"/>
+                </a:solidFill>
+              </a:rPr>
+              <a:t>item from </a:t>
+            </a:r>
+            <a:r>
+              <a:rPr lang="en-MY" dirty="0" smtClean="0">
+                <a:solidFill>
+                  <a:schemeClr val="tx1"/>
+                </a:solidFill>
+              </a:rPr>
+              <a:t>cart</a:t>
+            </a:r>
+            <a:endParaRPr lang="en-MY" dirty="0">
+              <a:solidFill>
+                <a:schemeClr val="tx1"/>
+              </a:solidFill>
+            </a:endParaRPr>
+          </a:p>
+        </p:txBody>
+      </p:sp>
+      <p:sp>
+        <p:nvSpPr>
+          <p:cNvPr id="25" name="Oval 24"/>
+          <p:cNvSpPr/>
+          <p:nvPr/>
+        </p:nvSpPr>
+        <p:spPr>
+          <a:xfrm>
+            <a:off x="5035236" y="7490709"/>
+            <a:ext cx="2511112" cy="661931"/>
+          </a:xfrm>
+          <a:prstGeom prst="ellipse">
+            <a:avLst/>
+          </a:prstGeom>
+          <a:noFill/>
+          <a:ln w="19050">
+            <a:solidFill>
+              <a:schemeClr val="tx1"/>
+            </a:solidFill>
+          </a:ln>
+        </p:spPr>
+        <p:style>
+          <a:lnRef idx="2">
+            <a:schemeClr val="accent1">
+              <a:shade val="50000"/>
+            </a:schemeClr>
+          </a:lnRef>
+          <a:fillRef idx="1">
+            <a:schemeClr val="accent1"/>
+          </a:fillRef>
+          <a:effectRef idx="0">
+            <a:schemeClr val="accent1"/>
+          </a:effectRef>
+          <a:fontRef idx="minor">
+            <a:schemeClr val="lt1"/>
+          </a:fontRef>
+        </p:style>
+        <p:txBody>
+          <a:bodyPr rot="0" spcFirstLastPara="0" vertOverflow="overflow" horzOverflow="overflow" vert="horz" wrap="square" lIns="91440" tIns="45720" rIns="91440" bIns="45720" numCol="1" spcCol="0" rtlCol="0" fromWordArt="0" anchor="ctr" anchorCtr="0" forceAA="0" compatLnSpc="1">
+            <a:prstTxWarp prst="textNoShape">
+              <a:avLst/>
+            </a:prstTxWarp>
+            <a:noAutofit/>
+          </a:bodyPr>
+          <a:lstStyle/>
+          <a:p>
+            <a:pPr algn="ctr"/>
+            <a:r>
+              <a:rPr lang="en-MY" dirty="0" smtClean="0">
+                <a:solidFill>
+                  <a:schemeClr val="tx1"/>
+                </a:solidFill>
+              </a:rPr>
+              <a:t>View sales history</a:t>
+            </a:r>
+            <a:endParaRPr lang="en-MY" dirty="0">
+              <a:solidFill>
+                <a:schemeClr val="tx1"/>
+              </a:solidFill>
+            </a:endParaRPr>
+          </a:p>
+        </p:txBody>
+      </p:sp>
+      <p:sp>
+        <p:nvSpPr>
+          <p:cNvPr id="28" name="Oval 27"/>
+          <p:cNvSpPr/>
+          <p:nvPr/>
+        </p:nvSpPr>
+        <p:spPr>
+          <a:xfrm>
+            <a:off x="5122392" y="1688740"/>
+            <a:ext cx="2336800" cy="661931"/>
+          </a:xfrm>
+          <a:prstGeom prst="ellipse">
+            <a:avLst/>
+          </a:prstGeom>
+          <a:noFill/>
+          <a:ln w="19050">
+            <a:solidFill>
+              <a:schemeClr val="tx1"/>
+            </a:solidFill>
+          </a:ln>
+        </p:spPr>
+        <p:style>
+          <a:lnRef idx="2">
+            <a:schemeClr val="accent1">
+              <a:shade val="50000"/>
+            </a:schemeClr>
+          </a:lnRef>
+          <a:fillRef idx="1">
+            <a:schemeClr val="accent1"/>
+          </a:fillRef>
+          <a:effectRef idx="0">
+            <a:schemeClr val="accent1"/>
+          </a:effectRef>
+          <a:fontRef idx="minor">
+            <a:schemeClr val="lt1"/>
+          </a:fontRef>
+        </p:style>
+        <p:txBody>
+          <a:bodyPr rot="0" spcFirstLastPara="0" vertOverflow="overflow" horzOverflow="overflow" vert="horz" wrap="square" lIns="91440" tIns="45720" rIns="91440" bIns="45720" numCol="1" spcCol="0" rtlCol="0" fromWordArt="0" anchor="ctr" anchorCtr="0" forceAA="0" compatLnSpc="1">
+            <a:prstTxWarp prst="textNoShape">
+              <a:avLst/>
+            </a:prstTxWarp>
+            <a:noAutofit/>
+          </a:bodyPr>
+          <a:lstStyle/>
+          <a:p>
+            <a:pPr algn="ctr"/>
+            <a:r>
+              <a:rPr lang="en-MY">
+                <a:solidFill>
+                  <a:schemeClr val="tx1"/>
+                </a:solidFill>
+              </a:rPr>
+              <a:t>Edit quantity or size in cart</a:t>
+            </a:r>
+            <a:endParaRPr lang="en-MY" dirty="0">
+              <a:solidFill>
+                <a:schemeClr val="tx1"/>
+              </a:solidFill>
+            </a:endParaRPr>
+          </a:p>
+        </p:txBody>
+      </p:sp>
+      <p:cxnSp>
+        <p:nvCxnSpPr>
+          <p:cNvPr id="56" name="Straight Connector 55"/>
+          <p:cNvCxnSpPr>
+            <a:stCxn id="6" idx="3"/>
+            <a:endCxn id="28" idx="2"/>
+          </p:cNvCxnSpPr>
+          <p:nvPr/>
+        </p:nvCxnSpPr>
+        <p:spPr>
+          <a:xfrm flipV="1">
+            <a:off x="2641601" y="2019706"/>
+            <a:ext cx="2480791" cy="1551409"/>
+          </a:xfrm>
+          <a:prstGeom prst="line">
+            <a:avLst/>
+          </a:prstGeom>
+          <a:ln w="19050">
+            <a:solidFill>
+              <a:schemeClr val="tx1"/>
+            </a:solidFill>
+          </a:ln>
+        </p:spPr>
+        <p:style>
+          <a:lnRef idx="1">
+            <a:schemeClr val="accent1"/>
+          </a:lnRef>
+          <a:fillRef idx="0">
+            <a:schemeClr val="accent1"/>
+          </a:fillRef>
+          <a:effectRef idx="0">
+            <a:schemeClr val="accent1"/>
+          </a:effectRef>
+          <a:fontRef idx="minor">
+            <a:schemeClr val="tx1"/>
+          </a:fontRef>
+        </p:style>
+      </p:cxnSp>
+      <p:cxnSp>
+        <p:nvCxnSpPr>
+          <p:cNvPr id="59" name="Straight Connector 58"/>
+          <p:cNvCxnSpPr>
+            <a:stCxn id="6" idx="3"/>
+            <a:endCxn id="12" idx="2"/>
+          </p:cNvCxnSpPr>
+          <p:nvPr/>
+        </p:nvCxnSpPr>
+        <p:spPr>
+          <a:xfrm flipV="1">
+            <a:off x="2641601" y="3072732"/>
+            <a:ext cx="2480791" cy="498383"/>
+          </a:xfrm>
+          <a:prstGeom prst="line">
+            <a:avLst/>
+          </a:prstGeom>
+          <a:ln w="19050">
+            <a:solidFill>
+              <a:schemeClr val="tx1"/>
+            </a:solidFill>
+          </a:ln>
+        </p:spPr>
+        <p:style>
+          <a:lnRef idx="1">
+            <a:schemeClr val="accent1"/>
+          </a:lnRef>
+          <a:fillRef idx="0">
+            <a:schemeClr val="accent1"/>
+          </a:fillRef>
+          <a:effectRef idx="0">
+            <a:schemeClr val="accent1"/>
+          </a:effectRef>
+          <a:fontRef idx="minor">
+            <a:schemeClr val="tx1"/>
+          </a:fontRef>
+        </p:style>
+      </p:cxnSp>
+      <p:cxnSp>
+        <p:nvCxnSpPr>
+          <p:cNvPr id="63" name="Straight Connector 62"/>
+          <p:cNvCxnSpPr>
+            <a:stCxn id="6" idx="3"/>
+            <a:endCxn id="36" idx="2"/>
+          </p:cNvCxnSpPr>
+          <p:nvPr/>
+        </p:nvCxnSpPr>
+        <p:spPr>
+          <a:xfrm>
+            <a:off x="2641601" y="3571115"/>
+            <a:ext cx="2487193" cy="542637"/>
+          </a:xfrm>
+          <a:prstGeom prst="line">
+            <a:avLst/>
+          </a:prstGeom>
+          <a:ln w="19050">
+            <a:solidFill>
+              <a:schemeClr val="tx1"/>
+            </a:solidFill>
+          </a:ln>
+        </p:spPr>
+        <p:style>
+          <a:lnRef idx="1">
+            <a:schemeClr val="accent1"/>
+          </a:lnRef>
+          <a:fillRef idx="0">
+            <a:schemeClr val="accent1"/>
+          </a:fillRef>
+          <a:effectRef idx="0">
+            <a:schemeClr val="accent1"/>
+          </a:effectRef>
+          <a:fontRef idx="minor">
+            <a:schemeClr val="tx1"/>
+          </a:fontRef>
+        </p:style>
+      </p:cxnSp>
+      <p:cxnSp>
+        <p:nvCxnSpPr>
+          <p:cNvPr id="68" name="Straight Connector 67"/>
+          <p:cNvCxnSpPr>
+            <a:stCxn id="6" idx="3"/>
+            <a:endCxn id="15" idx="2"/>
+          </p:cNvCxnSpPr>
+          <p:nvPr/>
+        </p:nvCxnSpPr>
+        <p:spPr>
+          <a:xfrm>
+            <a:off x="2641601" y="3571115"/>
+            <a:ext cx="2452086" cy="1425631"/>
+          </a:xfrm>
+          <a:prstGeom prst="line">
+            <a:avLst/>
+          </a:prstGeom>
+          <a:ln w="19050">
+            <a:solidFill>
+              <a:schemeClr val="tx1"/>
+            </a:solidFill>
+          </a:ln>
+        </p:spPr>
+        <p:style>
+          <a:lnRef idx="1">
+            <a:schemeClr val="accent1"/>
+          </a:lnRef>
+          <a:fillRef idx="0">
+            <a:schemeClr val="accent1"/>
+          </a:fillRef>
+          <a:effectRef idx="0">
+            <a:schemeClr val="accent1"/>
+          </a:effectRef>
+          <a:fontRef idx="minor">
+            <a:schemeClr val="tx1"/>
+          </a:fontRef>
+        </p:style>
+      </p:cxnSp>
+      <p:cxnSp>
+        <p:nvCxnSpPr>
+          <p:cNvPr id="73" name="Straight Connector 72"/>
+          <p:cNvCxnSpPr>
+            <a:stCxn id="6" idx="3"/>
+            <a:endCxn id="14" idx="2"/>
+          </p:cNvCxnSpPr>
+          <p:nvPr/>
+        </p:nvCxnSpPr>
+        <p:spPr>
+          <a:xfrm>
+            <a:off x="2641601" y="3571115"/>
+            <a:ext cx="2379452" cy="2275333"/>
+          </a:xfrm>
+          <a:prstGeom prst="line">
+            <a:avLst/>
+          </a:prstGeom>
+          <a:ln w="19050">
+            <a:solidFill>
+              <a:schemeClr val="tx1"/>
+            </a:solidFill>
+          </a:ln>
+        </p:spPr>
+        <p:style>
+          <a:lnRef idx="1">
+            <a:schemeClr val="accent1"/>
+          </a:lnRef>
+          <a:fillRef idx="0">
+            <a:schemeClr val="accent1"/>
+          </a:fillRef>
+          <a:effectRef idx="0">
+            <a:schemeClr val="accent1"/>
+          </a:effectRef>
+          <a:fontRef idx="minor">
+            <a:schemeClr val="tx1"/>
+          </a:fontRef>
+        </p:style>
+      </p:cxnSp>
+      <p:cxnSp>
+        <p:nvCxnSpPr>
+          <p:cNvPr id="90" name="Straight Arrow Connector 89"/>
+          <p:cNvCxnSpPr>
+            <a:stCxn id="12" idx="0"/>
+            <a:endCxn id="28" idx="4"/>
+          </p:cNvCxnSpPr>
+          <p:nvPr/>
+        </p:nvCxnSpPr>
+        <p:spPr>
+          <a:xfrm flipV="1">
+            <a:off x="6290792" y="2350671"/>
+            <a:ext cx="0" cy="391095"/>
+          </a:xfrm>
+          <a:prstGeom prst="straightConnector1">
+            <a:avLst/>
+          </a:prstGeom>
+          <a:ln w="12700" cmpd="sng">
+            <a:solidFill>
+              <a:schemeClr val="tx1"/>
+            </a:solidFill>
+            <a:prstDash val="sysDash"/>
+            <a:headEnd type="arrow" w="lg" len="lg"/>
+            <a:tailEnd type="none"/>
+          </a:ln>
+        </p:spPr>
+        <p:style>
+          <a:lnRef idx="1">
+            <a:schemeClr val="accent1"/>
+          </a:lnRef>
+          <a:fillRef idx="0">
+            <a:schemeClr val="accent1"/>
+          </a:fillRef>
+          <a:effectRef idx="0">
+            <a:schemeClr val="accent1"/>
+          </a:effectRef>
+          <a:fontRef idx="minor">
+            <a:schemeClr val="tx1"/>
+          </a:fontRef>
+        </p:style>
+      </p:cxnSp>
+      <p:graphicFrame>
+        <p:nvGraphicFramePr>
+          <p:cNvPr id="91" name="Table 90"/>
+          <p:cNvGraphicFramePr>
+            <a:graphicFrameLocks noGrp="1"/>
+          </p:cNvGraphicFramePr>
+          <p:nvPr>
+            <p:extLst>
+              <p:ext uri="{D42A27DB-BD31-4B8C-83A1-F6EECF244321}">
+                <p14:modId xmlns:p14="http://schemas.microsoft.com/office/powerpoint/2010/main" val="119446805"/>
+              </p:ext>
+            </p:extLst>
+          </p:nvPr>
+        </p:nvGraphicFramePr>
+        <p:xfrm>
+          <a:off x="6225062" y="3473024"/>
+          <a:ext cx="1148393" cy="228283"/>
+        </p:xfrm>
+        <a:graphic>
+          <a:graphicData uri="http://schemas.openxmlformats.org/drawingml/2006/table">
+            <a:tbl>
+              <a:tblPr firstRow="1" firstCol="1" bandRow="1">
+                <a:tableStyleId>{5C22544A-7EE6-4342-B048-85BDC9FD1C3A}</a:tableStyleId>
+              </a:tblPr>
+              <a:tblGrid>
+                <a:gridCol w="1148393">
+                  <a:extLst>
+                    <a:ext uri="{9D8B030D-6E8A-4147-A177-3AD203B41FA5}">
+                      <a16:colId xmlns:a16="http://schemas.microsoft.com/office/drawing/2014/main" val="3283859600"/>
+                    </a:ext>
+                  </a:extLst>
+                </a:gridCol>
+              </a:tblGrid>
+              <a:tr h="227228">
+                <a:tc>
+                  <a:txBody>
+                    <a:bodyPr/>
+                    <a:lstStyle/>
+                    <a:p>
+                      <a:pPr algn="ctr">
+                        <a:lnSpc>
+                          <a:spcPct val="107000"/>
+                        </a:lnSpc>
+                        <a:spcAft>
+                          <a:spcPts val="0"/>
+                        </a:spcAft>
+                      </a:pPr>
+                      <a:r>
+                        <a:rPr lang="en-MY" sz="1400" u="none" dirty="0" smtClean="0">
+                          <a:solidFill>
+                            <a:sysClr val="windowText" lastClr="000000"/>
+                          </a:solidFill>
+                          <a:latin typeface="Times New Roman" panose="02020603050405020304" pitchFamily="18" charset="0"/>
+                          <a:cs typeface="Times New Roman" panose="02020603050405020304" pitchFamily="18" charset="0"/>
+                        </a:rPr>
+                        <a:t>&lt;&lt;extend&gt;&gt;</a:t>
+                      </a:r>
+                      <a:endParaRPr lang="en-MY" sz="1400" u="none" dirty="0">
+                        <a:solidFill>
+                          <a:sysClr val="windowText" lastClr="000000"/>
+                        </a:solidFill>
+                        <a:latin typeface="Times New Roman" panose="02020603050405020304" pitchFamily="18" charset="0"/>
+                        <a:cs typeface="Times New Roman" panose="02020603050405020304" pitchFamily="18" charset="0"/>
+                      </a:endParaRPr>
+                    </a:p>
+                  </a:txBody>
+                  <a:tcPr marL="68580" marR="68580" marT="0" marB="0">
+                    <a:lnL w="12700" cmpd="sng">
+                      <a:noFill/>
+                    </a:lnL>
+                    <a:lnR w="12700" cmpd="sng">
+                      <a:noFill/>
+                    </a:lnR>
+                    <a:lnT w="12700" cmpd="sng">
+                      <a:noFill/>
+                    </a:lnT>
+                    <a:lnB w="38100" cmpd="sng">
+                      <a:noFill/>
+                    </a:lnB>
+                    <a:lnTlToBr w="12700" cmpd="sng">
+                      <a:noFill/>
+                      <a:prstDash val="solid"/>
+                    </a:lnTlToBr>
+                    <a:lnBlToTr w="12700" cmpd="sng">
+                      <a:noFill/>
+                      <a:prstDash val="solid"/>
+                    </a:lnBlToTr>
+                    <a:noFill/>
+                  </a:tcPr>
+                </a:tc>
+                <a:extLst>
+                  <a:ext uri="{0D108BD9-81ED-4DB2-BD59-A6C34878D82A}">
+                    <a16:rowId xmlns:a16="http://schemas.microsoft.com/office/drawing/2014/main" val="1580972651"/>
+                  </a:ext>
+                </a:extLst>
+              </a:tr>
+            </a:tbl>
+          </a:graphicData>
+        </a:graphic>
+      </p:graphicFrame>
+      <p:cxnSp>
+        <p:nvCxnSpPr>
+          <p:cNvPr id="102" name="Straight Arrow Connector 101"/>
+          <p:cNvCxnSpPr>
+            <a:stCxn id="12" idx="4"/>
+            <a:endCxn id="36" idx="0"/>
+          </p:cNvCxnSpPr>
+          <p:nvPr/>
+        </p:nvCxnSpPr>
+        <p:spPr>
+          <a:xfrm>
+            <a:off x="6290792" y="3403697"/>
+            <a:ext cx="1" cy="379089"/>
+          </a:xfrm>
+          <a:prstGeom prst="straightConnector1">
+            <a:avLst/>
+          </a:prstGeom>
+          <a:ln w="12700" cmpd="sng">
+            <a:solidFill>
+              <a:schemeClr val="tx1"/>
+            </a:solidFill>
+            <a:prstDash val="sysDash"/>
+            <a:headEnd type="arrow" w="lg" len="lg"/>
+            <a:tailEnd type="none"/>
+          </a:ln>
+        </p:spPr>
+        <p:style>
+          <a:lnRef idx="1">
+            <a:schemeClr val="accent1"/>
+          </a:lnRef>
+          <a:fillRef idx="0">
+            <a:schemeClr val="accent1"/>
+          </a:fillRef>
+          <a:effectRef idx="0">
+            <a:schemeClr val="accent1"/>
+          </a:effectRef>
+          <a:fontRef idx="minor">
+            <a:schemeClr val="tx1"/>
+          </a:fontRef>
+        </p:style>
+      </p:cxnSp>
+      <p:graphicFrame>
+        <p:nvGraphicFramePr>
+          <p:cNvPr id="108" name="Table 107"/>
+          <p:cNvGraphicFramePr>
+            <a:graphicFrameLocks noGrp="1"/>
+          </p:cNvGraphicFramePr>
+          <p:nvPr>
+            <p:extLst>
+              <p:ext uri="{D42A27DB-BD31-4B8C-83A1-F6EECF244321}">
+                <p14:modId xmlns:p14="http://schemas.microsoft.com/office/powerpoint/2010/main" val="1085010856"/>
+              </p:ext>
+            </p:extLst>
+          </p:nvPr>
+        </p:nvGraphicFramePr>
+        <p:xfrm>
+          <a:off x="6249617" y="2389452"/>
+          <a:ext cx="1148393" cy="228283"/>
+        </p:xfrm>
+        <a:graphic>
+          <a:graphicData uri="http://schemas.openxmlformats.org/drawingml/2006/table">
+            <a:tbl>
+              <a:tblPr firstRow="1" firstCol="1" bandRow="1">
+                <a:tableStyleId>{5C22544A-7EE6-4342-B048-85BDC9FD1C3A}</a:tableStyleId>
+              </a:tblPr>
+              <a:tblGrid>
+                <a:gridCol w="1148393">
+                  <a:extLst>
+                    <a:ext uri="{9D8B030D-6E8A-4147-A177-3AD203B41FA5}">
+                      <a16:colId xmlns:a16="http://schemas.microsoft.com/office/drawing/2014/main" val="3283859600"/>
+                    </a:ext>
+                  </a:extLst>
+                </a:gridCol>
+              </a:tblGrid>
+              <a:tr h="227228">
+                <a:tc>
+                  <a:txBody>
+                    <a:bodyPr/>
+                    <a:lstStyle/>
+                    <a:p>
+                      <a:pPr algn="ctr">
+                        <a:lnSpc>
+                          <a:spcPct val="107000"/>
+                        </a:lnSpc>
+                        <a:spcAft>
+                          <a:spcPts val="0"/>
+                        </a:spcAft>
+                      </a:pPr>
+                      <a:r>
+                        <a:rPr lang="en-MY" sz="1400" u="none" dirty="0" smtClean="0">
+                          <a:solidFill>
+                            <a:sysClr val="windowText" lastClr="000000"/>
+                          </a:solidFill>
+                          <a:latin typeface="Times New Roman" panose="02020603050405020304" pitchFamily="18" charset="0"/>
+                          <a:cs typeface="Times New Roman" panose="02020603050405020304" pitchFamily="18" charset="0"/>
+                        </a:rPr>
+                        <a:t>&lt;&lt;extend&gt;&gt;</a:t>
+                      </a:r>
+                      <a:endParaRPr lang="en-MY" sz="1400" u="none" dirty="0">
+                        <a:solidFill>
+                          <a:sysClr val="windowText" lastClr="000000"/>
+                        </a:solidFill>
+                        <a:latin typeface="Times New Roman" panose="02020603050405020304" pitchFamily="18" charset="0"/>
+                        <a:cs typeface="Times New Roman" panose="02020603050405020304" pitchFamily="18" charset="0"/>
+                      </a:endParaRPr>
+                    </a:p>
+                  </a:txBody>
+                  <a:tcPr marL="68580" marR="68580" marT="0" marB="0">
+                    <a:lnL w="12700" cmpd="sng">
+                      <a:noFill/>
+                    </a:lnL>
+                    <a:lnR w="12700" cmpd="sng">
+                      <a:noFill/>
+                    </a:lnR>
+                    <a:lnT w="12700" cmpd="sng">
+                      <a:noFill/>
+                    </a:lnT>
+                    <a:lnB w="38100" cmpd="sng">
+                      <a:noFill/>
+                    </a:lnB>
+                    <a:lnTlToBr w="12700" cmpd="sng">
+                      <a:noFill/>
+                      <a:prstDash val="solid"/>
+                    </a:lnTlToBr>
+                    <a:lnBlToTr w="12700" cmpd="sng">
+                      <a:noFill/>
+                      <a:prstDash val="solid"/>
+                    </a:lnBlToTr>
+                    <a:noFill/>
+                  </a:tcPr>
+                </a:tc>
+                <a:extLst>
+                  <a:ext uri="{0D108BD9-81ED-4DB2-BD59-A6C34878D82A}">
+                    <a16:rowId xmlns:a16="http://schemas.microsoft.com/office/drawing/2014/main" val="1580972651"/>
+                  </a:ext>
+                </a:extLst>
+              </a:tr>
+            </a:tbl>
+          </a:graphicData>
+        </a:graphic>
+      </p:graphicFrame>
+    </p:spTree>
+    <p:extLst>
+      <p:ext uri="{BB962C8B-B14F-4D97-AF65-F5344CB8AC3E}">
+        <p14:creationId xmlns:p14="http://schemas.microsoft.com/office/powerpoint/2010/main" val="2637604209"/>
+      </p:ext>
+    </p:extLst>
+  </p:cSld>
+  <p:clrMapOvr>
+    <a:masterClrMapping/>
+  </p:clrMapOvr>
+</p:sld>
+</file>
+
+<file path=ppt/slides/slide4.xml><?xml version="1.0" encoding="utf-8"?>
+<p:sld xmlns:a="http://schemas.openxmlformats.org/drawingml/2006/main" xmlns:r="http://schemas.openxmlformats.org/officeDocument/2006/relationships" xmlns:p="http://schemas.openxmlformats.org/presentationml/2006/main">
+  <p:cSld>
+    <p:spTree>
+      <p:nvGrpSpPr>
+        <p:cNvPr id="1" name=""/>
+        <p:cNvGrpSpPr/>
+        <p:nvPr/>
+      </p:nvGrpSpPr>
+      <p:grpSpPr>
+        <a:xfrm>
+          <a:off x="0" y="0"/>
+          <a:ext cx="0" cy="0"/>
+          <a:chOff x="0" y="0"/>
+          <a:chExt cx="0" cy="0"/>
+        </a:xfrm>
+      </p:grpSpPr>
+      <p:graphicFrame>
+        <p:nvGraphicFramePr>
+          <p:cNvPr id="4" name="Table 3"/>
+          <p:cNvGraphicFramePr>
+            <a:graphicFrameLocks noGrp="1"/>
+          </p:cNvGraphicFramePr>
+          <p:nvPr>
+            <p:extLst>
+              <p:ext uri="{D42A27DB-BD31-4B8C-83A1-F6EECF244321}">
+                <p14:modId xmlns:p14="http://schemas.microsoft.com/office/powerpoint/2010/main" val="223142184"/>
+              </p:ext>
+            </p:extLst>
+          </p:nvPr>
+        </p:nvGraphicFramePr>
+        <p:xfrm>
+          <a:off x="467893" y="268981"/>
+          <a:ext cx="2837065" cy="772033"/>
+        </p:xfrm>
+        <a:graphic>
+          <a:graphicData uri="http://schemas.openxmlformats.org/drawingml/2006/table">
+            <a:tbl>
+              <a:tblPr firstRow="1" firstCol="1" bandRow="1">
+                <a:tableStyleId>{5C22544A-7EE6-4342-B048-85BDC9FD1C3A}</a:tableStyleId>
+              </a:tblPr>
+              <a:tblGrid>
+                <a:gridCol w="2837065">
+                  <a:extLst>
+                    <a:ext uri="{9D8B030D-6E8A-4147-A177-3AD203B41FA5}">
+                      <a16:colId xmlns:a16="http://schemas.microsoft.com/office/drawing/2014/main" val="3283859600"/>
+                    </a:ext>
+                  </a:extLst>
+                </a:gridCol>
+              </a:tblGrid>
+              <a:tr h="0">
+                <a:tc>
+                  <a:txBody>
+                    <a:bodyPr/>
+                    <a:lstStyle/>
+                    <a:p>
+                      <a:pPr>
+                        <a:lnSpc>
+                          <a:spcPct val="107000"/>
+                        </a:lnSpc>
+                        <a:spcAft>
+                          <a:spcPts val="0"/>
+                        </a:spcAft>
+                      </a:pPr>
+                      <a:r>
+                        <a:rPr lang="en-MY" u="sng" dirty="0" smtClean="0">
+                          <a:solidFill>
+                            <a:sysClr val="windowText" lastClr="000000"/>
+                          </a:solidFill>
+                          <a:latin typeface="Times New Roman" panose="02020603050405020304" pitchFamily="18" charset="0"/>
+                          <a:cs typeface="Times New Roman" panose="02020603050405020304" pitchFamily="18" charset="0"/>
+                        </a:rPr>
+                        <a:t>4</a:t>
+                      </a:r>
+                      <a:r>
+                        <a:rPr lang="en-MY" u="sng" baseline="30000" dirty="0" smtClean="0">
+                          <a:solidFill>
+                            <a:sysClr val="windowText" lastClr="000000"/>
+                          </a:solidFill>
+                          <a:latin typeface="Times New Roman" panose="02020603050405020304" pitchFamily="18" charset="0"/>
+                          <a:cs typeface="Times New Roman" panose="02020603050405020304" pitchFamily="18" charset="0"/>
+                        </a:rPr>
+                        <a:t>th</a:t>
+                      </a:r>
+                      <a:r>
+                        <a:rPr lang="en-MY" u="sng" dirty="0" smtClean="0">
+                          <a:solidFill>
+                            <a:sysClr val="windowText" lastClr="000000"/>
+                          </a:solidFill>
+                          <a:latin typeface="Times New Roman" panose="02020603050405020304" pitchFamily="18" charset="0"/>
+                          <a:cs typeface="Times New Roman" panose="02020603050405020304" pitchFamily="18" charset="0"/>
+                        </a:rPr>
+                        <a:t> Module</a:t>
+                      </a:r>
+                      <a:endParaRPr lang="en-MY" u="sng" dirty="0" smtClean="0">
+                        <a:solidFill>
+                          <a:sysClr val="windowText" lastClr="000000"/>
+                        </a:solidFill>
+                        <a:latin typeface="Times New Roman" panose="02020603050405020304" pitchFamily="18" charset="0"/>
+                        <a:cs typeface="Times New Roman" panose="02020603050405020304" pitchFamily="18" charset="0"/>
+                      </a:endParaRPr>
+                    </a:p>
+                    <a:p>
+                      <a:pPr>
+                        <a:lnSpc>
+                          <a:spcPct val="107000"/>
+                        </a:lnSpc>
+                        <a:spcAft>
+                          <a:spcPts val="0"/>
+                        </a:spcAft>
+                      </a:pPr>
+                      <a:r>
+                        <a:rPr lang="en-MY" dirty="0" smtClean="0">
+                          <a:solidFill>
+                            <a:sysClr val="windowText" lastClr="000000"/>
+                          </a:solidFill>
+                          <a:latin typeface="Times New Roman" panose="02020603050405020304" pitchFamily="18" charset="0"/>
+                          <a:cs typeface="Times New Roman" panose="02020603050405020304" pitchFamily="18" charset="0"/>
+                        </a:rPr>
+                        <a:t>Report</a:t>
+                      </a:r>
+                      <a:endParaRPr lang="en-MY" dirty="0">
+                        <a:solidFill>
+                          <a:sysClr val="windowText" lastClr="000000"/>
+                        </a:solidFill>
+                        <a:latin typeface="Times New Roman" panose="02020603050405020304" pitchFamily="18" charset="0"/>
+                        <a:cs typeface="Times New Roman" panose="02020603050405020304" pitchFamily="18" charset="0"/>
+                      </a:endParaRPr>
+                    </a:p>
+                  </a:txBody>
+                  <a:tcPr marL="68580" marR="68580" marT="0" marB="0">
+                    <a:noFill/>
+                  </a:tcPr>
+                </a:tc>
+                <a:extLst>
+                  <a:ext uri="{0D108BD9-81ED-4DB2-BD59-A6C34878D82A}">
+                    <a16:rowId xmlns:a16="http://schemas.microsoft.com/office/drawing/2014/main" val="1580972651"/>
+                  </a:ext>
+                </a:extLst>
+              </a:tr>
+            </a:tbl>
+          </a:graphicData>
+        </a:graphic>
+      </p:graphicFrame>
+      <p:sp>
+        <p:nvSpPr>
+          <p:cNvPr id="5" name="Rectangle 4"/>
+          <p:cNvSpPr/>
+          <p:nvPr/>
+        </p:nvSpPr>
+        <p:spPr>
+          <a:xfrm>
+            <a:off x="3566721" y="1396313"/>
+            <a:ext cx="5419778" cy="6672649"/>
+          </a:xfrm>
+          <a:prstGeom prst="rect">
+            <a:avLst/>
+          </a:prstGeom>
+          <a:noFill/>
+          <a:ln w="19050">
+            <a:solidFill>
+              <a:schemeClr val="tx1"/>
+            </a:solidFill>
+          </a:ln>
+        </p:spPr>
+        <p:style>
+          <a:lnRef idx="2">
+            <a:schemeClr val="accent1">
+              <a:shade val="50000"/>
+            </a:schemeClr>
+          </a:lnRef>
+          <a:fillRef idx="1">
+            <a:schemeClr val="accent1"/>
+          </a:fillRef>
+          <a:effectRef idx="0">
+            <a:schemeClr val="accent1"/>
+          </a:effectRef>
+          <a:fontRef idx="minor">
+            <a:schemeClr val="lt1"/>
+          </a:fontRef>
+        </p:style>
+        <p:txBody>
+          <a:bodyPr rot="0" spcFirstLastPara="0" vertOverflow="overflow" horzOverflow="overflow" vert="horz" wrap="square" lIns="91440" tIns="45720" rIns="91440" bIns="45720" numCol="1" spcCol="0" rtlCol="0" fromWordArt="0" anchor="ctr" anchorCtr="0" forceAA="0" compatLnSpc="1">
+            <a:prstTxWarp prst="textNoShape">
+              <a:avLst/>
+            </a:prstTxWarp>
+            <a:noAutofit/>
+          </a:bodyPr>
+          <a:lstStyle/>
+          <a:p>
+            <a:pPr algn="ctr"/>
+            <a:endParaRPr lang="en-MY"/>
+          </a:p>
+        </p:txBody>
+      </p:sp>
+      <p:pic>
+        <p:nvPicPr>
+          <p:cNvPr id="6" name="Picture 2" descr="Image result for stickman use case"/>
+          <p:cNvPicPr>
+            <a:picLocks noChangeAspect="1" noChangeArrowheads="1"/>
+          </p:cNvPicPr>
+          <p:nvPr/>
+        </p:nvPicPr>
+        <p:blipFill rotWithShape="1">
+          <a:blip r:embed="rId2" cstate="print">
+            <a:extLst>
+              <a:ext uri="{28A0092B-C50C-407E-A947-70E740481C1C}">
+                <a14:useLocalDpi xmlns:a14="http://schemas.microsoft.com/office/drawing/2010/main" val="0"/>
+              </a:ext>
+            </a:extLst>
+          </a:blip>
+          <a:srcRect l="32979" r="32592"/>
+          <a:stretch/>
+        </p:blipFill>
+        <p:spPr bwMode="auto">
+          <a:xfrm>
+            <a:off x="985520" y="2433650"/>
+            <a:ext cx="1656081" cy="3362325"/>
+          </a:xfrm>
+          <a:prstGeom prst="rect">
+            <a:avLst/>
+          </a:prstGeom>
+          <a:noFill/>
+          <a:extLst>
+            <a:ext uri="{909E8E84-426E-40DD-AFC4-6F175D3DCCD1}">
+              <a14:hiddenFill xmlns:a14="http://schemas.microsoft.com/office/drawing/2010/main">
+                <a:solidFill>
+                  <a:srgbClr val="FFFFFF"/>
+                </a:solidFill>
+              </a14:hiddenFill>
+            </a:ext>
+          </a:extLst>
+        </p:spPr>
+      </p:pic>
+      <p:graphicFrame>
+        <p:nvGraphicFramePr>
+          <p:cNvPr id="7" name="Table 6"/>
+          <p:cNvGraphicFramePr>
+            <a:graphicFrameLocks noGrp="1"/>
+          </p:cNvGraphicFramePr>
+          <p:nvPr>
+            <p:extLst>
+              <p:ext uri="{D42A27DB-BD31-4B8C-83A1-F6EECF244321}">
+                <p14:modId xmlns:p14="http://schemas.microsoft.com/office/powerpoint/2010/main" val="1390078480"/>
+              </p:ext>
+            </p:extLst>
+          </p:nvPr>
+        </p:nvGraphicFramePr>
+        <p:xfrm>
+          <a:off x="723757" y="5602966"/>
+          <a:ext cx="2179605" cy="386017"/>
+        </p:xfrm>
+        <a:graphic>
+          <a:graphicData uri="http://schemas.openxmlformats.org/drawingml/2006/table">
+            <a:tbl>
+              <a:tblPr firstRow="1" firstCol="1" bandRow="1">
+                <a:tableStyleId>{5C22544A-7EE6-4342-B048-85BDC9FD1C3A}</a:tableStyleId>
+              </a:tblPr>
+              <a:tblGrid>
+                <a:gridCol w="2179605">
+                  <a:extLst>
+                    <a:ext uri="{9D8B030D-6E8A-4147-A177-3AD203B41FA5}">
+                      <a16:colId xmlns:a16="http://schemas.microsoft.com/office/drawing/2014/main" val="3283859600"/>
+                    </a:ext>
+                  </a:extLst>
+                </a:gridCol>
+              </a:tblGrid>
+              <a:tr h="0">
+                <a:tc>
+                  <a:txBody>
+                    <a:bodyPr/>
+                    <a:lstStyle/>
+                    <a:p>
+                      <a:pPr algn="ctr">
+                        <a:lnSpc>
+                          <a:spcPct val="107000"/>
+                        </a:lnSpc>
+                        <a:spcAft>
+                          <a:spcPts val="0"/>
+                        </a:spcAft>
+                      </a:pPr>
+                      <a:r>
+                        <a:rPr lang="en-MY" u="none" dirty="0" smtClean="0">
+                          <a:solidFill>
+                            <a:sysClr val="windowText" lastClr="000000"/>
+                          </a:solidFill>
+                          <a:latin typeface="Times New Roman" panose="02020603050405020304" pitchFamily="18" charset="0"/>
+                          <a:cs typeface="Times New Roman" panose="02020603050405020304" pitchFamily="18" charset="0"/>
+                        </a:rPr>
+                        <a:t>Admin / Staff</a:t>
+                      </a:r>
+                      <a:endParaRPr lang="en-MY" u="none" dirty="0">
+                        <a:solidFill>
+                          <a:sysClr val="windowText" lastClr="000000"/>
+                        </a:solidFill>
+                        <a:latin typeface="Times New Roman" panose="02020603050405020304" pitchFamily="18" charset="0"/>
+                        <a:cs typeface="Times New Roman" panose="02020603050405020304" pitchFamily="18" charset="0"/>
+                      </a:endParaRPr>
+                    </a:p>
+                  </a:txBody>
+                  <a:tcPr marL="68580" marR="68580" marT="0" marB="0">
+                    <a:noFill/>
+                  </a:tcPr>
+                </a:tc>
+                <a:extLst>
+                  <a:ext uri="{0D108BD9-81ED-4DB2-BD59-A6C34878D82A}">
+                    <a16:rowId xmlns:a16="http://schemas.microsoft.com/office/drawing/2014/main" val="1580972651"/>
+                  </a:ext>
+                </a:extLst>
+              </a:tr>
+            </a:tbl>
+          </a:graphicData>
+        </a:graphic>
+      </p:graphicFrame>
+      <p:sp>
+        <p:nvSpPr>
+          <p:cNvPr id="8" name="Oval 7"/>
+          <p:cNvSpPr/>
+          <p:nvPr/>
+        </p:nvSpPr>
+        <p:spPr>
+          <a:xfrm>
+            <a:off x="4967407" y="2351876"/>
+            <a:ext cx="2540043" cy="624049"/>
+          </a:xfrm>
+          <a:prstGeom prst="ellipse">
+            <a:avLst/>
+          </a:prstGeom>
+          <a:noFill/>
+          <a:ln w="19050">
+            <a:solidFill>
+              <a:schemeClr val="tx1"/>
+            </a:solidFill>
+          </a:ln>
+        </p:spPr>
+        <p:style>
+          <a:lnRef idx="2">
+            <a:schemeClr val="accent1">
+              <a:shade val="50000"/>
+            </a:schemeClr>
+          </a:lnRef>
+          <a:fillRef idx="1">
+            <a:schemeClr val="accent1"/>
+          </a:fillRef>
+          <a:effectRef idx="0">
+            <a:schemeClr val="accent1"/>
+          </a:effectRef>
+          <a:fontRef idx="minor">
+            <a:schemeClr val="lt1"/>
+          </a:fontRef>
+        </p:style>
+        <p:txBody>
+          <a:bodyPr rot="0" spcFirstLastPara="0" vertOverflow="overflow" horzOverflow="overflow" vert="horz" wrap="square" lIns="91440" tIns="45720" rIns="91440" bIns="45720" numCol="1" spcCol="0" rtlCol="0" fromWordArt="0" anchor="ctr" anchorCtr="0" forceAA="0" compatLnSpc="1">
+            <a:prstTxWarp prst="textNoShape">
+              <a:avLst/>
+            </a:prstTxWarp>
+            <a:noAutofit/>
+          </a:bodyPr>
+          <a:lstStyle/>
+          <a:p>
+            <a:pPr algn="ctr"/>
+            <a:r>
+              <a:rPr lang="en-MY" dirty="0">
+                <a:solidFill>
+                  <a:schemeClr val="tx1"/>
+                </a:solidFill>
+              </a:rPr>
+              <a:t>View sales using graphs</a:t>
+            </a:r>
+          </a:p>
+        </p:txBody>
+      </p:sp>
+      <p:cxnSp>
+        <p:nvCxnSpPr>
+          <p:cNvPr id="9" name="Straight Connector 8"/>
+          <p:cNvCxnSpPr>
+            <a:stCxn id="6" idx="3"/>
+            <a:endCxn id="8" idx="2"/>
+          </p:cNvCxnSpPr>
+          <p:nvPr/>
+        </p:nvCxnSpPr>
+        <p:spPr>
+          <a:xfrm flipV="1">
+            <a:off x="2641601" y="2663901"/>
+            <a:ext cx="2325806" cy="1450912"/>
+          </a:xfrm>
+          <a:prstGeom prst="line">
+            <a:avLst/>
+          </a:prstGeom>
+          <a:ln w="19050">
+            <a:solidFill>
+              <a:schemeClr val="tx1"/>
+            </a:solidFill>
+          </a:ln>
+        </p:spPr>
+        <p:style>
+          <a:lnRef idx="1">
+            <a:schemeClr val="accent1"/>
+          </a:lnRef>
+          <a:fillRef idx="0">
+            <a:schemeClr val="accent1"/>
+          </a:fillRef>
+          <a:effectRef idx="0">
+            <a:schemeClr val="accent1"/>
+          </a:effectRef>
+          <a:fontRef idx="minor">
+            <a:schemeClr val="tx1"/>
+          </a:fontRef>
+        </p:style>
+      </p:cxnSp>
+      <p:cxnSp>
+        <p:nvCxnSpPr>
+          <p:cNvPr id="56" name="Straight Connector 55"/>
+          <p:cNvCxnSpPr>
+            <a:stCxn id="6" idx="3"/>
+            <a:endCxn id="29" idx="2"/>
+          </p:cNvCxnSpPr>
+          <p:nvPr/>
+        </p:nvCxnSpPr>
+        <p:spPr>
+          <a:xfrm>
+            <a:off x="2641601" y="4114813"/>
+            <a:ext cx="2325805" cy="1246332"/>
+          </a:xfrm>
+          <a:prstGeom prst="line">
+            <a:avLst/>
+          </a:prstGeom>
+          <a:ln w="19050">
+            <a:solidFill>
+              <a:schemeClr val="tx1"/>
+            </a:solidFill>
+          </a:ln>
+        </p:spPr>
+        <p:style>
+          <a:lnRef idx="1">
+            <a:schemeClr val="accent1"/>
+          </a:lnRef>
+          <a:fillRef idx="0">
+            <a:schemeClr val="accent1"/>
+          </a:fillRef>
+          <a:effectRef idx="0">
+            <a:schemeClr val="accent1"/>
+          </a:effectRef>
+          <a:fontRef idx="minor">
+            <a:schemeClr val="tx1"/>
+          </a:fontRef>
+        </p:style>
+      </p:cxnSp>
+      <p:sp>
+        <p:nvSpPr>
+          <p:cNvPr id="29" name="Oval 28"/>
+          <p:cNvSpPr/>
+          <p:nvPr/>
+        </p:nvSpPr>
+        <p:spPr>
+          <a:xfrm>
+            <a:off x="4967406" y="5049120"/>
+            <a:ext cx="2540043" cy="624049"/>
+          </a:xfrm>
+          <a:prstGeom prst="ellipse">
+            <a:avLst/>
+          </a:prstGeom>
+          <a:noFill/>
+          <a:ln w="19050">
+            <a:solidFill>
+              <a:schemeClr val="tx1"/>
+            </a:solidFill>
+          </a:ln>
+        </p:spPr>
+        <p:style>
+          <a:lnRef idx="2">
+            <a:schemeClr val="accent1">
+              <a:shade val="50000"/>
+            </a:schemeClr>
+          </a:lnRef>
+          <a:fillRef idx="1">
+            <a:schemeClr val="accent1"/>
+          </a:fillRef>
+          <a:effectRef idx="0">
+            <a:schemeClr val="accent1"/>
+          </a:effectRef>
+          <a:fontRef idx="minor">
+            <a:schemeClr val="lt1"/>
+          </a:fontRef>
+        </p:style>
+        <p:txBody>
+          <a:bodyPr rot="0" spcFirstLastPara="0" vertOverflow="overflow" horzOverflow="overflow" vert="horz" wrap="square" lIns="91440" tIns="45720" rIns="91440" bIns="45720" numCol="1" spcCol="0" rtlCol="0" fromWordArt="0" anchor="ctr" anchorCtr="0" forceAA="0" compatLnSpc="1">
+            <a:prstTxWarp prst="textNoShape">
+              <a:avLst/>
+            </a:prstTxWarp>
+            <a:noAutofit/>
+          </a:bodyPr>
+          <a:lstStyle/>
+          <a:p>
+            <a:pPr algn="ctr"/>
+            <a:r>
+              <a:rPr lang="en-MY" dirty="0" smtClean="0">
+                <a:solidFill>
+                  <a:schemeClr val="tx1"/>
+                </a:solidFill>
+              </a:rPr>
+              <a:t>View overall profit</a:t>
+            </a:r>
+            <a:endParaRPr lang="en-MY" dirty="0">
+              <a:solidFill>
+                <a:schemeClr val="tx1"/>
+              </a:solidFill>
+            </a:endParaRPr>
+          </a:p>
+        </p:txBody>
+      </p:sp>
+      <p:sp>
+        <p:nvSpPr>
+          <p:cNvPr id="37" name="Oval 36"/>
+          <p:cNvSpPr/>
+          <p:nvPr/>
+        </p:nvSpPr>
+        <p:spPr>
+          <a:xfrm>
+            <a:off x="4967407" y="6261082"/>
+            <a:ext cx="2540043" cy="624049"/>
+          </a:xfrm>
+          <a:prstGeom prst="ellipse">
+            <a:avLst/>
+          </a:prstGeom>
+          <a:noFill/>
+          <a:ln w="19050">
+            <a:solidFill>
+              <a:schemeClr val="tx1"/>
+            </a:solidFill>
+          </a:ln>
+        </p:spPr>
+        <p:style>
+          <a:lnRef idx="2">
+            <a:schemeClr val="accent1">
+              <a:shade val="50000"/>
+            </a:schemeClr>
+          </a:lnRef>
+          <a:fillRef idx="1">
+            <a:schemeClr val="accent1"/>
+          </a:fillRef>
+          <a:effectRef idx="0">
+            <a:schemeClr val="accent1"/>
+          </a:effectRef>
+          <a:fontRef idx="minor">
+            <a:schemeClr val="lt1"/>
+          </a:fontRef>
+        </p:style>
+        <p:txBody>
+          <a:bodyPr rot="0" spcFirstLastPara="0" vertOverflow="overflow" horzOverflow="overflow" vert="horz" wrap="square" lIns="91440" tIns="45720" rIns="91440" bIns="45720" numCol="1" spcCol="0" rtlCol="0" fromWordArt="0" anchor="ctr" anchorCtr="0" forceAA="0" compatLnSpc="1">
+            <a:prstTxWarp prst="textNoShape">
+              <a:avLst/>
+            </a:prstTxWarp>
+            <a:noAutofit/>
+          </a:bodyPr>
+          <a:lstStyle/>
+          <a:p>
+            <a:pPr algn="ctr"/>
+            <a:r>
+              <a:rPr lang="en-MY" dirty="0" smtClean="0">
+                <a:solidFill>
+                  <a:schemeClr val="tx1"/>
+                </a:solidFill>
+              </a:rPr>
+              <a:t>Print overall profit</a:t>
+            </a:r>
+            <a:endParaRPr lang="en-MY" dirty="0">
+              <a:solidFill>
+                <a:schemeClr val="tx1"/>
+              </a:solidFill>
+            </a:endParaRPr>
+          </a:p>
+        </p:txBody>
+      </p:sp>
+      <p:cxnSp>
+        <p:nvCxnSpPr>
+          <p:cNvPr id="38" name="Straight Connector 37"/>
+          <p:cNvCxnSpPr>
+            <a:stCxn id="6" idx="3"/>
+            <a:endCxn id="37" idx="2"/>
+          </p:cNvCxnSpPr>
+          <p:nvPr/>
+        </p:nvCxnSpPr>
+        <p:spPr>
+          <a:xfrm>
+            <a:off x="2641601" y="4114813"/>
+            <a:ext cx="2325806" cy="2458294"/>
+          </a:xfrm>
+          <a:prstGeom prst="line">
+            <a:avLst/>
+          </a:prstGeom>
+          <a:ln w="19050">
+            <a:solidFill>
+              <a:schemeClr val="tx1"/>
+            </a:solidFill>
+          </a:ln>
+        </p:spPr>
+        <p:style>
+          <a:lnRef idx="1">
+            <a:schemeClr val="accent1"/>
+          </a:lnRef>
+          <a:fillRef idx="0">
+            <a:schemeClr val="accent1"/>
+          </a:fillRef>
+          <a:effectRef idx="0">
+            <a:schemeClr val="accent1"/>
+          </a:effectRef>
+          <a:fontRef idx="minor">
+            <a:schemeClr val="tx1"/>
+          </a:fontRef>
+        </p:style>
+      </p:cxnSp>
+      <p:graphicFrame>
+        <p:nvGraphicFramePr>
+          <p:cNvPr id="41" name="Table 40"/>
+          <p:cNvGraphicFramePr>
+            <a:graphicFrameLocks noGrp="1"/>
+          </p:cNvGraphicFramePr>
+          <p:nvPr>
+            <p:extLst>
+              <p:ext uri="{D42A27DB-BD31-4B8C-83A1-F6EECF244321}">
+                <p14:modId xmlns:p14="http://schemas.microsoft.com/office/powerpoint/2010/main" val="336217565"/>
+              </p:ext>
+            </p:extLst>
+          </p:nvPr>
+        </p:nvGraphicFramePr>
+        <p:xfrm>
+          <a:off x="6237428" y="5924411"/>
+          <a:ext cx="1148393" cy="228283"/>
+        </p:xfrm>
+        <a:graphic>
+          <a:graphicData uri="http://schemas.openxmlformats.org/drawingml/2006/table">
+            <a:tbl>
+              <a:tblPr firstRow="1" firstCol="1" bandRow="1">
+                <a:tableStyleId>{5C22544A-7EE6-4342-B048-85BDC9FD1C3A}</a:tableStyleId>
+              </a:tblPr>
+              <a:tblGrid>
+                <a:gridCol w="1148393">
+                  <a:extLst>
+                    <a:ext uri="{9D8B030D-6E8A-4147-A177-3AD203B41FA5}">
+                      <a16:colId xmlns:a16="http://schemas.microsoft.com/office/drawing/2014/main" val="3283859600"/>
+                    </a:ext>
+                  </a:extLst>
+                </a:gridCol>
+              </a:tblGrid>
+              <a:tr h="227228">
+                <a:tc>
+                  <a:txBody>
+                    <a:bodyPr/>
+                    <a:lstStyle/>
+                    <a:p>
+                      <a:pPr algn="ctr">
+                        <a:lnSpc>
+                          <a:spcPct val="107000"/>
+                        </a:lnSpc>
+                        <a:spcAft>
+                          <a:spcPts val="0"/>
+                        </a:spcAft>
+                      </a:pPr>
+                      <a:r>
+                        <a:rPr lang="en-MY" sz="1400" u="none" dirty="0" smtClean="0">
+                          <a:solidFill>
+                            <a:sysClr val="windowText" lastClr="000000"/>
+                          </a:solidFill>
+                          <a:latin typeface="Times New Roman" panose="02020603050405020304" pitchFamily="18" charset="0"/>
+                          <a:cs typeface="Times New Roman" panose="02020603050405020304" pitchFamily="18" charset="0"/>
+                        </a:rPr>
+                        <a:t>&lt;&lt;extend&gt;&gt;</a:t>
+                      </a:r>
+                      <a:endParaRPr lang="en-MY" sz="1400" u="none" dirty="0">
+                        <a:solidFill>
+                          <a:sysClr val="windowText" lastClr="000000"/>
+                        </a:solidFill>
+                        <a:latin typeface="Times New Roman" panose="02020603050405020304" pitchFamily="18" charset="0"/>
+                        <a:cs typeface="Times New Roman" panose="02020603050405020304" pitchFamily="18" charset="0"/>
+                      </a:endParaRPr>
+                    </a:p>
+                  </a:txBody>
+                  <a:tcPr marL="68580" marR="68580" marT="0" marB="0">
+                    <a:lnL w="12700" cmpd="sng">
+                      <a:noFill/>
+                    </a:lnL>
+                    <a:lnR w="12700" cmpd="sng">
+                      <a:noFill/>
+                    </a:lnR>
+                    <a:lnT w="12700" cmpd="sng">
+                      <a:noFill/>
+                    </a:lnT>
+                    <a:lnB w="38100" cmpd="sng">
+                      <a:noFill/>
+                    </a:lnB>
+                    <a:lnTlToBr w="12700" cmpd="sng">
+                      <a:noFill/>
+                      <a:prstDash val="solid"/>
+                    </a:lnTlToBr>
+                    <a:lnBlToTr w="12700" cmpd="sng">
+                      <a:noFill/>
+                      <a:prstDash val="solid"/>
+                    </a:lnBlToTr>
+                    <a:noFill/>
+                  </a:tcPr>
+                </a:tc>
+                <a:extLst>
+                  <a:ext uri="{0D108BD9-81ED-4DB2-BD59-A6C34878D82A}">
+                    <a16:rowId xmlns:a16="http://schemas.microsoft.com/office/drawing/2014/main" val="1580972651"/>
+                  </a:ext>
+                </a:extLst>
+              </a:tr>
+            </a:tbl>
+          </a:graphicData>
+        </a:graphic>
+      </p:graphicFrame>
+      <p:cxnSp>
+        <p:nvCxnSpPr>
+          <p:cNvPr id="42" name="Straight Arrow Connector 41"/>
+          <p:cNvCxnSpPr>
+            <a:stCxn id="29" idx="4"/>
+            <a:endCxn id="37" idx="0"/>
+          </p:cNvCxnSpPr>
+          <p:nvPr/>
+        </p:nvCxnSpPr>
+        <p:spPr>
+          <a:xfrm>
+            <a:off x="6237428" y="5673169"/>
+            <a:ext cx="1" cy="587913"/>
+          </a:xfrm>
+          <a:prstGeom prst="straightConnector1">
+            <a:avLst/>
+          </a:prstGeom>
+          <a:ln w="12700" cmpd="sng">
+            <a:solidFill>
+              <a:schemeClr val="tx1"/>
+            </a:solidFill>
+            <a:prstDash val="sysDash"/>
+            <a:headEnd type="arrow" w="lg" len="lg"/>
+            <a:tailEnd type="none"/>
+          </a:ln>
+        </p:spPr>
+        <p:style>
+          <a:lnRef idx="1">
+            <a:schemeClr val="accent1"/>
+          </a:lnRef>
+          <a:fillRef idx="0">
+            <a:schemeClr val="accent1"/>
+          </a:fillRef>
+          <a:effectRef idx="0">
+            <a:schemeClr val="accent1"/>
+          </a:effectRef>
+          <a:fontRef idx="minor">
+            <a:schemeClr val="tx1"/>
+          </a:fontRef>
+        </p:style>
+      </p:cxnSp>
+      <p:sp>
+        <p:nvSpPr>
+          <p:cNvPr id="50" name="Oval 49"/>
+          <p:cNvSpPr/>
+          <p:nvPr/>
+        </p:nvSpPr>
+        <p:spPr>
+          <a:xfrm>
+            <a:off x="4967406" y="3568361"/>
+            <a:ext cx="2540043" cy="624049"/>
+          </a:xfrm>
+          <a:prstGeom prst="ellipse">
+            <a:avLst/>
+          </a:prstGeom>
+          <a:noFill/>
+          <a:ln w="19050">
+            <a:solidFill>
+              <a:schemeClr val="tx1"/>
+            </a:solidFill>
+          </a:ln>
+        </p:spPr>
+        <p:style>
+          <a:lnRef idx="2">
+            <a:schemeClr val="accent1">
+              <a:shade val="50000"/>
+            </a:schemeClr>
+          </a:lnRef>
+          <a:fillRef idx="1">
+            <a:schemeClr val="accent1"/>
+          </a:fillRef>
+          <a:effectRef idx="0">
+            <a:schemeClr val="accent1"/>
+          </a:effectRef>
+          <a:fontRef idx="minor">
+            <a:schemeClr val="lt1"/>
+          </a:fontRef>
+        </p:style>
+        <p:txBody>
+          <a:bodyPr rot="0" spcFirstLastPara="0" vertOverflow="overflow" horzOverflow="overflow" vert="horz" wrap="square" lIns="91440" tIns="45720" rIns="91440" bIns="45720" numCol="1" spcCol="0" rtlCol="0" fromWordArt="0" anchor="ctr" anchorCtr="0" forceAA="0" compatLnSpc="1">
+            <a:prstTxWarp prst="textNoShape">
+              <a:avLst/>
+            </a:prstTxWarp>
+            <a:noAutofit/>
+          </a:bodyPr>
+          <a:lstStyle/>
+          <a:p>
+            <a:pPr algn="ctr"/>
+            <a:r>
+              <a:rPr lang="en-MY" dirty="0" smtClean="0">
+                <a:solidFill>
+                  <a:schemeClr val="tx1"/>
+                </a:solidFill>
+              </a:rPr>
+              <a:t>Print graphs</a:t>
+            </a:r>
+            <a:endParaRPr lang="en-MY" dirty="0">
+              <a:solidFill>
+                <a:schemeClr val="tx1"/>
+              </a:solidFill>
+            </a:endParaRPr>
+          </a:p>
+        </p:txBody>
+      </p:sp>
+      <p:graphicFrame>
+        <p:nvGraphicFramePr>
+          <p:cNvPr id="51" name="Table 50"/>
+          <p:cNvGraphicFramePr>
+            <a:graphicFrameLocks noGrp="1"/>
+          </p:cNvGraphicFramePr>
+          <p:nvPr>
+            <p:extLst>
+              <p:ext uri="{D42A27DB-BD31-4B8C-83A1-F6EECF244321}">
+                <p14:modId xmlns:p14="http://schemas.microsoft.com/office/powerpoint/2010/main" val="1452882261"/>
+              </p:ext>
+            </p:extLst>
+          </p:nvPr>
+        </p:nvGraphicFramePr>
+        <p:xfrm>
+          <a:off x="6220701" y="3158001"/>
+          <a:ext cx="1148393" cy="228283"/>
+        </p:xfrm>
+        <a:graphic>
+          <a:graphicData uri="http://schemas.openxmlformats.org/drawingml/2006/table">
+            <a:tbl>
+              <a:tblPr firstRow="1" firstCol="1" bandRow="1">
+                <a:tableStyleId>{5C22544A-7EE6-4342-B048-85BDC9FD1C3A}</a:tableStyleId>
+              </a:tblPr>
+              <a:tblGrid>
+                <a:gridCol w="1148393">
+                  <a:extLst>
+                    <a:ext uri="{9D8B030D-6E8A-4147-A177-3AD203B41FA5}">
+                      <a16:colId xmlns:a16="http://schemas.microsoft.com/office/drawing/2014/main" val="3283859600"/>
+                    </a:ext>
+                  </a:extLst>
+                </a:gridCol>
+              </a:tblGrid>
+              <a:tr h="227228">
+                <a:tc>
+                  <a:txBody>
+                    <a:bodyPr/>
+                    <a:lstStyle/>
+                    <a:p>
+                      <a:pPr algn="ctr">
+                        <a:lnSpc>
+                          <a:spcPct val="107000"/>
+                        </a:lnSpc>
+                        <a:spcAft>
+                          <a:spcPts val="0"/>
+                        </a:spcAft>
+                      </a:pPr>
+                      <a:r>
+                        <a:rPr lang="en-MY" sz="1400" u="none" dirty="0" smtClean="0">
+                          <a:solidFill>
+                            <a:sysClr val="windowText" lastClr="000000"/>
+                          </a:solidFill>
+                          <a:latin typeface="Times New Roman" panose="02020603050405020304" pitchFamily="18" charset="0"/>
+                          <a:cs typeface="Times New Roman" panose="02020603050405020304" pitchFamily="18" charset="0"/>
+                        </a:rPr>
+                        <a:t>&lt;&lt;extend&gt;&gt;</a:t>
+                      </a:r>
+                      <a:endParaRPr lang="en-MY" sz="1400" u="none" dirty="0">
+                        <a:solidFill>
+                          <a:sysClr val="windowText" lastClr="000000"/>
+                        </a:solidFill>
+                        <a:latin typeface="Times New Roman" panose="02020603050405020304" pitchFamily="18" charset="0"/>
+                        <a:cs typeface="Times New Roman" panose="02020603050405020304" pitchFamily="18" charset="0"/>
+                      </a:endParaRPr>
+                    </a:p>
+                  </a:txBody>
+                  <a:tcPr marL="68580" marR="68580" marT="0" marB="0">
+                    <a:lnL w="12700" cmpd="sng">
+                      <a:noFill/>
+                    </a:lnL>
+                    <a:lnR w="12700" cmpd="sng">
+                      <a:noFill/>
+                    </a:lnR>
+                    <a:lnT w="12700" cmpd="sng">
+                      <a:noFill/>
+                    </a:lnT>
+                    <a:lnB w="38100" cmpd="sng">
+                      <a:noFill/>
+                    </a:lnB>
+                    <a:lnTlToBr w="12700" cmpd="sng">
+                      <a:noFill/>
+                      <a:prstDash val="solid"/>
+                    </a:lnTlToBr>
+                    <a:lnBlToTr w="12700" cmpd="sng">
+                      <a:noFill/>
+                      <a:prstDash val="solid"/>
+                    </a:lnBlToTr>
+                    <a:noFill/>
+                  </a:tcPr>
+                </a:tc>
+                <a:extLst>
+                  <a:ext uri="{0D108BD9-81ED-4DB2-BD59-A6C34878D82A}">
+                    <a16:rowId xmlns:a16="http://schemas.microsoft.com/office/drawing/2014/main" val="1580972651"/>
+                  </a:ext>
+                </a:extLst>
+              </a:tr>
+            </a:tbl>
+          </a:graphicData>
+        </a:graphic>
+      </p:graphicFrame>
+      <p:cxnSp>
+        <p:nvCxnSpPr>
+          <p:cNvPr id="52" name="Straight Arrow Connector 51"/>
+          <p:cNvCxnSpPr>
+            <a:stCxn id="8" idx="4"/>
+            <a:endCxn id="50" idx="0"/>
+          </p:cNvCxnSpPr>
+          <p:nvPr/>
+        </p:nvCxnSpPr>
+        <p:spPr>
+          <a:xfrm flipH="1">
+            <a:off x="6237428" y="2975925"/>
+            <a:ext cx="1" cy="592436"/>
+          </a:xfrm>
+          <a:prstGeom prst="straightConnector1">
+            <a:avLst/>
+          </a:prstGeom>
+          <a:ln w="12700" cmpd="sng">
+            <a:solidFill>
+              <a:schemeClr val="tx1"/>
+            </a:solidFill>
+            <a:prstDash val="sysDash"/>
+            <a:headEnd type="arrow" w="lg" len="lg"/>
+            <a:tailEnd type="none"/>
+          </a:ln>
+        </p:spPr>
+        <p:style>
+          <a:lnRef idx="1">
+            <a:schemeClr val="accent1"/>
+          </a:lnRef>
+          <a:fillRef idx="0">
+            <a:schemeClr val="accent1"/>
+          </a:fillRef>
+          <a:effectRef idx="0">
+            <a:schemeClr val="accent1"/>
+          </a:effectRef>
+          <a:fontRef idx="minor">
+            <a:schemeClr val="tx1"/>
+          </a:fontRef>
+        </p:style>
+      </p:cxnSp>
+      <p:cxnSp>
+        <p:nvCxnSpPr>
+          <p:cNvPr id="55" name="Straight Connector 54"/>
+          <p:cNvCxnSpPr>
+            <a:stCxn id="6" idx="3"/>
+            <a:endCxn id="50" idx="2"/>
+          </p:cNvCxnSpPr>
+          <p:nvPr/>
+        </p:nvCxnSpPr>
+        <p:spPr>
+          <a:xfrm flipV="1">
+            <a:off x="2641601" y="3880386"/>
+            <a:ext cx="2325805" cy="234427"/>
+          </a:xfrm>
+          <a:prstGeom prst="line">
+            <a:avLst/>
+          </a:prstGeom>
+          <a:ln w="19050">
+            <a:solidFill>
+              <a:schemeClr val="tx1"/>
+            </a:solidFill>
+          </a:ln>
+        </p:spPr>
+        <p:style>
+          <a:lnRef idx="1">
+            <a:schemeClr val="accent1"/>
+          </a:lnRef>
+          <a:fillRef idx="0">
+            <a:schemeClr val="accent1"/>
+          </a:fillRef>
+          <a:effectRef idx="0">
+            <a:schemeClr val="accent1"/>
+          </a:effectRef>
+          <a:fontRef idx="minor">
+            <a:schemeClr val="tx1"/>
+          </a:fontRef>
+        </p:style>
+      </p:cxnSp>
+    </p:spTree>
+    <p:extLst>
+      <p:ext uri="{BB962C8B-B14F-4D97-AF65-F5344CB8AC3E}">
+        <p14:creationId xmlns:p14="http://schemas.microsoft.com/office/powerpoint/2010/main" val="1682377159"/>
+      </p:ext>
+    </p:extLst>
+  </p:cSld>
+  <p:clrMapOvr>
+    <a:masterClrMapping/>
+  </p:clrMapOvr>
+</p:sld>
+</file>
+
+<file path=ppt/slides/slide5.xml><?xml version="1.0" encoding="utf-8"?>
+<p:sld xmlns:a="http://schemas.openxmlformats.org/drawingml/2006/main" xmlns:r="http://schemas.openxmlformats.org/officeDocument/2006/relationships" xmlns:p="http://schemas.openxmlformats.org/presentationml/2006/main">
+  <p:cSld>
+    <p:spTree>
+      <p:nvGrpSpPr>
+        <p:cNvPr id="1" name=""/>
+        <p:cNvGrpSpPr/>
+        <p:nvPr/>
+      </p:nvGrpSpPr>
+      <p:grpSpPr>
+        <a:xfrm>
+          <a:off x="0" y="0"/>
+          <a:ext cx="0" cy="0"/>
+          <a:chOff x="0" y="0"/>
+          <a:chExt cx="0" cy="0"/>
+        </a:xfrm>
+      </p:grpSpPr>
+      <p:graphicFrame>
+        <p:nvGraphicFramePr>
+          <p:cNvPr id="4" name="Table 3"/>
+          <p:cNvGraphicFramePr>
+            <a:graphicFrameLocks noGrp="1"/>
+          </p:cNvGraphicFramePr>
+          <p:nvPr>
+            <p:extLst>
+              <p:ext uri="{D42A27DB-BD31-4B8C-83A1-F6EECF244321}">
+                <p14:modId xmlns:p14="http://schemas.microsoft.com/office/powerpoint/2010/main" val="2407748275"/>
+              </p:ext>
+            </p:extLst>
+          </p:nvPr>
+        </p:nvGraphicFramePr>
+        <p:xfrm>
+          <a:off x="467893" y="268981"/>
+          <a:ext cx="2837065" cy="746062"/>
+        </p:xfrm>
+        <a:graphic>
+          <a:graphicData uri="http://schemas.openxmlformats.org/drawingml/2006/table">
+            <a:tbl>
+              <a:tblPr firstRow="1" firstCol="1" bandRow="1">
+                <a:tableStyleId>{5C22544A-7EE6-4342-B048-85BDC9FD1C3A}</a:tableStyleId>
+              </a:tblPr>
+              <a:tblGrid>
+                <a:gridCol w="2837065">
+                  <a:extLst>
+                    <a:ext uri="{9D8B030D-6E8A-4147-A177-3AD203B41FA5}">
+                      <a16:colId xmlns:a16="http://schemas.microsoft.com/office/drawing/2014/main" val="3283859600"/>
+                    </a:ext>
+                  </a:extLst>
+                </a:gridCol>
+              </a:tblGrid>
+              <a:tr h="0">
+                <a:tc>
+                  <a:txBody>
+                    <a:bodyPr/>
+                    <a:lstStyle/>
+                    <a:p>
+                      <a:pPr>
+                        <a:lnSpc>
+                          <a:spcPct val="107000"/>
+                        </a:lnSpc>
+                        <a:spcAft>
+                          <a:spcPts val="0"/>
+                        </a:spcAft>
+                      </a:pPr>
+                      <a:r>
+                        <a:rPr lang="en-MY" u="sng" dirty="0" smtClean="0">
+                          <a:solidFill>
+                            <a:sysClr val="windowText" lastClr="000000"/>
+                          </a:solidFill>
+                          <a:latin typeface="Times New Roman" panose="02020603050405020304" pitchFamily="18" charset="0"/>
+                          <a:cs typeface="Times New Roman" panose="02020603050405020304" pitchFamily="18" charset="0"/>
+                        </a:rPr>
+                        <a:t>5</a:t>
+                      </a:r>
+                      <a:r>
+                        <a:rPr lang="en-MY" u="sng" baseline="30000" dirty="0" smtClean="0">
+                          <a:solidFill>
+                            <a:sysClr val="windowText" lastClr="000000"/>
+                          </a:solidFill>
+                          <a:latin typeface="Times New Roman" panose="02020603050405020304" pitchFamily="18" charset="0"/>
+                          <a:cs typeface="Times New Roman" panose="02020603050405020304" pitchFamily="18" charset="0"/>
+                        </a:rPr>
+                        <a:t>th</a:t>
+                      </a:r>
+                      <a:r>
+                        <a:rPr lang="en-MY" u="sng" dirty="0" smtClean="0">
+                          <a:solidFill>
+                            <a:sysClr val="windowText" lastClr="000000"/>
+                          </a:solidFill>
+                          <a:latin typeface="Times New Roman" panose="02020603050405020304" pitchFamily="18" charset="0"/>
+                          <a:cs typeface="Times New Roman" panose="02020603050405020304" pitchFamily="18" charset="0"/>
+                        </a:rPr>
+                        <a:t> Module</a:t>
+                      </a:r>
+                      <a:endParaRPr lang="en-MY" u="sng" dirty="0" smtClean="0">
+                        <a:solidFill>
+                          <a:sysClr val="windowText" lastClr="000000"/>
+                        </a:solidFill>
+                        <a:latin typeface="Times New Roman" panose="02020603050405020304" pitchFamily="18" charset="0"/>
+                        <a:cs typeface="Times New Roman" panose="02020603050405020304" pitchFamily="18" charset="0"/>
+                      </a:endParaRPr>
+                    </a:p>
+                    <a:p>
+                      <a:pPr>
+                        <a:lnSpc>
+                          <a:spcPct val="107000"/>
+                        </a:lnSpc>
+                        <a:spcAft>
+                          <a:spcPts val="0"/>
+                        </a:spcAft>
+                      </a:pPr>
+                      <a:r>
+                        <a:rPr lang="en-MY" dirty="0" smtClean="0">
+                          <a:solidFill>
+                            <a:sysClr val="windowText" lastClr="000000"/>
+                          </a:solidFill>
+                          <a:latin typeface="Times New Roman" panose="02020603050405020304" pitchFamily="18" charset="0"/>
+                          <a:cs typeface="Times New Roman" panose="02020603050405020304" pitchFamily="18" charset="0"/>
+                        </a:rPr>
+                        <a:t>Contact and</a:t>
+                      </a:r>
+                      <a:r>
+                        <a:rPr lang="en-MY" baseline="0" dirty="0" smtClean="0">
+                          <a:solidFill>
+                            <a:sysClr val="windowText" lastClr="000000"/>
+                          </a:solidFill>
+                          <a:latin typeface="Times New Roman" panose="02020603050405020304" pitchFamily="18" charset="0"/>
+                          <a:cs typeface="Times New Roman" panose="02020603050405020304" pitchFamily="18" charset="0"/>
+                        </a:rPr>
+                        <a:t> Review</a:t>
+                      </a:r>
+                      <a:endParaRPr lang="en-MY" dirty="0">
+                        <a:solidFill>
+                          <a:sysClr val="windowText" lastClr="000000"/>
+                        </a:solidFill>
+                        <a:latin typeface="Times New Roman" panose="02020603050405020304" pitchFamily="18" charset="0"/>
+                        <a:cs typeface="Times New Roman" panose="02020603050405020304" pitchFamily="18" charset="0"/>
+                      </a:endParaRPr>
+                    </a:p>
+                  </a:txBody>
+                  <a:tcPr marL="68580" marR="68580" marT="0" marB="0">
+                    <a:noFill/>
+                  </a:tcPr>
+                </a:tc>
+                <a:extLst>
+                  <a:ext uri="{0D108BD9-81ED-4DB2-BD59-A6C34878D82A}">
+                    <a16:rowId xmlns:a16="http://schemas.microsoft.com/office/drawing/2014/main" val="1580972651"/>
+                  </a:ext>
+                </a:extLst>
+              </a:tr>
+            </a:tbl>
+          </a:graphicData>
+        </a:graphic>
+      </p:graphicFrame>
+      <p:sp>
+        <p:nvSpPr>
+          <p:cNvPr id="5" name="Rectangle 4"/>
+          <p:cNvSpPr/>
+          <p:nvPr/>
+        </p:nvSpPr>
+        <p:spPr>
+          <a:xfrm>
+            <a:off x="3494851" y="987462"/>
+            <a:ext cx="5419778" cy="6811441"/>
+          </a:xfrm>
+          <a:prstGeom prst="rect">
+            <a:avLst/>
+          </a:prstGeom>
+          <a:noFill/>
+          <a:ln w="19050">
+            <a:solidFill>
+              <a:schemeClr val="tx1"/>
+            </a:solidFill>
+          </a:ln>
+        </p:spPr>
+        <p:style>
+          <a:lnRef idx="2">
+            <a:schemeClr val="accent1">
+              <a:shade val="50000"/>
+            </a:schemeClr>
+          </a:lnRef>
+          <a:fillRef idx="1">
+            <a:schemeClr val="accent1"/>
+          </a:fillRef>
+          <a:effectRef idx="0">
+            <a:schemeClr val="accent1"/>
+          </a:effectRef>
+          <a:fontRef idx="minor">
+            <a:schemeClr val="lt1"/>
+          </a:fontRef>
+        </p:style>
+        <p:txBody>
+          <a:bodyPr rot="0" spcFirstLastPara="0" vertOverflow="overflow" horzOverflow="overflow" vert="horz" wrap="square" lIns="91440" tIns="45720" rIns="91440" bIns="45720" numCol="1" spcCol="0" rtlCol="0" fromWordArt="0" anchor="ctr" anchorCtr="0" forceAA="0" compatLnSpc="1">
+            <a:prstTxWarp prst="textNoShape">
+              <a:avLst/>
+            </a:prstTxWarp>
+            <a:noAutofit/>
+          </a:bodyPr>
+          <a:lstStyle/>
+          <a:p>
+            <a:pPr algn="ctr"/>
+            <a:endParaRPr lang="en-MY"/>
+          </a:p>
+        </p:txBody>
+      </p:sp>
+      <p:pic>
+        <p:nvPicPr>
+          <p:cNvPr id="6" name="Picture 2" descr="Image result for stickman use case"/>
+          <p:cNvPicPr>
+            <a:picLocks noChangeAspect="1" noChangeArrowheads="1"/>
+          </p:cNvPicPr>
+          <p:nvPr/>
+        </p:nvPicPr>
+        <p:blipFill rotWithShape="1">
+          <a:blip r:embed="rId2" cstate="print">
+            <a:extLst>
+              <a:ext uri="{28A0092B-C50C-407E-A947-70E740481C1C}">
+                <a14:useLocalDpi xmlns:a14="http://schemas.microsoft.com/office/drawing/2010/main" val="0"/>
+              </a:ext>
+            </a:extLst>
+          </a:blip>
+          <a:srcRect l="32979" r="32592"/>
+          <a:stretch/>
+        </p:blipFill>
+        <p:spPr bwMode="auto">
+          <a:xfrm>
+            <a:off x="1000464" y="1965386"/>
+            <a:ext cx="1656081" cy="3362325"/>
+          </a:xfrm>
+          <a:prstGeom prst="rect">
+            <a:avLst/>
+          </a:prstGeom>
+          <a:noFill/>
+          <a:extLst>
+            <a:ext uri="{909E8E84-426E-40DD-AFC4-6F175D3DCCD1}">
+              <a14:hiddenFill xmlns:a14="http://schemas.microsoft.com/office/drawing/2010/main">
+                <a:solidFill>
+                  <a:srgbClr val="FFFFFF"/>
+                </a:solidFill>
+              </a14:hiddenFill>
+            </a:ext>
+          </a:extLst>
+        </p:spPr>
+      </p:pic>
+      <p:graphicFrame>
+        <p:nvGraphicFramePr>
+          <p:cNvPr id="7" name="Table 6"/>
+          <p:cNvGraphicFramePr>
+            <a:graphicFrameLocks noGrp="1"/>
+          </p:cNvGraphicFramePr>
+          <p:nvPr>
+            <p:extLst>
+              <p:ext uri="{D42A27DB-BD31-4B8C-83A1-F6EECF244321}">
+                <p14:modId xmlns:p14="http://schemas.microsoft.com/office/powerpoint/2010/main" val="2864637478"/>
+              </p:ext>
+            </p:extLst>
+          </p:nvPr>
+        </p:nvGraphicFramePr>
+        <p:xfrm>
+          <a:off x="738701" y="5134702"/>
+          <a:ext cx="2179605" cy="360045"/>
+        </p:xfrm>
+        <a:graphic>
+          <a:graphicData uri="http://schemas.openxmlformats.org/drawingml/2006/table">
+            <a:tbl>
+              <a:tblPr firstRow="1" firstCol="1" bandRow="1">
+                <a:tableStyleId>{5C22544A-7EE6-4342-B048-85BDC9FD1C3A}</a:tableStyleId>
+              </a:tblPr>
+              <a:tblGrid>
+                <a:gridCol w="2179605">
+                  <a:extLst>
+                    <a:ext uri="{9D8B030D-6E8A-4147-A177-3AD203B41FA5}">
+                      <a16:colId xmlns:a16="http://schemas.microsoft.com/office/drawing/2014/main" val="3283859600"/>
+                    </a:ext>
+                  </a:extLst>
+                </a:gridCol>
+              </a:tblGrid>
+              <a:tr h="0">
+                <a:tc>
+                  <a:txBody>
+                    <a:bodyPr/>
+                    <a:lstStyle/>
+                    <a:p>
+                      <a:pPr algn="ctr">
+                        <a:lnSpc>
+                          <a:spcPct val="107000"/>
+                        </a:lnSpc>
+                        <a:spcAft>
+                          <a:spcPts val="0"/>
+                        </a:spcAft>
+                      </a:pPr>
+                      <a:r>
+                        <a:rPr lang="en-MY" u="none" dirty="0" smtClean="0">
+                          <a:solidFill>
+                            <a:sysClr val="windowText" lastClr="000000"/>
+                          </a:solidFill>
+                          <a:latin typeface="Times New Roman" panose="02020603050405020304" pitchFamily="18" charset="0"/>
+                          <a:cs typeface="Times New Roman" panose="02020603050405020304" pitchFamily="18" charset="0"/>
+                        </a:rPr>
+                        <a:t>End User</a:t>
+                      </a:r>
+                      <a:endParaRPr lang="en-MY" u="none" dirty="0">
+                        <a:solidFill>
+                          <a:sysClr val="windowText" lastClr="000000"/>
+                        </a:solidFill>
+                        <a:latin typeface="Times New Roman" panose="02020603050405020304" pitchFamily="18" charset="0"/>
+                        <a:cs typeface="Times New Roman" panose="02020603050405020304" pitchFamily="18" charset="0"/>
+                      </a:endParaRPr>
+                    </a:p>
+                  </a:txBody>
+                  <a:tcPr marL="68580" marR="68580" marT="0" marB="0">
+                    <a:noFill/>
+                  </a:tcPr>
+                </a:tc>
+                <a:extLst>
+                  <a:ext uri="{0D108BD9-81ED-4DB2-BD59-A6C34878D82A}">
+                    <a16:rowId xmlns:a16="http://schemas.microsoft.com/office/drawing/2014/main" val="1580972651"/>
+                  </a:ext>
+                </a:extLst>
+              </a:tr>
+            </a:tbl>
+          </a:graphicData>
+        </a:graphic>
+      </p:graphicFrame>
+      <p:sp>
+        <p:nvSpPr>
+          <p:cNvPr id="8" name="Oval 7"/>
+          <p:cNvSpPr/>
+          <p:nvPr/>
+        </p:nvSpPr>
+        <p:spPr>
+          <a:xfrm>
+            <a:off x="5064348" y="1675407"/>
+            <a:ext cx="2540043" cy="624049"/>
+          </a:xfrm>
+          <a:prstGeom prst="ellipse">
+            <a:avLst/>
+          </a:prstGeom>
+          <a:noFill/>
+          <a:ln w="19050">
+            <a:solidFill>
+              <a:schemeClr val="tx1"/>
+            </a:solidFill>
+          </a:ln>
+        </p:spPr>
+        <p:style>
+          <a:lnRef idx="2">
+            <a:schemeClr val="accent1">
+              <a:shade val="50000"/>
+            </a:schemeClr>
+          </a:lnRef>
+          <a:fillRef idx="1">
+            <a:schemeClr val="accent1"/>
+          </a:fillRef>
+          <a:effectRef idx="0">
+            <a:schemeClr val="accent1"/>
+          </a:effectRef>
+          <a:fontRef idx="minor">
+            <a:schemeClr val="lt1"/>
+          </a:fontRef>
+        </p:style>
+        <p:txBody>
+          <a:bodyPr rot="0" spcFirstLastPara="0" vertOverflow="overflow" horzOverflow="overflow" vert="horz" wrap="square" lIns="91440" tIns="45720" rIns="91440" bIns="45720" numCol="1" spcCol="0" rtlCol="0" fromWordArt="0" anchor="ctr" anchorCtr="0" forceAA="0" compatLnSpc="1">
+            <a:prstTxWarp prst="textNoShape">
+              <a:avLst/>
+            </a:prstTxWarp>
+            <a:noAutofit/>
+          </a:bodyPr>
+          <a:lstStyle/>
+          <a:p>
+            <a:pPr algn="ctr"/>
+            <a:r>
+              <a:rPr lang="en-MY" dirty="0" smtClean="0">
+                <a:solidFill>
+                  <a:schemeClr val="tx1"/>
+                </a:solidFill>
+              </a:rPr>
+              <a:t>Provide review and rating</a:t>
+            </a:r>
+            <a:endParaRPr lang="en-MY" dirty="0">
+              <a:solidFill>
+                <a:schemeClr val="tx1"/>
+              </a:solidFill>
+            </a:endParaRPr>
+          </a:p>
+        </p:txBody>
+      </p:sp>
+      <p:cxnSp>
+        <p:nvCxnSpPr>
+          <p:cNvPr id="9" name="Straight Connector 8"/>
+          <p:cNvCxnSpPr>
+            <a:stCxn id="6" idx="3"/>
+            <a:endCxn id="8" idx="2"/>
+          </p:cNvCxnSpPr>
+          <p:nvPr/>
+        </p:nvCxnSpPr>
+        <p:spPr>
+          <a:xfrm flipV="1">
+            <a:off x="2656545" y="1987432"/>
+            <a:ext cx="2407803" cy="1659117"/>
+          </a:xfrm>
+          <a:prstGeom prst="line">
+            <a:avLst/>
+          </a:prstGeom>
+          <a:ln w="19050">
+            <a:solidFill>
+              <a:schemeClr val="tx1"/>
+            </a:solidFill>
+          </a:ln>
+        </p:spPr>
+        <p:style>
+          <a:lnRef idx="1">
+            <a:schemeClr val="accent1"/>
+          </a:lnRef>
+          <a:fillRef idx="0">
+            <a:schemeClr val="accent1"/>
+          </a:fillRef>
+          <a:effectRef idx="0">
+            <a:schemeClr val="accent1"/>
+          </a:effectRef>
+          <a:fontRef idx="minor">
+            <a:schemeClr val="tx1"/>
+          </a:fontRef>
+        </p:style>
+      </p:cxnSp>
+      <p:sp>
+        <p:nvSpPr>
+          <p:cNvPr id="12" name="Oval 11"/>
+          <p:cNvSpPr/>
+          <p:nvPr/>
+        </p:nvSpPr>
+        <p:spPr>
+          <a:xfrm>
+            <a:off x="5161968" y="4038431"/>
+            <a:ext cx="2336800" cy="661931"/>
+          </a:xfrm>
+          <a:prstGeom prst="ellipse">
+            <a:avLst/>
+          </a:prstGeom>
+          <a:noFill/>
+          <a:ln w="19050">
+            <a:solidFill>
+              <a:schemeClr val="tx1"/>
+            </a:solidFill>
+          </a:ln>
+        </p:spPr>
+        <p:style>
+          <a:lnRef idx="2">
+            <a:schemeClr val="accent1">
+              <a:shade val="50000"/>
+            </a:schemeClr>
+          </a:lnRef>
+          <a:fillRef idx="1">
+            <a:schemeClr val="accent1"/>
+          </a:fillRef>
+          <a:effectRef idx="0">
+            <a:schemeClr val="accent1"/>
+          </a:effectRef>
+          <a:fontRef idx="minor">
+            <a:schemeClr val="lt1"/>
+          </a:fontRef>
+        </p:style>
+        <p:txBody>
+          <a:bodyPr rot="0" spcFirstLastPara="0" vertOverflow="overflow" horzOverflow="overflow" vert="horz" wrap="square" lIns="91440" tIns="45720" rIns="91440" bIns="45720" numCol="1" spcCol="0" rtlCol="0" fromWordArt="0" anchor="ctr" anchorCtr="0" forceAA="0" compatLnSpc="1">
+            <a:prstTxWarp prst="textNoShape">
+              <a:avLst/>
+            </a:prstTxWarp>
+            <a:noAutofit/>
+          </a:bodyPr>
+          <a:lstStyle/>
+          <a:p>
+            <a:pPr algn="ctr"/>
+            <a:r>
+              <a:rPr lang="en-MY" dirty="0" smtClean="0">
+                <a:solidFill>
+                  <a:schemeClr val="tx1"/>
+                </a:solidFill>
+              </a:rPr>
+              <a:t>Receive review and ratings</a:t>
+            </a:r>
+            <a:endParaRPr lang="en-MY" dirty="0">
+              <a:solidFill>
+                <a:schemeClr val="tx1"/>
+              </a:solidFill>
+            </a:endParaRPr>
+          </a:p>
+        </p:txBody>
+      </p:sp>
+      <p:pic>
+        <p:nvPicPr>
+          <p:cNvPr id="16" name="Picture 2" descr="Image result for stickman use case"/>
+          <p:cNvPicPr>
+            <a:picLocks noChangeAspect="1" noChangeArrowheads="1"/>
+          </p:cNvPicPr>
+          <p:nvPr/>
+        </p:nvPicPr>
+        <p:blipFill rotWithShape="1">
+          <a:blip r:embed="rId2" cstate="print">
+            <a:extLst>
+              <a:ext uri="{28A0092B-C50C-407E-A947-70E740481C1C}">
+                <a14:useLocalDpi xmlns:a14="http://schemas.microsoft.com/office/drawing/2010/main" val="0"/>
+              </a:ext>
+            </a:extLst>
+          </a:blip>
+          <a:srcRect l="32979" r="32592"/>
+          <a:stretch/>
+        </p:blipFill>
+        <p:spPr bwMode="auto">
+          <a:xfrm>
+            <a:off x="10214036" y="2300662"/>
+            <a:ext cx="1656081" cy="3362325"/>
+          </a:xfrm>
+          <a:prstGeom prst="rect">
+            <a:avLst/>
+          </a:prstGeom>
+          <a:noFill/>
+          <a:extLst>
+            <a:ext uri="{909E8E84-426E-40DD-AFC4-6F175D3DCCD1}">
+              <a14:hiddenFill xmlns:a14="http://schemas.microsoft.com/office/drawing/2010/main">
+                <a:solidFill>
+                  <a:srgbClr val="FFFFFF"/>
+                </a:solidFill>
+              </a14:hiddenFill>
+            </a:ext>
+          </a:extLst>
+        </p:spPr>
+      </p:pic>
+      <p:graphicFrame>
+        <p:nvGraphicFramePr>
+          <p:cNvPr id="18" name="Table 17"/>
+          <p:cNvGraphicFramePr>
+            <a:graphicFrameLocks noGrp="1"/>
+          </p:cNvGraphicFramePr>
+          <p:nvPr>
+            <p:extLst>
+              <p:ext uri="{D42A27DB-BD31-4B8C-83A1-F6EECF244321}">
+                <p14:modId xmlns:p14="http://schemas.microsoft.com/office/powerpoint/2010/main" val="2135900508"/>
+              </p:ext>
+            </p:extLst>
+          </p:nvPr>
+        </p:nvGraphicFramePr>
+        <p:xfrm>
+          <a:off x="9952274" y="5401212"/>
+          <a:ext cx="2179605" cy="360045"/>
+        </p:xfrm>
+        <a:graphic>
+          <a:graphicData uri="http://schemas.openxmlformats.org/drawingml/2006/table">
+            <a:tbl>
+              <a:tblPr firstRow="1" firstCol="1" bandRow="1">
+                <a:tableStyleId>{5C22544A-7EE6-4342-B048-85BDC9FD1C3A}</a:tableStyleId>
+              </a:tblPr>
+              <a:tblGrid>
+                <a:gridCol w="2179605">
+                  <a:extLst>
+                    <a:ext uri="{9D8B030D-6E8A-4147-A177-3AD203B41FA5}">
+                      <a16:colId xmlns:a16="http://schemas.microsoft.com/office/drawing/2014/main" val="3283859600"/>
+                    </a:ext>
+                  </a:extLst>
+                </a:gridCol>
+              </a:tblGrid>
+              <a:tr h="0">
+                <a:tc>
+                  <a:txBody>
+                    <a:bodyPr/>
+                    <a:lstStyle/>
+                    <a:p>
+                      <a:pPr algn="ctr">
+                        <a:lnSpc>
+                          <a:spcPct val="107000"/>
+                        </a:lnSpc>
+                        <a:spcAft>
+                          <a:spcPts val="0"/>
+                        </a:spcAft>
+                      </a:pPr>
+                      <a:r>
+                        <a:rPr lang="en-MY" u="none" dirty="0" smtClean="0">
+                          <a:solidFill>
+                            <a:sysClr val="windowText" lastClr="000000"/>
+                          </a:solidFill>
+                          <a:latin typeface="Times New Roman" panose="02020603050405020304" pitchFamily="18" charset="0"/>
+                          <a:cs typeface="Times New Roman" panose="02020603050405020304" pitchFamily="18" charset="0"/>
+                        </a:rPr>
+                        <a:t>Admin / Staff</a:t>
+                      </a:r>
+                      <a:endParaRPr lang="en-MY" u="none" dirty="0">
+                        <a:solidFill>
+                          <a:sysClr val="windowText" lastClr="000000"/>
+                        </a:solidFill>
+                        <a:latin typeface="Times New Roman" panose="02020603050405020304" pitchFamily="18" charset="0"/>
+                        <a:cs typeface="Times New Roman" panose="02020603050405020304" pitchFamily="18" charset="0"/>
+                      </a:endParaRPr>
+                    </a:p>
+                  </a:txBody>
+                  <a:tcPr marL="68580" marR="68580" marT="0" marB="0">
+                    <a:noFill/>
+                  </a:tcPr>
+                </a:tc>
+                <a:extLst>
+                  <a:ext uri="{0D108BD9-81ED-4DB2-BD59-A6C34878D82A}">
+                    <a16:rowId xmlns:a16="http://schemas.microsoft.com/office/drawing/2014/main" val="1580972651"/>
+                  </a:ext>
+                </a:extLst>
+              </a:tr>
+            </a:tbl>
+          </a:graphicData>
+        </a:graphic>
+      </p:graphicFrame>
+      <p:cxnSp>
+        <p:nvCxnSpPr>
+          <p:cNvPr id="27" name="Straight Connector 26"/>
+          <p:cNvCxnSpPr>
+            <a:stCxn id="16" idx="1"/>
+            <a:endCxn id="36" idx="6"/>
+          </p:cNvCxnSpPr>
+          <p:nvPr/>
+        </p:nvCxnSpPr>
+        <p:spPr>
+          <a:xfrm flipH="1">
+            <a:off x="7435893" y="3981825"/>
+            <a:ext cx="2778143" cy="2510252"/>
+          </a:xfrm>
+          <a:prstGeom prst="line">
+            <a:avLst/>
+          </a:prstGeom>
+          <a:ln w="19050">
+            <a:solidFill>
+              <a:schemeClr val="tx1"/>
+            </a:solidFill>
+          </a:ln>
+        </p:spPr>
+        <p:style>
+          <a:lnRef idx="1">
+            <a:schemeClr val="accent1"/>
+          </a:lnRef>
+          <a:fillRef idx="0">
+            <a:schemeClr val="accent1"/>
+          </a:fillRef>
+          <a:effectRef idx="0">
+            <a:schemeClr val="accent1"/>
+          </a:effectRef>
+          <a:fontRef idx="minor">
+            <a:schemeClr val="tx1"/>
+          </a:fontRef>
+        </p:style>
+      </p:cxnSp>
+      <p:sp>
+        <p:nvSpPr>
+          <p:cNvPr id="36" name="Oval 35"/>
+          <p:cNvSpPr/>
+          <p:nvPr/>
+        </p:nvSpPr>
+        <p:spPr>
+          <a:xfrm>
+            <a:off x="5111896" y="6161111"/>
+            <a:ext cx="2323997" cy="661931"/>
+          </a:xfrm>
+          <a:prstGeom prst="ellipse">
+            <a:avLst/>
+          </a:prstGeom>
+          <a:noFill/>
+          <a:ln w="19050">
+            <a:solidFill>
+              <a:schemeClr val="tx1"/>
+            </a:solidFill>
+          </a:ln>
+        </p:spPr>
+        <p:style>
+          <a:lnRef idx="2">
+            <a:schemeClr val="accent1">
+              <a:shade val="50000"/>
+            </a:schemeClr>
+          </a:lnRef>
+          <a:fillRef idx="1">
+            <a:schemeClr val="accent1"/>
+          </a:fillRef>
+          <a:effectRef idx="0">
+            <a:schemeClr val="accent1"/>
+          </a:effectRef>
+          <a:fontRef idx="minor">
+            <a:schemeClr val="lt1"/>
+          </a:fontRef>
+        </p:style>
+        <p:txBody>
+          <a:bodyPr rot="0" spcFirstLastPara="0" vertOverflow="overflow" horzOverflow="overflow" vert="horz" wrap="square" lIns="91440" tIns="45720" rIns="91440" bIns="45720" numCol="1" spcCol="0" rtlCol="0" fromWordArt="0" anchor="ctr" anchorCtr="0" forceAA="0" compatLnSpc="1">
+            <a:prstTxWarp prst="textNoShape">
+              <a:avLst/>
+            </a:prstTxWarp>
+            <a:noAutofit/>
+          </a:bodyPr>
+          <a:lstStyle/>
+          <a:p>
+            <a:pPr algn="ctr"/>
+            <a:r>
+              <a:rPr lang="en-MY" dirty="0" smtClean="0">
+                <a:solidFill>
+                  <a:schemeClr val="tx1"/>
+                </a:solidFill>
+              </a:rPr>
+              <a:t>Live chat</a:t>
+            </a:r>
+            <a:endParaRPr lang="en-MY" dirty="0">
+              <a:solidFill>
+                <a:schemeClr val="tx1"/>
+              </a:solidFill>
+            </a:endParaRPr>
+          </a:p>
+        </p:txBody>
+      </p:sp>
+      <p:sp>
+        <p:nvSpPr>
+          <p:cNvPr id="28" name="Oval 27"/>
+          <p:cNvSpPr/>
+          <p:nvPr/>
+        </p:nvSpPr>
+        <p:spPr>
+          <a:xfrm>
+            <a:off x="5122391" y="2503302"/>
+            <a:ext cx="2423956" cy="934281"/>
+          </a:xfrm>
+          <a:prstGeom prst="ellipse">
+            <a:avLst/>
+          </a:prstGeom>
+          <a:noFill/>
+          <a:ln w="19050">
+            <a:solidFill>
+              <a:schemeClr val="tx1"/>
+            </a:solidFill>
+          </a:ln>
+        </p:spPr>
+        <p:style>
+          <a:lnRef idx="2">
+            <a:schemeClr val="accent1">
+              <a:shade val="50000"/>
+            </a:schemeClr>
+          </a:lnRef>
+          <a:fillRef idx="1">
+            <a:schemeClr val="accent1"/>
+          </a:fillRef>
+          <a:effectRef idx="0">
+            <a:schemeClr val="accent1"/>
+          </a:effectRef>
+          <a:fontRef idx="minor">
+            <a:schemeClr val="lt1"/>
+          </a:fontRef>
+        </p:style>
+        <p:txBody>
+          <a:bodyPr rot="0" spcFirstLastPara="0" vertOverflow="overflow" horzOverflow="overflow" vert="horz" wrap="square" lIns="91440" tIns="45720" rIns="91440" bIns="45720" numCol="1" spcCol="0" rtlCol="0" fromWordArt="0" anchor="ctr" anchorCtr="0" forceAA="0" compatLnSpc="1">
+            <a:prstTxWarp prst="textNoShape">
+              <a:avLst/>
+            </a:prstTxWarp>
+            <a:noAutofit/>
+          </a:bodyPr>
+          <a:lstStyle/>
+          <a:p>
+            <a:pPr algn="ctr"/>
+            <a:r>
+              <a:rPr lang="en-MY" dirty="0" smtClean="0">
+                <a:solidFill>
+                  <a:schemeClr val="tx1"/>
+                </a:solidFill>
+              </a:rPr>
+              <a:t>View review and rating by other users</a:t>
+            </a:r>
+            <a:endParaRPr lang="en-MY" dirty="0">
+              <a:solidFill>
+                <a:schemeClr val="tx1"/>
+              </a:solidFill>
+            </a:endParaRPr>
+          </a:p>
+        </p:txBody>
+      </p:sp>
+      <p:cxnSp>
+        <p:nvCxnSpPr>
+          <p:cNvPr id="56" name="Straight Connector 55"/>
+          <p:cNvCxnSpPr>
+            <a:stCxn id="6" idx="3"/>
+            <a:endCxn id="28" idx="2"/>
+          </p:cNvCxnSpPr>
+          <p:nvPr/>
+        </p:nvCxnSpPr>
+        <p:spPr>
+          <a:xfrm flipV="1">
+            <a:off x="2656545" y="2970443"/>
+            <a:ext cx="2465846" cy="676106"/>
+          </a:xfrm>
+          <a:prstGeom prst="line">
+            <a:avLst/>
+          </a:prstGeom>
+          <a:ln w="19050">
+            <a:solidFill>
+              <a:schemeClr val="tx1"/>
+            </a:solidFill>
+          </a:ln>
+        </p:spPr>
+        <p:style>
+          <a:lnRef idx="1">
+            <a:schemeClr val="accent1"/>
+          </a:lnRef>
+          <a:fillRef idx="0">
+            <a:schemeClr val="accent1"/>
+          </a:fillRef>
+          <a:effectRef idx="0">
+            <a:schemeClr val="accent1"/>
+          </a:effectRef>
+          <a:fontRef idx="minor">
+            <a:schemeClr val="tx1"/>
+          </a:fontRef>
+        </p:style>
+      </p:cxnSp>
+      <p:cxnSp>
+        <p:nvCxnSpPr>
+          <p:cNvPr id="59" name="Straight Connector 58"/>
+          <p:cNvCxnSpPr>
+            <a:stCxn id="16" idx="1"/>
+            <a:endCxn id="12" idx="6"/>
+          </p:cNvCxnSpPr>
+          <p:nvPr/>
+        </p:nvCxnSpPr>
+        <p:spPr>
+          <a:xfrm flipH="1">
+            <a:off x="7498768" y="3981825"/>
+            <a:ext cx="2715268" cy="387572"/>
+          </a:xfrm>
+          <a:prstGeom prst="line">
+            <a:avLst/>
+          </a:prstGeom>
+          <a:ln w="19050">
+            <a:solidFill>
+              <a:schemeClr val="tx1"/>
+            </a:solidFill>
+          </a:ln>
+        </p:spPr>
+        <p:style>
+          <a:lnRef idx="1">
+            <a:schemeClr val="accent1"/>
+          </a:lnRef>
+          <a:fillRef idx="0">
+            <a:schemeClr val="accent1"/>
+          </a:fillRef>
+          <a:effectRef idx="0">
+            <a:schemeClr val="accent1"/>
+          </a:effectRef>
+          <a:fontRef idx="minor">
+            <a:schemeClr val="tx1"/>
+          </a:fontRef>
+        </p:style>
+      </p:cxnSp>
+      <p:cxnSp>
+        <p:nvCxnSpPr>
+          <p:cNvPr id="63" name="Straight Connector 62"/>
+          <p:cNvCxnSpPr>
+            <a:stCxn id="6" idx="3"/>
+            <a:endCxn id="36" idx="2"/>
+          </p:cNvCxnSpPr>
+          <p:nvPr/>
+        </p:nvCxnSpPr>
+        <p:spPr>
+          <a:xfrm>
+            <a:off x="2656545" y="3646549"/>
+            <a:ext cx="2455351" cy="2845528"/>
+          </a:xfrm>
+          <a:prstGeom prst="line">
+            <a:avLst/>
+          </a:prstGeom>
+          <a:ln w="19050">
+            <a:solidFill>
+              <a:schemeClr val="tx1"/>
+            </a:solidFill>
+          </a:ln>
+        </p:spPr>
+        <p:style>
+          <a:lnRef idx="1">
+            <a:schemeClr val="accent1"/>
+          </a:lnRef>
+          <a:fillRef idx="0">
+            <a:schemeClr val="accent1"/>
+          </a:fillRef>
+          <a:effectRef idx="0">
+            <a:schemeClr val="accent1"/>
+          </a:effectRef>
+          <a:fontRef idx="minor">
+            <a:schemeClr val="tx1"/>
+          </a:fontRef>
+        </p:style>
+      </p:cxnSp>
+      <p:sp>
+        <p:nvSpPr>
+          <p:cNvPr id="44" name="Oval 43"/>
+          <p:cNvSpPr/>
+          <p:nvPr/>
+        </p:nvSpPr>
+        <p:spPr>
+          <a:xfrm>
+            <a:off x="5154495" y="5083586"/>
+            <a:ext cx="2336800" cy="661931"/>
+          </a:xfrm>
+          <a:prstGeom prst="ellipse">
+            <a:avLst/>
+          </a:prstGeom>
+          <a:noFill/>
+          <a:ln w="19050">
+            <a:solidFill>
+              <a:schemeClr val="tx1"/>
+            </a:solidFill>
+          </a:ln>
+        </p:spPr>
+        <p:style>
+          <a:lnRef idx="2">
+            <a:schemeClr val="accent1">
+              <a:shade val="50000"/>
+            </a:schemeClr>
+          </a:lnRef>
+          <a:fillRef idx="1">
+            <a:schemeClr val="accent1"/>
+          </a:fillRef>
+          <a:effectRef idx="0">
+            <a:schemeClr val="accent1"/>
+          </a:effectRef>
+          <a:fontRef idx="minor">
+            <a:schemeClr val="lt1"/>
+          </a:fontRef>
+        </p:style>
+        <p:txBody>
+          <a:bodyPr rot="0" spcFirstLastPara="0" vertOverflow="overflow" horzOverflow="overflow" vert="horz" wrap="square" lIns="91440" tIns="45720" rIns="91440" bIns="45720" numCol="1" spcCol="0" rtlCol="0" fromWordArt="0" anchor="ctr" anchorCtr="0" forceAA="0" compatLnSpc="1">
+            <a:prstTxWarp prst="textNoShape">
+              <a:avLst/>
+            </a:prstTxWarp>
+            <a:noAutofit/>
+          </a:bodyPr>
+          <a:lstStyle/>
+          <a:p>
+            <a:pPr algn="ctr"/>
+            <a:r>
+              <a:rPr lang="en-MY" dirty="0" smtClean="0">
+                <a:solidFill>
+                  <a:schemeClr val="tx1"/>
+                </a:solidFill>
+              </a:rPr>
+              <a:t>Manage review and ratings</a:t>
+            </a:r>
+            <a:endParaRPr lang="en-MY" dirty="0">
+              <a:solidFill>
+                <a:schemeClr val="tx1"/>
+              </a:solidFill>
+            </a:endParaRPr>
+          </a:p>
+        </p:txBody>
+      </p:sp>
+      <p:cxnSp>
+        <p:nvCxnSpPr>
+          <p:cNvPr id="49" name="Straight Connector 48"/>
+          <p:cNvCxnSpPr>
+            <a:stCxn id="16" idx="1"/>
+            <a:endCxn id="44" idx="6"/>
+          </p:cNvCxnSpPr>
+          <p:nvPr/>
+        </p:nvCxnSpPr>
+        <p:spPr>
+          <a:xfrm flipH="1">
+            <a:off x="7491295" y="3981825"/>
+            <a:ext cx="2722741" cy="1432727"/>
+          </a:xfrm>
+          <a:prstGeom prst="line">
+            <a:avLst/>
+          </a:prstGeom>
+          <a:ln w="19050">
+            <a:solidFill>
+              <a:schemeClr val="tx1"/>
+            </a:solidFill>
+          </a:ln>
+        </p:spPr>
+        <p:style>
+          <a:lnRef idx="1">
+            <a:schemeClr val="accent1"/>
+          </a:lnRef>
+          <a:fillRef idx="0">
+            <a:schemeClr val="accent1"/>
+          </a:fillRef>
+          <a:effectRef idx="0">
+            <a:schemeClr val="accent1"/>
+          </a:effectRef>
+          <a:fontRef idx="minor">
+            <a:schemeClr val="tx1"/>
+          </a:fontRef>
+        </p:style>
+      </p:cxnSp>
+      <p:graphicFrame>
+        <p:nvGraphicFramePr>
+          <p:cNvPr id="58" name="Table 57"/>
+          <p:cNvGraphicFramePr>
+            <a:graphicFrameLocks noGrp="1"/>
+          </p:cNvGraphicFramePr>
+          <p:nvPr>
+            <p:extLst>
+              <p:ext uri="{D42A27DB-BD31-4B8C-83A1-F6EECF244321}">
+                <p14:modId xmlns:p14="http://schemas.microsoft.com/office/powerpoint/2010/main" val="3738048828"/>
+              </p:ext>
+            </p:extLst>
+          </p:nvPr>
+        </p:nvGraphicFramePr>
+        <p:xfrm>
+          <a:off x="6287790" y="4790216"/>
+          <a:ext cx="1148393" cy="227228"/>
+        </p:xfrm>
+        <a:graphic>
+          <a:graphicData uri="http://schemas.openxmlformats.org/drawingml/2006/table">
+            <a:tbl>
+              <a:tblPr firstRow="1" firstCol="1" bandRow="1">
+                <a:tableStyleId>{5C22544A-7EE6-4342-B048-85BDC9FD1C3A}</a:tableStyleId>
+              </a:tblPr>
+              <a:tblGrid>
+                <a:gridCol w="1148393">
+                  <a:extLst>
+                    <a:ext uri="{9D8B030D-6E8A-4147-A177-3AD203B41FA5}">
+                      <a16:colId xmlns:a16="http://schemas.microsoft.com/office/drawing/2014/main" val="3283859600"/>
+                    </a:ext>
+                  </a:extLst>
+                </a:gridCol>
+              </a:tblGrid>
+              <a:tr h="227228">
+                <a:tc>
+                  <a:txBody>
+                    <a:bodyPr/>
+                    <a:lstStyle/>
+                    <a:p>
+                      <a:pPr algn="ctr">
+                        <a:lnSpc>
+                          <a:spcPct val="107000"/>
+                        </a:lnSpc>
+                        <a:spcAft>
+                          <a:spcPts val="0"/>
+                        </a:spcAft>
+                      </a:pPr>
+                      <a:r>
+                        <a:rPr lang="en-MY" sz="1400" u="none" dirty="0" smtClean="0">
+                          <a:solidFill>
+                            <a:sysClr val="windowText" lastClr="000000"/>
+                          </a:solidFill>
+                          <a:latin typeface="Times New Roman" panose="02020603050405020304" pitchFamily="18" charset="0"/>
+                          <a:cs typeface="Times New Roman" panose="02020603050405020304" pitchFamily="18" charset="0"/>
+                        </a:rPr>
+                        <a:t>&lt;&lt;extend&gt;&gt;</a:t>
+                      </a:r>
+                      <a:endParaRPr lang="en-MY" sz="1400" u="none" dirty="0">
+                        <a:solidFill>
+                          <a:sysClr val="windowText" lastClr="000000"/>
+                        </a:solidFill>
+                        <a:latin typeface="Times New Roman" panose="02020603050405020304" pitchFamily="18" charset="0"/>
+                        <a:cs typeface="Times New Roman" panose="02020603050405020304" pitchFamily="18" charset="0"/>
+                      </a:endParaRPr>
+                    </a:p>
+                  </a:txBody>
+                  <a:tcPr marL="68580" marR="68580" marT="0" marB="0">
+                    <a:lnL w="12700" cmpd="sng">
+                      <a:noFill/>
+                    </a:lnL>
+                    <a:lnR w="12700" cmpd="sng">
+                      <a:noFill/>
+                    </a:lnR>
+                    <a:lnT w="12700" cmpd="sng">
+                      <a:noFill/>
+                    </a:lnT>
+                    <a:lnB w="38100" cmpd="sng">
+                      <a:noFill/>
+                    </a:lnB>
+                    <a:lnTlToBr w="12700" cmpd="sng">
+                      <a:noFill/>
+                      <a:prstDash val="solid"/>
+                    </a:lnTlToBr>
+                    <a:lnBlToTr w="12700" cmpd="sng">
+                      <a:noFill/>
+                      <a:prstDash val="solid"/>
+                    </a:lnBlToTr>
+                    <a:noFill/>
+                  </a:tcPr>
+                </a:tc>
+                <a:extLst>
+                  <a:ext uri="{0D108BD9-81ED-4DB2-BD59-A6C34878D82A}">
+                    <a16:rowId xmlns:a16="http://schemas.microsoft.com/office/drawing/2014/main" val="1580972651"/>
+                  </a:ext>
+                </a:extLst>
+              </a:tr>
+            </a:tbl>
+          </a:graphicData>
+        </a:graphic>
+      </p:graphicFrame>
+      <p:cxnSp>
+        <p:nvCxnSpPr>
+          <p:cNvPr id="60" name="Straight Arrow Connector 59"/>
+          <p:cNvCxnSpPr>
+            <a:stCxn id="12" idx="4"/>
+            <a:endCxn id="44" idx="0"/>
+          </p:cNvCxnSpPr>
+          <p:nvPr/>
+        </p:nvCxnSpPr>
+        <p:spPr>
+          <a:xfrm flipH="1">
+            <a:off x="6322895" y="4700362"/>
+            <a:ext cx="7473" cy="383224"/>
+          </a:xfrm>
+          <a:prstGeom prst="straightConnector1">
+            <a:avLst/>
+          </a:prstGeom>
+          <a:ln w="12700" cmpd="sng">
+            <a:solidFill>
+              <a:schemeClr val="tx1"/>
+            </a:solidFill>
+            <a:prstDash val="sysDash"/>
+            <a:headEnd type="arrow" w="lg" len="lg"/>
+            <a:tailEnd type="none"/>
+          </a:ln>
+        </p:spPr>
+        <p:style>
+          <a:lnRef idx="1">
+            <a:schemeClr val="accent1"/>
+          </a:lnRef>
+          <a:fillRef idx="0">
+            <a:schemeClr val="accent1"/>
+          </a:fillRef>
+          <a:effectRef idx="0">
+            <a:schemeClr val="accent1"/>
+          </a:effectRef>
+          <a:fontRef idx="minor">
+            <a:schemeClr val="tx1"/>
+          </a:fontRef>
+        </p:style>
+      </p:cxnSp>
+    </p:spTree>
+    <p:extLst>
+      <p:ext uri="{BB962C8B-B14F-4D97-AF65-F5344CB8AC3E}">
+        <p14:creationId xmlns:p14="http://schemas.microsoft.com/office/powerpoint/2010/main" val="817460390"/>
       </p:ext>
     </p:extLst>
   </p:cSld>

--- a/Week 2/Use Case.pptx
+++ b/Week 2/Use Case.pptx
@@ -247,7 +247,7 @@
           <a:p>
             <a:fld id="{2B67E3C9-07A2-4588-973A-FCDD4FB55356}" type="datetimeFigureOut">
               <a:rPr lang="en-MY" smtClean="0"/>
-              <a:t>16/1/2019</a:t>
+              <a:t>24/1/2019</a:t>
             </a:fld>
             <a:endParaRPr lang="en-MY"/>
           </a:p>
@@ -417,7 +417,7 @@
           <a:p>
             <a:fld id="{2B67E3C9-07A2-4588-973A-FCDD4FB55356}" type="datetimeFigureOut">
               <a:rPr lang="en-MY" smtClean="0"/>
-              <a:t>16/1/2019</a:t>
+              <a:t>24/1/2019</a:t>
             </a:fld>
             <a:endParaRPr lang="en-MY"/>
           </a:p>
@@ -597,7 +597,7 @@
           <a:p>
             <a:fld id="{2B67E3C9-07A2-4588-973A-FCDD4FB55356}" type="datetimeFigureOut">
               <a:rPr lang="en-MY" smtClean="0"/>
-              <a:t>16/1/2019</a:t>
+              <a:t>24/1/2019</a:t>
             </a:fld>
             <a:endParaRPr lang="en-MY"/>
           </a:p>
@@ -767,7 +767,7 @@
           <a:p>
             <a:fld id="{2B67E3C9-07A2-4588-973A-FCDD4FB55356}" type="datetimeFigureOut">
               <a:rPr lang="en-MY" smtClean="0"/>
-              <a:t>16/1/2019</a:t>
+              <a:t>24/1/2019</a:t>
             </a:fld>
             <a:endParaRPr lang="en-MY"/>
           </a:p>
@@ -1011,7 +1011,7 @@
           <a:p>
             <a:fld id="{2B67E3C9-07A2-4588-973A-FCDD4FB55356}" type="datetimeFigureOut">
               <a:rPr lang="en-MY" smtClean="0"/>
-              <a:t>16/1/2019</a:t>
+              <a:t>24/1/2019</a:t>
             </a:fld>
             <a:endParaRPr lang="en-MY"/>
           </a:p>
@@ -1243,7 +1243,7 @@
           <a:p>
             <a:fld id="{2B67E3C9-07A2-4588-973A-FCDD4FB55356}" type="datetimeFigureOut">
               <a:rPr lang="en-MY" smtClean="0"/>
-              <a:t>16/1/2019</a:t>
+              <a:t>24/1/2019</a:t>
             </a:fld>
             <a:endParaRPr lang="en-MY"/>
           </a:p>
@@ -1610,7 +1610,7 @@
           <a:p>
             <a:fld id="{2B67E3C9-07A2-4588-973A-FCDD4FB55356}" type="datetimeFigureOut">
               <a:rPr lang="en-MY" smtClean="0"/>
-              <a:t>16/1/2019</a:t>
+              <a:t>24/1/2019</a:t>
             </a:fld>
             <a:endParaRPr lang="en-MY"/>
           </a:p>
@@ -1728,7 +1728,7 @@
           <a:p>
             <a:fld id="{2B67E3C9-07A2-4588-973A-FCDD4FB55356}" type="datetimeFigureOut">
               <a:rPr lang="en-MY" smtClean="0"/>
-              <a:t>16/1/2019</a:t>
+              <a:t>24/1/2019</a:t>
             </a:fld>
             <a:endParaRPr lang="en-MY"/>
           </a:p>
@@ -1823,7 +1823,7 @@
           <a:p>
             <a:fld id="{2B67E3C9-07A2-4588-973A-FCDD4FB55356}" type="datetimeFigureOut">
               <a:rPr lang="en-MY" smtClean="0"/>
-              <a:t>16/1/2019</a:t>
+              <a:t>24/1/2019</a:t>
             </a:fld>
             <a:endParaRPr lang="en-MY"/>
           </a:p>
@@ -2100,7 +2100,7 @@
           <a:p>
             <a:fld id="{2B67E3C9-07A2-4588-973A-FCDD4FB55356}" type="datetimeFigureOut">
               <a:rPr lang="en-MY" smtClean="0"/>
-              <a:t>16/1/2019</a:t>
+              <a:t>24/1/2019</a:t>
             </a:fld>
             <a:endParaRPr lang="en-MY"/>
           </a:p>
@@ -2357,7 +2357,7 @@
           <a:p>
             <a:fld id="{2B67E3C9-07A2-4588-973A-FCDD4FB55356}" type="datetimeFigureOut">
               <a:rPr lang="en-MY" smtClean="0"/>
-              <a:t>16/1/2019</a:t>
+              <a:t>24/1/2019</a:t>
             </a:fld>
             <a:endParaRPr lang="en-MY"/>
           </a:p>
@@ -2570,7 +2570,7 @@
           <a:p>
             <a:fld id="{2B67E3C9-07A2-4588-973A-FCDD4FB55356}" type="datetimeFigureOut">
               <a:rPr lang="en-MY" smtClean="0"/>
-              <a:t>16/1/2019</a:t>
+              <a:t>24/1/2019</a:t>
             </a:fld>
             <a:endParaRPr lang="en-MY"/>
           </a:p>
@@ -6538,13 +6538,6 @@
                         </a:rPr>
                         <a:t> Module</a:t>
                       </a:r>
-                      <a:endParaRPr lang="en-MY" u="sng" dirty="0" smtClean="0">
-                        <a:solidFill>
-                          <a:sysClr val="windowText" lastClr="000000"/>
-                        </a:solidFill>
-                        <a:latin typeface="Times New Roman" panose="02020603050405020304" pitchFamily="18" charset="0"/>
-                        <a:cs typeface="Times New Roman" panose="02020603050405020304" pitchFamily="18" charset="0"/>
-                      </a:endParaRPr>
                     </a:p>
                     <a:p>
                       <a:pPr>
@@ -7117,7 +7110,15 @@
                   <a:schemeClr val="tx1"/>
                 </a:solidFill>
               </a:rPr>
-              <a:t>Make payment</a:t>
+              <a:t>Make </a:t>
+            </a:r>
+            <a:r>
+              <a:rPr lang="en-MY" dirty="0" smtClean="0">
+                <a:solidFill>
+                  <a:schemeClr val="tx1"/>
+                </a:solidFill>
+              </a:rPr>
+              <a:t>payment</a:t>
             </a:r>
             <a:endParaRPr lang="en-MY" dirty="0">
               <a:solidFill>
@@ -8106,13 +8107,6 @@
                         </a:rPr>
                         <a:t> Module</a:t>
                       </a:r>
-                      <a:endParaRPr lang="en-MY" u="sng" dirty="0" smtClean="0">
-                        <a:solidFill>
-                          <a:sysClr val="windowText" lastClr="000000"/>
-                        </a:solidFill>
-                        <a:latin typeface="Times New Roman" panose="02020603050405020304" pitchFamily="18" charset="0"/>
-                        <a:cs typeface="Times New Roman" panose="02020603050405020304" pitchFamily="18" charset="0"/>
-                      </a:endParaRPr>
                     </a:p>
                     <a:p>
                       <a:pPr>
@@ -9053,7 +9047,7 @@
         </p:nvGraphicFramePr>
         <p:xfrm>
           <a:off x="467893" y="268981"/>
-          <a:ext cx="2837065" cy="746062"/>
+          <a:ext cx="2837065" cy="772033"/>
         </p:xfrm>
         <a:graphic>
           <a:graphicData uri="http://schemas.openxmlformats.org/drawingml/2006/table">
@@ -9114,13 +9108,6 @@
                         </a:rPr>
                         <a:t> Module</a:t>
                       </a:r>
-                      <a:endParaRPr lang="en-MY" u="sng" dirty="0" smtClean="0">
-                        <a:solidFill>
-                          <a:sysClr val="windowText" lastClr="000000"/>
-                        </a:solidFill>
-                        <a:latin typeface="Times New Roman" panose="02020603050405020304" pitchFamily="18" charset="0"/>
-                        <a:cs typeface="Times New Roman" panose="02020603050405020304" pitchFamily="18" charset="0"/>
-                      </a:endParaRPr>
                     </a:p>
                     <a:p>
                       <a:pPr>
@@ -9280,7 +9267,7 @@
         </p:nvGraphicFramePr>
         <p:xfrm>
           <a:off x="738701" y="5134702"/>
-          <a:ext cx="2179605" cy="360045"/>
+          <a:ext cx="2179605" cy="386017"/>
         </p:xfrm>
         <a:graphic>
           <a:graphicData uri="http://schemas.openxmlformats.org/drawingml/2006/table">
@@ -9563,7 +9550,7 @@
         </p:nvGraphicFramePr>
         <p:xfrm>
           <a:off x="9952274" y="5401212"/>
-          <a:ext cx="2179605" cy="360045"/>
+          <a:ext cx="2179605" cy="386017"/>
         </p:xfrm>
         <a:graphic>
           <a:graphicData uri="http://schemas.openxmlformats.org/drawingml/2006/table">
@@ -10022,7 +10009,7 @@
         </p:nvGraphicFramePr>
         <p:xfrm>
           <a:off x="6287790" y="4790216"/>
-          <a:ext cx="1148393" cy="227228"/>
+          <a:ext cx="1148393" cy="228283"/>
         </p:xfrm>
         <a:graphic>
           <a:graphicData uri="http://schemas.openxmlformats.org/drawingml/2006/table">
